--- a/hafta08/hafta08.pptx
+++ b/hafta08/hafta08.pptx
@@ -5,7 +5,7 @@
     <p:sldMasterId id="2147483648" r:id="rId1"/>
   </p:sldMasterIdLst>
   <p:notesMasterIdLst>
-    <p:notesMasterId r:id="rId66"/>
+    <p:notesMasterId r:id="rId80"/>
   </p:notesMasterIdLst>
   <p:sldIdLst>
     <p:sldId id="256" r:id="rId2"/>
@@ -72,6 +72,20 @@
     <p:sldId id="320" r:id="rId63"/>
     <p:sldId id="321" r:id="rId64"/>
     <p:sldId id="322" r:id="rId65"/>
+    <p:sldId id="323" r:id="rId66"/>
+    <p:sldId id="324" r:id="rId67"/>
+    <p:sldId id="325" r:id="rId68"/>
+    <p:sldId id="326" r:id="rId69"/>
+    <p:sldId id="327" r:id="rId70"/>
+    <p:sldId id="328" r:id="rId71"/>
+    <p:sldId id="329" r:id="rId72"/>
+    <p:sldId id="330" r:id="rId73"/>
+    <p:sldId id="331" r:id="rId74"/>
+    <p:sldId id="332" r:id="rId75"/>
+    <p:sldId id="333" r:id="rId76"/>
+    <p:sldId id="334" r:id="rId77"/>
+    <p:sldId id="335" r:id="rId78"/>
+    <p:sldId id="336" r:id="rId79"/>
   </p:sldIdLst>
   <p:sldSz cx="12192000" cy="6858000"/>
   <p:notesSz cx="6858000" cy="9144000"/>
@@ -170,6 +184,11 @@
       </a:defRPr>
     </a:lvl9pPr>
   </p:defaultTextStyle>
+  <p:extLst>
+    <p:ext uri="{EFAFB233-063F-42B5-8137-9DF3F51BA10A}">
+      <p15:sldGuideLst xmlns:p15="http://schemas.microsoft.com/office/powerpoint/2012/main"/>
+    </p:ext>
+  </p:extLst>
 </p:presentation>
 </file>
 
@@ -255,7 +274,7 @@
           <a:p>
             <a:fld id="{6A1C39A3-5A23-4232-8480-44D689DDFC84}" type="datetimeFigureOut">
               <a:rPr lang="en-US" smtClean="0"/>
-              <a:t>5/22/2023</a:t>
+              <a:t>5/23/2023</a:t>
             </a:fld>
             <a:endParaRPr lang="en-US"/>
           </a:p>
@@ -5562,6 +5581,510 @@
 </p:notes>
 </file>
 
+<file path=ppt/notesSlides/notesSlide64.xml><?xml version="1.0" encoding="utf-8"?>
+<p:notes xmlns:a="http://schemas.openxmlformats.org/drawingml/2006/main" xmlns:r="http://schemas.openxmlformats.org/officeDocument/2006/relationships" xmlns:p="http://schemas.openxmlformats.org/presentationml/2006/main">
+  <p:cSld>
+    <p:spTree>
+      <p:nvGrpSpPr>
+        <p:cNvPr id="1" name=""/>
+        <p:cNvGrpSpPr/>
+        <p:nvPr/>
+      </p:nvGrpSpPr>
+      <p:grpSpPr>
+        <a:xfrm>
+          <a:off x="0" y="0"/>
+          <a:ext cx="0" cy="0"/>
+          <a:chOff x="0" y="0"/>
+          <a:chExt cx="0" cy="0"/>
+        </a:xfrm>
+      </p:grpSpPr>
+      <p:sp>
+        <p:nvSpPr>
+          <p:cNvPr id="2" name="Slayt Görüntüsü Yer Tutucusu 1"/>
+          <p:cNvSpPr>
+            <a:spLocks noGrp="1" noRot="1" noChangeAspect="1"/>
+          </p:cNvSpPr>
+          <p:nvPr>
+            <p:ph type="sldImg"/>
+          </p:nvPr>
+        </p:nvSpPr>
+        <p:spPr/>
+      </p:sp>
+      <p:sp>
+        <p:nvSpPr>
+          <p:cNvPr id="3" name="Not Yer Tutucusu 2"/>
+          <p:cNvSpPr>
+            <a:spLocks noGrp="1"/>
+          </p:cNvSpPr>
+          <p:nvPr>
+            <p:ph type="body" idx="1"/>
+          </p:nvPr>
+        </p:nvSpPr>
+        <p:spPr/>
+        <p:txBody>
+          <a:bodyPr/>
+          <a:lstStyle/>
+          <a:p>
+            <a:endParaRPr lang="tr-TR" dirty="0"/>
+          </a:p>
+        </p:txBody>
+      </p:sp>
+      <p:sp>
+        <p:nvSpPr>
+          <p:cNvPr id="4" name="Slayt Numarası Yer Tutucusu 3"/>
+          <p:cNvSpPr>
+            <a:spLocks noGrp="1"/>
+          </p:cNvSpPr>
+          <p:nvPr>
+            <p:ph type="sldNum" sz="quarter" idx="10"/>
+          </p:nvPr>
+        </p:nvSpPr>
+        <p:spPr/>
+        <p:txBody>
+          <a:bodyPr/>
+          <a:lstStyle/>
+          <a:p>
+            <a:fld id="{3E941159-20D0-4B44-8346-CEB6645F637B}" type="slidenum">
+              <a:rPr lang="tr-TR" smtClean="0"/>
+              <a:t>65</a:t>
+            </a:fld>
+            <a:endParaRPr lang="tr-TR" dirty="0"/>
+          </a:p>
+        </p:txBody>
+      </p:sp>
+    </p:spTree>
+    <p:extLst>
+      <p:ext uri="{BB962C8B-B14F-4D97-AF65-F5344CB8AC3E}">
+        <p14:creationId xmlns:p14="http://schemas.microsoft.com/office/powerpoint/2010/main" val="784784389"/>
+      </p:ext>
+    </p:extLst>
+  </p:cSld>
+  <p:clrMapOvr>
+    <a:masterClrMapping/>
+  </p:clrMapOvr>
+</p:notes>
+</file>
+
+<file path=ppt/notesSlides/notesSlide65.xml><?xml version="1.0" encoding="utf-8"?>
+<p:notes xmlns:a="http://schemas.openxmlformats.org/drawingml/2006/main" xmlns:r="http://schemas.openxmlformats.org/officeDocument/2006/relationships" xmlns:p="http://schemas.openxmlformats.org/presentationml/2006/main">
+  <p:cSld>
+    <p:spTree>
+      <p:nvGrpSpPr>
+        <p:cNvPr id="1" name=""/>
+        <p:cNvGrpSpPr/>
+        <p:nvPr/>
+      </p:nvGrpSpPr>
+      <p:grpSpPr>
+        <a:xfrm>
+          <a:off x="0" y="0"/>
+          <a:ext cx="0" cy="0"/>
+          <a:chOff x="0" y="0"/>
+          <a:chExt cx="0" cy="0"/>
+        </a:xfrm>
+      </p:grpSpPr>
+      <p:sp>
+        <p:nvSpPr>
+          <p:cNvPr id="2" name="Slayt Görüntüsü Yer Tutucusu 1"/>
+          <p:cNvSpPr>
+            <a:spLocks noGrp="1" noRot="1" noChangeAspect="1"/>
+          </p:cNvSpPr>
+          <p:nvPr>
+            <p:ph type="sldImg"/>
+          </p:nvPr>
+        </p:nvSpPr>
+        <p:spPr/>
+      </p:sp>
+      <p:sp>
+        <p:nvSpPr>
+          <p:cNvPr id="3" name="Not Yer Tutucusu 2"/>
+          <p:cNvSpPr>
+            <a:spLocks noGrp="1"/>
+          </p:cNvSpPr>
+          <p:nvPr>
+            <p:ph type="body" idx="1"/>
+          </p:nvPr>
+        </p:nvSpPr>
+        <p:spPr/>
+        <p:txBody>
+          <a:bodyPr/>
+          <a:lstStyle/>
+          <a:p>
+            <a:endParaRPr lang="tr-TR" dirty="0"/>
+          </a:p>
+        </p:txBody>
+      </p:sp>
+      <p:sp>
+        <p:nvSpPr>
+          <p:cNvPr id="4" name="Slayt Numarası Yer Tutucusu 3"/>
+          <p:cNvSpPr>
+            <a:spLocks noGrp="1"/>
+          </p:cNvSpPr>
+          <p:nvPr>
+            <p:ph type="sldNum" sz="quarter" idx="10"/>
+          </p:nvPr>
+        </p:nvSpPr>
+        <p:spPr/>
+        <p:txBody>
+          <a:bodyPr/>
+          <a:lstStyle/>
+          <a:p>
+            <a:fld id="{3E941159-20D0-4B44-8346-CEB6645F637B}" type="slidenum">
+              <a:rPr lang="tr-TR" smtClean="0"/>
+              <a:t>66</a:t>
+            </a:fld>
+            <a:endParaRPr lang="tr-TR" dirty="0"/>
+          </a:p>
+        </p:txBody>
+      </p:sp>
+    </p:spTree>
+    <p:extLst>
+      <p:ext uri="{BB962C8B-B14F-4D97-AF65-F5344CB8AC3E}">
+        <p14:creationId xmlns:p14="http://schemas.microsoft.com/office/powerpoint/2010/main" val="1483646257"/>
+      </p:ext>
+    </p:extLst>
+  </p:cSld>
+  <p:clrMapOvr>
+    <a:masterClrMapping/>
+  </p:clrMapOvr>
+</p:notes>
+</file>
+
+<file path=ppt/notesSlides/notesSlide66.xml><?xml version="1.0" encoding="utf-8"?>
+<p:notes xmlns:a="http://schemas.openxmlformats.org/drawingml/2006/main" xmlns:r="http://schemas.openxmlformats.org/officeDocument/2006/relationships" xmlns:p="http://schemas.openxmlformats.org/presentationml/2006/main">
+  <p:cSld>
+    <p:spTree>
+      <p:nvGrpSpPr>
+        <p:cNvPr id="1" name=""/>
+        <p:cNvGrpSpPr/>
+        <p:nvPr/>
+      </p:nvGrpSpPr>
+      <p:grpSpPr>
+        <a:xfrm>
+          <a:off x="0" y="0"/>
+          <a:ext cx="0" cy="0"/>
+          <a:chOff x="0" y="0"/>
+          <a:chExt cx="0" cy="0"/>
+        </a:xfrm>
+      </p:grpSpPr>
+      <p:sp>
+        <p:nvSpPr>
+          <p:cNvPr id="2" name="Slayt Görüntüsü Yer Tutucusu 1"/>
+          <p:cNvSpPr>
+            <a:spLocks noGrp="1" noRot="1" noChangeAspect="1"/>
+          </p:cNvSpPr>
+          <p:nvPr>
+            <p:ph type="sldImg"/>
+          </p:nvPr>
+        </p:nvSpPr>
+        <p:spPr/>
+      </p:sp>
+      <p:sp>
+        <p:nvSpPr>
+          <p:cNvPr id="3" name="Not Yer Tutucusu 2"/>
+          <p:cNvSpPr>
+            <a:spLocks noGrp="1"/>
+          </p:cNvSpPr>
+          <p:nvPr>
+            <p:ph type="body" idx="1"/>
+          </p:nvPr>
+        </p:nvSpPr>
+        <p:spPr/>
+        <p:txBody>
+          <a:bodyPr/>
+          <a:lstStyle/>
+          <a:p>
+            <a:endParaRPr lang="tr-TR" dirty="0"/>
+          </a:p>
+        </p:txBody>
+      </p:sp>
+      <p:sp>
+        <p:nvSpPr>
+          <p:cNvPr id="4" name="Slayt Numarası Yer Tutucusu 3"/>
+          <p:cNvSpPr>
+            <a:spLocks noGrp="1"/>
+          </p:cNvSpPr>
+          <p:nvPr>
+            <p:ph type="sldNum" sz="quarter" idx="10"/>
+          </p:nvPr>
+        </p:nvSpPr>
+        <p:spPr/>
+        <p:txBody>
+          <a:bodyPr/>
+          <a:lstStyle/>
+          <a:p>
+            <a:fld id="{3E941159-20D0-4B44-8346-CEB6645F637B}" type="slidenum">
+              <a:rPr lang="tr-TR" smtClean="0"/>
+              <a:t>67</a:t>
+            </a:fld>
+            <a:endParaRPr lang="tr-TR" dirty="0"/>
+          </a:p>
+        </p:txBody>
+      </p:sp>
+    </p:spTree>
+    <p:extLst>
+      <p:ext uri="{BB962C8B-B14F-4D97-AF65-F5344CB8AC3E}">
+        <p14:creationId xmlns:p14="http://schemas.microsoft.com/office/powerpoint/2010/main" val="863062249"/>
+      </p:ext>
+    </p:extLst>
+  </p:cSld>
+  <p:clrMapOvr>
+    <a:masterClrMapping/>
+  </p:clrMapOvr>
+</p:notes>
+</file>
+
+<file path=ppt/notesSlides/notesSlide67.xml><?xml version="1.0" encoding="utf-8"?>
+<p:notes xmlns:a="http://schemas.openxmlformats.org/drawingml/2006/main" xmlns:r="http://schemas.openxmlformats.org/officeDocument/2006/relationships" xmlns:p="http://schemas.openxmlformats.org/presentationml/2006/main">
+  <p:cSld>
+    <p:spTree>
+      <p:nvGrpSpPr>
+        <p:cNvPr id="1" name=""/>
+        <p:cNvGrpSpPr/>
+        <p:nvPr/>
+      </p:nvGrpSpPr>
+      <p:grpSpPr>
+        <a:xfrm>
+          <a:off x="0" y="0"/>
+          <a:ext cx="0" cy="0"/>
+          <a:chOff x="0" y="0"/>
+          <a:chExt cx="0" cy="0"/>
+        </a:xfrm>
+      </p:grpSpPr>
+      <p:sp>
+        <p:nvSpPr>
+          <p:cNvPr id="2" name="Slayt Görüntüsü Yer Tutucusu 1"/>
+          <p:cNvSpPr>
+            <a:spLocks noGrp="1" noRot="1" noChangeAspect="1"/>
+          </p:cNvSpPr>
+          <p:nvPr>
+            <p:ph type="sldImg"/>
+          </p:nvPr>
+        </p:nvSpPr>
+        <p:spPr/>
+      </p:sp>
+      <p:sp>
+        <p:nvSpPr>
+          <p:cNvPr id="3" name="Not Yer Tutucusu 2"/>
+          <p:cNvSpPr>
+            <a:spLocks noGrp="1"/>
+          </p:cNvSpPr>
+          <p:nvPr>
+            <p:ph type="body" idx="1"/>
+          </p:nvPr>
+        </p:nvSpPr>
+        <p:spPr/>
+        <p:txBody>
+          <a:bodyPr/>
+          <a:lstStyle/>
+          <a:p>
+            <a:endParaRPr lang="tr-TR" dirty="0"/>
+          </a:p>
+        </p:txBody>
+      </p:sp>
+      <p:sp>
+        <p:nvSpPr>
+          <p:cNvPr id="4" name="Slayt Numarası Yer Tutucusu 3"/>
+          <p:cNvSpPr>
+            <a:spLocks noGrp="1"/>
+          </p:cNvSpPr>
+          <p:nvPr>
+            <p:ph type="sldNum" sz="quarter" idx="10"/>
+          </p:nvPr>
+        </p:nvSpPr>
+        <p:spPr/>
+        <p:txBody>
+          <a:bodyPr/>
+          <a:lstStyle/>
+          <a:p>
+            <a:fld id="{3E941159-20D0-4B44-8346-CEB6645F637B}" type="slidenum">
+              <a:rPr lang="tr-TR" smtClean="0"/>
+              <a:t>68</a:t>
+            </a:fld>
+            <a:endParaRPr lang="tr-TR" dirty="0"/>
+          </a:p>
+        </p:txBody>
+      </p:sp>
+    </p:spTree>
+    <p:extLst>
+      <p:ext uri="{BB962C8B-B14F-4D97-AF65-F5344CB8AC3E}">
+        <p14:creationId xmlns:p14="http://schemas.microsoft.com/office/powerpoint/2010/main" val="3531801087"/>
+      </p:ext>
+    </p:extLst>
+  </p:cSld>
+  <p:clrMapOvr>
+    <a:masterClrMapping/>
+  </p:clrMapOvr>
+</p:notes>
+</file>
+
+<file path=ppt/notesSlides/notesSlide68.xml><?xml version="1.0" encoding="utf-8"?>
+<p:notes xmlns:a="http://schemas.openxmlformats.org/drawingml/2006/main" xmlns:r="http://schemas.openxmlformats.org/officeDocument/2006/relationships" xmlns:p="http://schemas.openxmlformats.org/presentationml/2006/main">
+  <p:cSld>
+    <p:spTree>
+      <p:nvGrpSpPr>
+        <p:cNvPr id="1" name=""/>
+        <p:cNvGrpSpPr/>
+        <p:nvPr/>
+      </p:nvGrpSpPr>
+      <p:grpSpPr>
+        <a:xfrm>
+          <a:off x="0" y="0"/>
+          <a:ext cx="0" cy="0"/>
+          <a:chOff x="0" y="0"/>
+          <a:chExt cx="0" cy="0"/>
+        </a:xfrm>
+      </p:grpSpPr>
+      <p:sp>
+        <p:nvSpPr>
+          <p:cNvPr id="2" name="Slayt Görüntüsü Yer Tutucusu 1"/>
+          <p:cNvSpPr>
+            <a:spLocks noGrp="1" noRot="1" noChangeAspect="1"/>
+          </p:cNvSpPr>
+          <p:nvPr>
+            <p:ph type="sldImg"/>
+          </p:nvPr>
+        </p:nvSpPr>
+        <p:spPr/>
+      </p:sp>
+      <p:sp>
+        <p:nvSpPr>
+          <p:cNvPr id="3" name="Not Yer Tutucusu 2"/>
+          <p:cNvSpPr>
+            <a:spLocks noGrp="1"/>
+          </p:cNvSpPr>
+          <p:nvPr>
+            <p:ph type="body" idx="1"/>
+          </p:nvPr>
+        </p:nvSpPr>
+        <p:spPr/>
+        <p:txBody>
+          <a:bodyPr/>
+          <a:lstStyle/>
+          <a:p>
+            <a:endParaRPr lang="tr-TR" dirty="0"/>
+          </a:p>
+        </p:txBody>
+      </p:sp>
+      <p:sp>
+        <p:nvSpPr>
+          <p:cNvPr id="4" name="Slayt Numarası Yer Tutucusu 3"/>
+          <p:cNvSpPr>
+            <a:spLocks noGrp="1"/>
+          </p:cNvSpPr>
+          <p:nvPr>
+            <p:ph type="sldNum" sz="quarter" idx="10"/>
+          </p:nvPr>
+        </p:nvSpPr>
+        <p:spPr/>
+        <p:txBody>
+          <a:bodyPr/>
+          <a:lstStyle/>
+          <a:p>
+            <a:fld id="{3E941159-20D0-4B44-8346-CEB6645F637B}" type="slidenum">
+              <a:rPr lang="tr-TR" smtClean="0"/>
+              <a:t>69</a:t>
+            </a:fld>
+            <a:endParaRPr lang="tr-TR" dirty="0"/>
+          </a:p>
+        </p:txBody>
+      </p:sp>
+    </p:spTree>
+    <p:extLst>
+      <p:ext uri="{BB962C8B-B14F-4D97-AF65-F5344CB8AC3E}">
+        <p14:creationId xmlns:p14="http://schemas.microsoft.com/office/powerpoint/2010/main" val="2492345208"/>
+      </p:ext>
+    </p:extLst>
+  </p:cSld>
+  <p:clrMapOvr>
+    <a:masterClrMapping/>
+  </p:clrMapOvr>
+</p:notes>
+</file>
+
+<file path=ppt/notesSlides/notesSlide69.xml><?xml version="1.0" encoding="utf-8"?>
+<p:notes xmlns:a="http://schemas.openxmlformats.org/drawingml/2006/main" xmlns:r="http://schemas.openxmlformats.org/officeDocument/2006/relationships" xmlns:p="http://schemas.openxmlformats.org/presentationml/2006/main">
+  <p:cSld>
+    <p:spTree>
+      <p:nvGrpSpPr>
+        <p:cNvPr id="1" name=""/>
+        <p:cNvGrpSpPr/>
+        <p:nvPr/>
+      </p:nvGrpSpPr>
+      <p:grpSpPr>
+        <a:xfrm>
+          <a:off x="0" y="0"/>
+          <a:ext cx="0" cy="0"/>
+          <a:chOff x="0" y="0"/>
+          <a:chExt cx="0" cy="0"/>
+        </a:xfrm>
+      </p:grpSpPr>
+      <p:sp>
+        <p:nvSpPr>
+          <p:cNvPr id="2" name="Slayt Görüntüsü Yer Tutucusu 1"/>
+          <p:cNvSpPr>
+            <a:spLocks noGrp="1" noRot="1" noChangeAspect="1"/>
+          </p:cNvSpPr>
+          <p:nvPr>
+            <p:ph type="sldImg"/>
+          </p:nvPr>
+        </p:nvSpPr>
+        <p:spPr/>
+      </p:sp>
+      <p:sp>
+        <p:nvSpPr>
+          <p:cNvPr id="3" name="Not Yer Tutucusu 2"/>
+          <p:cNvSpPr>
+            <a:spLocks noGrp="1"/>
+          </p:cNvSpPr>
+          <p:nvPr>
+            <p:ph type="body" idx="1"/>
+          </p:nvPr>
+        </p:nvSpPr>
+        <p:spPr/>
+        <p:txBody>
+          <a:bodyPr/>
+          <a:lstStyle/>
+          <a:p>
+            <a:endParaRPr lang="tr-TR" dirty="0"/>
+          </a:p>
+        </p:txBody>
+      </p:sp>
+      <p:sp>
+        <p:nvSpPr>
+          <p:cNvPr id="4" name="Slayt Numarası Yer Tutucusu 3"/>
+          <p:cNvSpPr>
+            <a:spLocks noGrp="1"/>
+          </p:cNvSpPr>
+          <p:nvPr>
+            <p:ph type="sldNum" sz="quarter" idx="10"/>
+          </p:nvPr>
+        </p:nvSpPr>
+        <p:spPr/>
+        <p:txBody>
+          <a:bodyPr/>
+          <a:lstStyle/>
+          <a:p>
+            <a:fld id="{3E941159-20D0-4B44-8346-CEB6645F637B}" type="slidenum">
+              <a:rPr lang="tr-TR" smtClean="0"/>
+              <a:t>70</a:t>
+            </a:fld>
+            <a:endParaRPr lang="tr-TR" dirty="0"/>
+          </a:p>
+        </p:txBody>
+      </p:sp>
+    </p:spTree>
+    <p:extLst>
+      <p:ext uri="{BB962C8B-B14F-4D97-AF65-F5344CB8AC3E}">
+        <p14:creationId xmlns:p14="http://schemas.microsoft.com/office/powerpoint/2010/main" val="3881711515"/>
+      </p:ext>
+    </p:extLst>
+  </p:cSld>
+  <p:clrMapOvr>
+    <a:masterClrMapping/>
+  </p:clrMapOvr>
+</p:notes>
+</file>
+
 <file path=ppt/notesSlides/notesSlide7.xml><?xml version="1.0" encoding="utf-8"?>
 <p:notes xmlns:a="http://schemas.openxmlformats.org/drawingml/2006/main" xmlns:r="http://schemas.openxmlformats.org/officeDocument/2006/relationships" xmlns:p="http://schemas.openxmlformats.org/presentationml/2006/main">
   <p:cSld>
@@ -5637,6 +6160,678 @@
     <p:extLst>
       <p:ext uri="{BB962C8B-B14F-4D97-AF65-F5344CB8AC3E}">
         <p14:creationId xmlns:p14="http://schemas.microsoft.com/office/powerpoint/2010/main" val="2415948170"/>
+      </p:ext>
+    </p:extLst>
+  </p:cSld>
+  <p:clrMapOvr>
+    <a:masterClrMapping/>
+  </p:clrMapOvr>
+</p:notes>
+</file>
+
+<file path=ppt/notesSlides/notesSlide70.xml><?xml version="1.0" encoding="utf-8"?>
+<p:notes xmlns:a="http://schemas.openxmlformats.org/drawingml/2006/main" xmlns:r="http://schemas.openxmlformats.org/officeDocument/2006/relationships" xmlns:p="http://schemas.openxmlformats.org/presentationml/2006/main">
+  <p:cSld>
+    <p:spTree>
+      <p:nvGrpSpPr>
+        <p:cNvPr id="1" name=""/>
+        <p:cNvGrpSpPr/>
+        <p:nvPr/>
+      </p:nvGrpSpPr>
+      <p:grpSpPr>
+        <a:xfrm>
+          <a:off x="0" y="0"/>
+          <a:ext cx="0" cy="0"/>
+          <a:chOff x="0" y="0"/>
+          <a:chExt cx="0" cy="0"/>
+        </a:xfrm>
+      </p:grpSpPr>
+      <p:sp>
+        <p:nvSpPr>
+          <p:cNvPr id="2" name="Slayt Görüntüsü Yer Tutucusu 1"/>
+          <p:cNvSpPr>
+            <a:spLocks noGrp="1" noRot="1" noChangeAspect="1"/>
+          </p:cNvSpPr>
+          <p:nvPr>
+            <p:ph type="sldImg"/>
+          </p:nvPr>
+        </p:nvSpPr>
+        <p:spPr/>
+      </p:sp>
+      <p:sp>
+        <p:nvSpPr>
+          <p:cNvPr id="3" name="Not Yer Tutucusu 2"/>
+          <p:cNvSpPr>
+            <a:spLocks noGrp="1"/>
+          </p:cNvSpPr>
+          <p:nvPr>
+            <p:ph type="body" idx="1"/>
+          </p:nvPr>
+        </p:nvSpPr>
+        <p:spPr/>
+        <p:txBody>
+          <a:bodyPr/>
+          <a:lstStyle/>
+          <a:p>
+            <a:endParaRPr lang="tr-TR" dirty="0"/>
+          </a:p>
+        </p:txBody>
+      </p:sp>
+      <p:sp>
+        <p:nvSpPr>
+          <p:cNvPr id="4" name="Slayt Numarası Yer Tutucusu 3"/>
+          <p:cNvSpPr>
+            <a:spLocks noGrp="1"/>
+          </p:cNvSpPr>
+          <p:nvPr>
+            <p:ph type="sldNum" sz="quarter" idx="10"/>
+          </p:nvPr>
+        </p:nvSpPr>
+        <p:spPr/>
+        <p:txBody>
+          <a:bodyPr/>
+          <a:lstStyle/>
+          <a:p>
+            <a:fld id="{3E941159-20D0-4B44-8346-CEB6645F637B}" type="slidenum">
+              <a:rPr lang="tr-TR" smtClean="0"/>
+              <a:t>71</a:t>
+            </a:fld>
+            <a:endParaRPr lang="tr-TR" dirty="0"/>
+          </a:p>
+        </p:txBody>
+      </p:sp>
+    </p:spTree>
+    <p:extLst>
+      <p:ext uri="{BB962C8B-B14F-4D97-AF65-F5344CB8AC3E}">
+        <p14:creationId xmlns:p14="http://schemas.microsoft.com/office/powerpoint/2010/main" val="3806571328"/>
+      </p:ext>
+    </p:extLst>
+  </p:cSld>
+  <p:clrMapOvr>
+    <a:masterClrMapping/>
+  </p:clrMapOvr>
+</p:notes>
+</file>
+
+<file path=ppt/notesSlides/notesSlide71.xml><?xml version="1.0" encoding="utf-8"?>
+<p:notes xmlns:a="http://schemas.openxmlformats.org/drawingml/2006/main" xmlns:r="http://schemas.openxmlformats.org/officeDocument/2006/relationships" xmlns:p="http://schemas.openxmlformats.org/presentationml/2006/main">
+  <p:cSld>
+    <p:spTree>
+      <p:nvGrpSpPr>
+        <p:cNvPr id="1" name=""/>
+        <p:cNvGrpSpPr/>
+        <p:nvPr/>
+      </p:nvGrpSpPr>
+      <p:grpSpPr>
+        <a:xfrm>
+          <a:off x="0" y="0"/>
+          <a:ext cx="0" cy="0"/>
+          <a:chOff x="0" y="0"/>
+          <a:chExt cx="0" cy="0"/>
+        </a:xfrm>
+      </p:grpSpPr>
+      <p:sp>
+        <p:nvSpPr>
+          <p:cNvPr id="2" name="Slayt Görüntüsü Yer Tutucusu 1"/>
+          <p:cNvSpPr>
+            <a:spLocks noGrp="1" noRot="1" noChangeAspect="1"/>
+          </p:cNvSpPr>
+          <p:nvPr>
+            <p:ph type="sldImg"/>
+          </p:nvPr>
+        </p:nvSpPr>
+        <p:spPr/>
+      </p:sp>
+      <p:sp>
+        <p:nvSpPr>
+          <p:cNvPr id="3" name="Not Yer Tutucusu 2"/>
+          <p:cNvSpPr>
+            <a:spLocks noGrp="1"/>
+          </p:cNvSpPr>
+          <p:nvPr>
+            <p:ph type="body" idx="1"/>
+          </p:nvPr>
+        </p:nvSpPr>
+        <p:spPr/>
+        <p:txBody>
+          <a:bodyPr/>
+          <a:lstStyle/>
+          <a:p>
+            <a:endParaRPr lang="tr-TR" dirty="0"/>
+          </a:p>
+        </p:txBody>
+      </p:sp>
+      <p:sp>
+        <p:nvSpPr>
+          <p:cNvPr id="4" name="Slayt Numarası Yer Tutucusu 3"/>
+          <p:cNvSpPr>
+            <a:spLocks noGrp="1"/>
+          </p:cNvSpPr>
+          <p:nvPr>
+            <p:ph type="sldNum" sz="quarter" idx="10"/>
+          </p:nvPr>
+        </p:nvSpPr>
+        <p:spPr/>
+        <p:txBody>
+          <a:bodyPr/>
+          <a:lstStyle/>
+          <a:p>
+            <a:fld id="{3E941159-20D0-4B44-8346-CEB6645F637B}" type="slidenum">
+              <a:rPr lang="tr-TR" smtClean="0"/>
+              <a:t>72</a:t>
+            </a:fld>
+            <a:endParaRPr lang="tr-TR" dirty="0"/>
+          </a:p>
+        </p:txBody>
+      </p:sp>
+    </p:spTree>
+    <p:extLst>
+      <p:ext uri="{BB962C8B-B14F-4D97-AF65-F5344CB8AC3E}">
+        <p14:creationId xmlns:p14="http://schemas.microsoft.com/office/powerpoint/2010/main" val="4236288015"/>
+      </p:ext>
+    </p:extLst>
+  </p:cSld>
+  <p:clrMapOvr>
+    <a:masterClrMapping/>
+  </p:clrMapOvr>
+</p:notes>
+</file>
+
+<file path=ppt/notesSlides/notesSlide72.xml><?xml version="1.0" encoding="utf-8"?>
+<p:notes xmlns:a="http://schemas.openxmlformats.org/drawingml/2006/main" xmlns:r="http://schemas.openxmlformats.org/officeDocument/2006/relationships" xmlns:p="http://schemas.openxmlformats.org/presentationml/2006/main">
+  <p:cSld>
+    <p:spTree>
+      <p:nvGrpSpPr>
+        <p:cNvPr id="1" name=""/>
+        <p:cNvGrpSpPr/>
+        <p:nvPr/>
+      </p:nvGrpSpPr>
+      <p:grpSpPr>
+        <a:xfrm>
+          <a:off x="0" y="0"/>
+          <a:ext cx="0" cy="0"/>
+          <a:chOff x="0" y="0"/>
+          <a:chExt cx="0" cy="0"/>
+        </a:xfrm>
+      </p:grpSpPr>
+      <p:sp>
+        <p:nvSpPr>
+          <p:cNvPr id="2" name="Slayt Görüntüsü Yer Tutucusu 1"/>
+          <p:cNvSpPr>
+            <a:spLocks noGrp="1" noRot="1" noChangeAspect="1"/>
+          </p:cNvSpPr>
+          <p:nvPr>
+            <p:ph type="sldImg"/>
+          </p:nvPr>
+        </p:nvSpPr>
+        <p:spPr/>
+      </p:sp>
+      <p:sp>
+        <p:nvSpPr>
+          <p:cNvPr id="3" name="Not Yer Tutucusu 2"/>
+          <p:cNvSpPr>
+            <a:spLocks noGrp="1"/>
+          </p:cNvSpPr>
+          <p:nvPr>
+            <p:ph type="body" idx="1"/>
+          </p:nvPr>
+        </p:nvSpPr>
+        <p:spPr/>
+        <p:txBody>
+          <a:bodyPr/>
+          <a:lstStyle/>
+          <a:p>
+            <a:endParaRPr lang="tr-TR" dirty="0"/>
+          </a:p>
+        </p:txBody>
+      </p:sp>
+      <p:sp>
+        <p:nvSpPr>
+          <p:cNvPr id="4" name="Slayt Numarası Yer Tutucusu 3"/>
+          <p:cNvSpPr>
+            <a:spLocks noGrp="1"/>
+          </p:cNvSpPr>
+          <p:nvPr>
+            <p:ph type="sldNum" sz="quarter" idx="10"/>
+          </p:nvPr>
+        </p:nvSpPr>
+        <p:spPr/>
+        <p:txBody>
+          <a:bodyPr/>
+          <a:lstStyle/>
+          <a:p>
+            <a:fld id="{3E941159-20D0-4B44-8346-CEB6645F637B}" type="slidenum">
+              <a:rPr lang="tr-TR" smtClean="0"/>
+              <a:t>73</a:t>
+            </a:fld>
+            <a:endParaRPr lang="tr-TR" dirty="0"/>
+          </a:p>
+        </p:txBody>
+      </p:sp>
+    </p:spTree>
+    <p:extLst>
+      <p:ext uri="{BB962C8B-B14F-4D97-AF65-F5344CB8AC3E}">
+        <p14:creationId xmlns:p14="http://schemas.microsoft.com/office/powerpoint/2010/main" val="3003698974"/>
+      </p:ext>
+    </p:extLst>
+  </p:cSld>
+  <p:clrMapOvr>
+    <a:masterClrMapping/>
+  </p:clrMapOvr>
+</p:notes>
+</file>
+
+<file path=ppt/notesSlides/notesSlide73.xml><?xml version="1.0" encoding="utf-8"?>
+<p:notes xmlns:a="http://schemas.openxmlformats.org/drawingml/2006/main" xmlns:r="http://schemas.openxmlformats.org/officeDocument/2006/relationships" xmlns:p="http://schemas.openxmlformats.org/presentationml/2006/main">
+  <p:cSld>
+    <p:spTree>
+      <p:nvGrpSpPr>
+        <p:cNvPr id="1" name=""/>
+        <p:cNvGrpSpPr/>
+        <p:nvPr/>
+      </p:nvGrpSpPr>
+      <p:grpSpPr>
+        <a:xfrm>
+          <a:off x="0" y="0"/>
+          <a:ext cx="0" cy="0"/>
+          <a:chOff x="0" y="0"/>
+          <a:chExt cx="0" cy="0"/>
+        </a:xfrm>
+      </p:grpSpPr>
+      <p:sp>
+        <p:nvSpPr>
+          <p:cNvPr id="2" name="Slayt Görüntüsü Yer Tutucusu 1"/>
+          <p:cNvSpPr>
+            <a:spLocks noGrp="1" noRot="1" noChangeAspect="1"/>
+          </p:cNvSpPr>
+          <p:nvPr>
+            <p:ph type="sldImg"/>
+          </p:nvPr>
+        </p:nvSpPr>
+        <p:spPr/>
+      </p:sp>
+      <p:sp>
+        <p:nvSpPr>
+          <p:cNvPr id="3" name="Not Yer Tutucusu 2"/>
+          <p:cNvSpPr>
+            <a:spLocks noGrp="1"/>
+          </p:cNvSpPr>
+          <p:nvPr>
+            <p:ph type="body" idx="1"/>
+          </p:nvPr>
+        </p:nvSpPr>
+        <p:spPr/>
+        <p:txBody>
+          <a:bodyPr/>
+          <a:lstStyle/>
+          <a:p>
+            <a:endParaRPr lang="tr-TR" dirty="0"/>
+          </a:p>
+        </p:txBody>
+      </p:sp>
+      <p:sp>
+        <p:nvSpPr>
+          <p:cNvPr id="4" name="Slayt Numarası Yer Tutucusu 3"/>
+          <p:cNvSpPr>
+            <a:spLocks noGrp="1"/>
+          </p:cNvSpPr>
+          <p:nvPr>
+            <p:ph type="sldNum" sz="quarter" idx="10"/>
+          </p:nvPr>
+        </p:nvSpPr>
+        <p:spPr/>
+        <p:txBody>
+          <a:bodyPr/>
+          <a:lstStyle/>
+          <a:p>
+            <a:fld id="{3E941159-20D0-4B44-8346-CEB6645F637B}" type="slidenum">
+              <a:rPr lang="tr-TR" smtClean="0"/>
+              <a:t>74</a:t>
+            </a:fld>
+            <a:endParaRPr lang="tr-TR" dirty="0"/>
+          </a:p>
+        </p:txBody>
+      </p:sp>
+    </p:spTree>
+    <p:extLst>
+      <p:ext uri="{BB962C8B-B14F-4D97-AF65-F5344CB8AC3E}">
+        <p14:creationId xmlns:p14="http://schemas.microsoft.com/office/powerpoint/2010/main" val="3892014545"/>
+      </p:ext>
+    </p:extLst>
+  </p:cSld>
+  <p:clrMapOvr>
+    <a:masterClrMapping/>
+  </p:clrMapOvr>
+</p:notes>
+</file>
+
+<file path=ppt/notesSlides/notesSlide74.xml><?xml version="1.0" encoding="utf-8"?>
+<p:notes xmlns:a="http://schemas.openxmlformats.org/drawingml/2006/main" xmlns:r="http://schemas.openxmlformats.org/officeDocument/2006/relationships" xmlns:p="http://schemas.openxmlformats.org/presentationml/2006/main">
+  <p:cSld>
+    <p:spTree>
+      <p:nvGrpSpPr>
+        <p:cNvPr id="1" name=""/>
+        <p:cNvGrpSpPr/>
+        <p:nvPr/>
+      </p:nvGrpSpPr>
+      <p:grpSpPr>
+        <a:xfrm>
+          <a:off x="0" y="0"/>
+          <a:ext cx="0" cy="0"/>
+          <a:chOff x="0" y="0"/>
+          <a:chExt cx="0" cy="0"/>
+        </a:xfrm>
+      </p:grpSpPr>
+      <p:sp>
+        <p:nvSpPr>
+          <p:cNvPr id="2" name="Slayt Görüntüsü Yer Tutucusu 1"/>
+          <p:cNvSpPr>
+            <a:spLocks noGrp="1" noRot="1" noChangeAspect="1"/>
+          </p:cNvSpPr>
+          <p:nvPr>
+            <p:ph type="sldImg"/>
+          </p:nvPr>
+        </p:nvSpPr>
+        <p:spPr/>
+      </p:sp>
+      <p:sp>
+        <p:nvSpPr>
+          <p:cNvPr id="3" name="Not Yer Tutucusu 2"/>
+          <p:cNvSpPr>
+            <a:spLocks noGrp="1"/>
+          </p:cNvSpPr>
+          <p:nvPr>
+            <p:ph type="body" idx="1"/>
+          </p:nvPr>
+        </p:nvSpPr>
+        <p:spPr/>
+        <p:txBody>
+          <a:bodyPr/>
+          <a:lstStyle/>
+          <a:p>
+            <a:endParaRPr lang="tr-TR" dirty="0"/>
+          </a:p>
+        </p:txBody>
+      </p:sp>
+      <p:sp>
+        <p:nvSpPr>
+          <p:cNvPr id="4" name="Slayt Numarası Yer Tutucusu 3"/>
+          <p:cNvSpPr>
+            <a:spLocks noGrp="1"/>
+          </p:cNvSpPr>
+          <p:nvPr>
+            <p:ph type="sldNum" sz="quarter" idx="10"/>
+          </p:nvPr>
+        </p:nvSpPr>
+        <p:spPr/>
+        <p:txBody>
+          <a:bodyPr/>
+          <a:lstStyle/>
+          <a:p>
+            <a:fld id="{3E941159-20D0-4B44-8346-CEB6645F637B}" type="slidenum">
+              <a:rPr lang="tr-TR" smtClean="0"/>
+              <a:t>75</a:t>
+            </a:fld>
+            <a:endParaRPr lang="tr-TR" dirty="0"/>
+          </a:p>
+        </p:txBody>
+      </p:sp>
+    </p:spTree>
+    <p:extLst>
+      <p:ext uri="{BB962C8B-B14F-4D97-AF65-F5344CB8AC3E}">
+        <p14:creationId xmlns:p14="http://schemas.microsoft.com/office/powerpoint/2010/main" val="1282220136"/>
+      </p:ext>
+    </p:extLst>
+  </p:cSld>
+  <p:clrMapOvr>
+    <a:masterClrMapping/>
+  </p:clrMapOvr>
+</p:notes>
+</file>
+
+<file path=ppt/notesSlides/notesSlide75.xml><?xml version="1.0" encoding="utf-8"?>
+<p:notes xmlns:a="http://schemas.openxmlformats.org/drawingml/2006/main" xmlns:r="http://schemas.openxmlformats.org/officeDocument/2006/relationships" xmlns:p="http://schemas.openxmlformats.org/presentationml/2006/main">
+  <p:cSld>
+    <p:spTree>
+      <p:nvGrpSpPr>
+        <p:cNvPr id="1" name=""/>
+        <p:cNvGrpSpPr/>
+        <p:nvPr/>
+      </p:nvGrpSpPr>
+      <p:grpSpPr>
+        <a:xfrm>
+          <a:off x="0" y="0"/>
+          <a:ext cx="0" cy="0"/>
+          <a:chOff x="0" y="0"/>
+          <a:chExt cx="0" cy="0"/>
+        </a:xfrm>
+      </p:grpSpPr>
+      <p:sp>
+        <p:nvSpPr>
+          <p:cNvPr id="2" name="Slayt Görüntüsü Yer Tutucusu 1"/>
+          <p:cNvSpPr>
+            <a:spLocks noGrp="1" noRot="1" noChangeAspect="1"/>
+          </p:cNvSpPr>
+          <p:nvPr>
+            <p:ph type="sldImg"/>
+          </p:nvPr>
+        </p:nvSpPr>
+        <p:spPr/>
+      </p:sp>
+      <p:sp>
+        <p:nvSpPr>
+          <p:cNvPr id="3" name="Not Yer Tutucusu 2"/>
+          <p:cNvSpPr>
+            <a:spLocks noGrp="1"/>
+          </p:cNvSpPr>
+          <p:nvPr>
+            <p:ph type="body" idx="1"/>
+          </p:nvPr>
+        </p:nvSpPr>
+        <p:spPr/>
+        <p:txBody>
+          <a:bodyPr/>
+          <a:lstStyle/>
+          <a:p>
+            <a:endParaRPr lang="tr-TR" dirty="0"/>
+          </a:p>
+        </p:txBody>
+      </p:sp>
+      <p:sp>
+        <p:nvSpPr>
+          <p:cNvPr id="4" name="Slayt Numarası Yer Tutucusu 3"/>
+          <p:cNvSpPr>
+            <a:spLocks noGrp="1"/>
+          </p:cNvSpPr>
+          <p:nvPr>
+            <p:ph type="sldNum" sz="quarter" idx="10"/>
+          </p:nvPr>
+        </p:nvSpPr>
+        <p:spPr/>
+        <p:txBody>
+          <a:bodyPr/>
+          <a:lstStyle/>
+          <a:p>
+            <a:fld id="{3E941159-20D0-4B44-8346-CEB6645F637B}" type="slidenum">
+              <a:rPr lang="tr-TR" smtClean="0"/>
+              <a:t>76</a:t>
+            </a:fld>
+            <a:endParaRPr lang="tr-TR" dirty="0"/>
+          </a:p>
+        </p:txBody>
+      </p:sp>
+    </p:spTree>
+    <p:extLst>
+      <p:ext uri="{BB962C8B-B14F-4D97-AF65-F5344CB8AC3E}">
+        <p14:creationId xmlns:p14="http://schemas.microsoft.com/office/powerpoint/2010/main" val="3887517923"/>
+      </p:ext>
+    </p:extLst>
+  </p:cSld>
+  <p:clrMapOvr>
+    <a:masterClrMapping/>
+  </p:clrMapOvr>
+</p:notes>
+</file>
+
+<file path=ppt/notesSlides/notesSlide76.xml><?xml version="1.0" encoding="utf-8"?>
+<p:notes xmlns:a="http://schemas.openxmlformats.org/drawingml/2006/main" xmlns:r="http://schemas.openxmlformats.org/officeDocument/2006/relationships" xmlns:p="http://schemas.openxmlformats.org/presentationml/2006/main">
+  <p:cSld>
+    <p:spTree>
+      <p:nvGrpSpPr>
+        <p:cNvPr id="1" name=""/>
+        <p:cNvGrpSpPr/>
+        <p:nvPr/>
+      </p:nvGrpSpPr>
+      <p:grpSpPr>
+        <a:xfrm>
+          <a:off x="0" y="0"/>
+          <a:ext cx="0" cy="0"/>
+          <a:chOff x="0" y="0"/>
+          <a:chExt cx="0" cy="0"/>
+        </a:xfrm>
+      </p:grpSpPr>
+      <p:sp>
+        <p:nvSpPr>
+          <p:cNvPr id="2" name="Slayt Görüntüsü Yer Tutucusu 1"/>
+          <p:cNvSpPr>
+            <a:spLocks noGrp="1" noRot="1" noChangeAspect="1"/>
+          </p:cNvSpPr>
+          <p:nvPr>
+            <p:ph type="sldImg"/>
+          </p:nvPr>
+        </p:nvSpPr>
+        <p:spPr/>
+      </p:sp>
+      <p:sp>
+        <p:nvSpPr>
+          <p:cNvPr id="3" name="Not Yer Tutucusu 2"/>
+          <p:cNvSpPr>
+            <a:spLocks noGrp="1"/>
+          </p:cNvSpPr>
+          <p:nvPr>
+            <p:ph type="body" idx="1"/>
+          </p:nvPr>
+        </p:nvSpPr>
+        <p:spPr/>
+        <p:txBody>
+          <a:bodyPr/>
+          <a:lstStyle/>
+          <a:p>
+            <a:endParaRPr lang="tr-TR" dirty="0"/>
+          </a:p>
+        </p:txBody>
+      </p:sp>
+      <p:sp>
+        <p:nvSpPr>
+          <p:cNvPr id="4" name="Slayt Numarası Yer Tutucusu 3"/>
+          <p:cNvSpPr>
+            <a:spLocks noGrp="1"/>
+          </p:cNvSpPr>
+          <p:nvPr>
+            <p:ph type="sldNum" sz="quarter" idx="10"/>
+          </p:nvPr>
+        </p:nvSpPr>
+        <p:spPr/>
+        <p:txBody>
+          <a:bodyPr/>
+          <a:lstStyle/>
+          <a:p>
+            <a:fld id="{3E941159-20D0-4B44-8346-CEB6645F637B}" type="slidenum">
+              <a:rPr lang="tr-TR" smtClean="0"/>
+              <a:t>77</a:t>
+            </a:fld>
+            <a:endParaRPr lang="tr-TR" dirty="0"/>
+          </a:p>
+        </p:txBody>
+      </p:sp>
+    </p:spTree>
+    <p:extLst>
+      <p:ext uri="{BB962C8B-B14F-4D97-AF65-F5344CB8AC3E}">
+        <p14:creationId xmlns:p14="http://schemas.microsoft.com/office/powerpoint/2010/main" val="1278992507"/>
+      </p:ext>
+    </p:extLst>
+  </p:cSld>
+  <p:clrMapOvr>
+    <a:masterClrMapping/>
+  </p:clrMapOvr>
+</p:notes>
+</file>
+
+<file path=ppt/notesSlides/notesSlide77.xml><?xml version="1.0" encoding="utf-8"?>
+<p:notes xmlns:a="http://schemas.openxmlformats.org/drawingml/2006/main" xmlns:r="http://schemas.openxmlformats.org/officeDocument/2006/relationships" xmlns:p="http://schemas.openxmlformats.org/presentationml/2006/main">
+  <p:cSld>
+    <p:spTree>
+      <p:nvGrpSpPr>
+        <p:cNvPr id="1" name=""/>
+        <p:cNvGrpSpPr/>
+        <p:nvPr/>
+      </p:nvGrpSpPr>
+      <p:grpSpPr>
+        <a:xfrm>
+          <a:off x="0" y="0"/>
+          <a:ext cx="0" cy="0"/>
+          <a:chOff x="0" y="0"/>
+          <a:chExt cx="0" cy="0"/>
+        </a:xfrm>
+      </p:grpSpPr>
+      <p:sp>
+        <p:nvSpPr>
+          <p:cNvPr id="2" name="Slayt Görüntüsü Yer Tutucusu 1"/>
+          <p:cNvSpPr>
+            <a:spLocks noGrp="1" noRot="1" noChangeAspect="1"/>
+          </p:cNvSpPr>
+          <p:nvPr>
+            <p:ph type="sldImg"/>
+          </p:nvPr>
+        </p:nvSpPr>
+        <p:spPr/>
+      </p:sp>
+      <p:sp>
+        <p:nvSpPr>
+          <p:cNvPr id="3" name="Not Yer Tutucusu 2"/>
+          <p:cNvSpPr>
+            <a:spLocks noGrp="1"/>
+          </p:cNvSpPr>
+          <p:nvPr>
+            <p:ph type="body" idx="1"/>
+          </p:nvPr>
+        </p:nvSpPr>
+        <p:spPr/>
+        <p:txBody>
+          <a:bodyPr/>
+          <a:lstStyle/>
+          <a:p>
+            <a:endParaRPr lang="tr-TR" dirty="0"/>
+          </a:p>
+        </p:txBody>
+      </p:sp>
+      <p:sp>
+        <p:nvSpPr>
+          <p:cNvPr id="4" name="Slayt Numarası Yer Tutucusu 3"/>
+          <p:cNvSpPr>
+            <a:spLocks noGrp="1"/>
+          </p:cNvSpPr>
+          <p:nvPr>
+            <p:ph type="sldNum" sz="quarter" idx="10"/>
+          </p:nvPr>
+        </p:nvSpPr>
+        <p:spPr/>
+        <p:txBody>
+          <a:bodyPr/>
+          <a:lstStyle/>
+          <a:p>
+            <a:fld id="{3E941159-20D0-4B44-8346-CEB6645F637B}" type="slidenum">
+              <a:rPr lang="tr-TR" smtClean="0"/>
+              <a:t>78</a:t>
+            </a:fld>
+            <a:endParaRPr lang="tr-TR" dirty="0"/>
+          </a:p>
+        </p:txBody>
+      </p:sp>
+    </p:spTree>
+    <p:extLst>
+      <p:ext uri="{BB962C8B-B14F-4D97-AF65-F5344CB8AC3E}">
+        <p14:creationId xmlns:p14="http://schemas.microsoft.com/office/powerpoint/2010/main" val="3892739057"/>
       </p:ext>
     </p:extLst>
   </p:cSld>
@@ -5961,7 +7156,7 @@
           <a:p>
             <a:fld id="{7D4EAA80-A73D-48D6-80ED-06A744517C3D}" type="datetimeFigureOut">
               <a:rPr lang="en-US" smtClean="0"/>
-              <a:t>5/22/2023</a:t>
+              <a:t>5/23/2023</a:t>
             </a:fld>
             <a:endParaRPr lang="en-US"/>
           </a:p>
@@ -6159,7 +7354,7 @@
           <a:p>
             <a:fld id="{7D4EAA80-A73D-48D6-80ED-06A744517C3D}" type="datetimeFigureOut">
               <a:rPr lang="en-US" smtClean="0"/>
-              <a:t>5/22/2023</a:t>
+              <a:t>5/23/2023</a:t>
             </a:fld>
             <a:endParaRPr lang="en-US"/>
           </a:p>
@@ -6367,7 +7562,7 @@
           <a:p>
             <a:fld id="{7D4EAA80-A73D-48D6-80ED-06A744517C3D}" type="datetimeFigureOut">
               <a:rPr lang="en-US" smtClean="0"/>
-              <a:t>5/22/2023</a:t>
+              <a:t>5/23/2023</a:t>
             </a:fld>
             <a:endParaRPr lang="en-US"/>
           </a:p>
@@ -6565,7 +7760,7 @@
           <a:p>
             <a:fld id="{7D4EAA80-A73D-48D6-80ED-06A744517C3D}" type="datetimeFigureOut">
               <a:rPr lang="en-US" smtClean="0"/>
-              <a:t>5/22/2023</a:t>
+              <a:t>5/23/2023</a:t>
             </a:fld>
             <a:endParaRPr lang="en-US"/>
           </a:p>
@@ -6840,7 +8035,7 @@
           <a:p>
             <a:fld id="{7D4EAA80-A73D-48D6-80ED-06A744517C3D}" type="datetimeFigureOut">
               <a:rPr lang="en-US" smtClean="0"/>
-              <a:t>5/22/2023</a:t>
+              <a:t>5/23/2023</a:t>
             </a:fld>
             <a:endParaRPr lang="en-US"/>
           </a:p>
@@ -7105,7 +8300,7 @@
           <a:p>
             <a:fld id="{7D4EAA80-A73D-48D6-80ED-06A744517C3D}" type="datetimeFigureOut">
               <a:rPr lang="en-US" smtClean="0"/>
-              <a:t>5/22/2023</a:t>
+              <a:t>5/23/2023</a:t>
             </a:fld>
             <a:endParaRPr lang="en-US"/>
           </a:p>
@@ -7517,7 +8712,7 @@
           <a:p>
             <a:fld id="{7D4EAA80-A73D-48D6-80ED-06A744517C3D}" type="datetimeFigureOut">
               <a:rPr lang="en-US" smtClean="0"/>
-              <a:t>5/22/2023</a:t>
+              <a:t>5/23/2023</a:t>
             </a:fld>
             <a:endParaRPr lang="en-US"/>
           </a:p>
@@ -7658,7 +8853,7 @@
           <a:p>
             <a:fld id="{7D4EAA80-A73D-48D6-80ED-06A744517C3D}" type="datetimeFigureOut">
               <a:rPr lang="en-US" smtClean="0"/>
-              <a:t>5/22/2023</a:t>
+              <a:t>5/23/2023</a:t>
             </a:fld>
             <a:endParaRPr lang="en-US"/>
           </a:p>
@@ -7771,7 +8966,7 @@
           <a:p>
             <a:fld id="{7D4EAA80-A73D-48D6-80ED-06A744517C3D}" type="datetimeFigureOut">
               <a:rPr lang="en-US" smtClean="0"/>
-              <a:t>5/22/2023</a:t>
+              <a:t>5/23/2023</a:t>
             </a:fld>
             <a:endParaRPr lang="en-US"/>
           </a:p>
@@ -8082,7 +9277,7 @@
           <a:p>
             <a:fld id="{7D4EAA80-A73D-48D6-80ED-06A744517C3D}" type="datetimeFigureOut">
               <a:rPr lang="en-US" smtClean="0"/>
-              <a:t>5/22/2023</a:t>
+              <a:t>5/23/2023</a:t>
             </a:fld>
             <a:endParaRPr lang="en-US"/>
           </a:p>
@@ -8370,7 +9565,7 @@
           <a:p>
             <a:fld id="{7D4EAA80-A73D-48D6-80ED-06A744517C3D}" type="datetimeFigureOut">
               <a:rPr lang="en-US" smtClean="0"/>
-              <a:t>5/22/2023</a:t>
+              <a:t>5/23/2023</a:t>
             </a:fld>
             <a:endParaRPr lang="en-US"/>
           </a:p>
@@ -8611,7 +9806,7 @@
           <a:p>
             <a:fld id="{7D4EAA80-A73D-48D6-80ED-06A744517C3D}" type="datetimeFigureOut">
               <a:rPr lang="en-US" smtClean="0"/>
-              <a:t>5/22/2023</a:t>
+              <a:t>5/23/2023</a:t>
             </a:fld>
             <a:endParaRPr lang="en-US"/>
           </a:p>
@@ -40241,6 +41436,1182 @@
 </p:sld>
 </file>
 
+<file path=ppt/slides/slide65.xml><?xml version="1.0" encoding="utf-8"?>
+<p:sld xmlns:a="http://schemas.openxmlformats.org/drawingml/2006/main" xmlns:r="http://schemas.openxmlformats.org/officeDocument/2006/relationships" xmlns:p="http://schemas.openxmlformats.org/presentationml/2006/main">
+  <p:cSld>
+    <p:spTree>
+      <p:nvGrpSpPr>
+        <p:cNvPr id="1" name=""/>
+        <p:cNvGrpSpPr/>
+        <p:nvPr/>
+      </p:nvGrpSpPr>
+      <p:grpSpPr>
+        <a:xfrm>
+          <a:off x="0" y="0"/>
+          <a:ext cx="0" cy="0"/>
+          <a:chOff x="0" y="0"/>
+          <a:chExt cx="0" cy="0"/>
+        </a:xfrm>
+      </p:grpSpPr>
+      <p:sp>
+        <p:nvSpPr>
+          <p:cNvPr id="7" name="Yuvarlatılmış Dikdörtgen 6"/>
+          <p:cNvSpPr/>
+          <p:nvPr>
+            <p:custDataLst>
+              <p:tags r:id="rId1"/>
+            </p:custDataLst>
+          </p:nvPr>
+        </p:nvSpPr>
+        <p:spPr>
+          <a:xfrm>
+            <a:off x="2031368" y="234003"/>
+            <a:ext cx="8208912" cy="6291342"/>
+          </a:xfrm>
+          <a:prstGeom prst="roundRect">
+            <a:avLst>
+              <a:gd name="adj" fmla="val 5123"/>
+            </a:avLst>
+          </a:prstGeom>
+          <a:effectLst>
+            <a:outerShdw blurRad="292100" dist="114300" dir="3840000" algn="ctr" rotWithShape="0">
+              <a:srgbClr val="000000">
+                <a:alpha val="81000"/>
+              </a:srgbClr>
+            </a:outerShdw>
+          </a:effectLst>
+        </p:spPr>
+        <p:style>
+          <a:lnRef idx="2">
+            <a:schemeClr val="accent1"/>
+          </a:lnRef>
+          <a:fillRef idx="1">
+            <a:schemeClr val="lt1"/>
+          </a:fillRef>
+          <a:effectRef idx="0">
+            <a:schemeClr val="accent1"/>
+          </a:effectRef>
+          <a:fontRef idx="minor">
+            <a:schemeClr val="dk1"/>
+          </a:fontRef>
+        </p:style>
+        <p:txBody>
+          <a:bodyPr rtlCol="0" anchor="ctr" anchorCtr="0"/>
+          <a:lstStyle/>
+          <a:p>
+            <a:endParaRPr lang="tr-TR" sz="2000" dirty="0">
+              <a:latin typeface="Arial" pitchFamily="34" charset="0"/>
+              <a:cs typeface="Arial" pitchFamily="34" charset="0"/>
+            </a:endParaRPr>
+          </a:p>
+        </p:txBody>
+      </p:sp>
+      <p:sp>
+        <p:nvSpPr>
+          <p:cNvPr id="2" name="Altbilgi Yer Tutucusu 1"/>
+          <p:cNvSpPr>
+            <a:spLocks noGrp="1"/>
+          </p:cNvSpPr>
+          <p:nvPr>
+            <p:ph type="ftr" sz="quarter" idx="11"/>
+            <p:custDataLst>
+              <p:tags r:id="rId2"/>
+            </p:custDataLst>
+          </p:nvPr>
+        </p:nvSpPr>
+        <p:spPr>
+          <a:xfrm>
+            <a:off x="3431704" y="6525345"/>
+            <a:ext cx="5408240" cy="365125"/>
+          </a:xfrm>
+        </p:spPr>
+        <p:txBody>
+          <a:bodyPr/>
+          <a:lstStyle/>
+          <a:p>
+            <a:r>
+              <a:rPr lang="tr-TR" sz="1050" dirty="0">
+                <a:solidFill>
+                  <a:schemeClr val="tx2">
+                    <a:lumMod val="75000"/>
+                  </a:schemeClr>
+                </a:solidFill>
+              </a:rPr>
+              <a:t>© Marmara Üniversitesi Uzaktan Eğitim Uygulama ve Araştırma Merkezi</a:t>
+            </a:r>
+          </a:p>
+        </p:txBody>
+      </p:sp>
+      <p:sp>
+        <p:nvSpPr>
+          <p:cNvPr id="3" name="Slayt Numarası Yer Tutucusu 2"/>
+          <p:cNvSpPr>
+            <a:spLocks noGrp="1"/>
+          </p:cNvSpPr>
+          <p:nvPr>
+            <p:ph type="sldNum" sz="quarter" idx="12"/>
+            <p:custDataLst>
+              <p:tags r:id="rId3"/>
+            </p:custDataLst>
+          </p:nvPr>
+        </p:nvSpPr>
+        <p:spPr>
+          <a:xfrm>
+            <a:off x="8472264" y="6520260"/>
+            <a:ext cx="2133600" cy="365125"/>
+          </a:xfrm>
+        </p:spPr>
+        <p:txBody>
+          <a:bodyPr/>
+          <a:lstStyle/>
+          <a:p>
+            <a:fld id="{219A703F-5BE9-489E-8C60-8A91ACC9E5BC}" type="slidenum">
+              <a:rPr lang="tr-TR" smtClean="0">
+                <a:solidFill>
+                  <a:schemeClr val="tx2">
+                    <a:lumMod val="75000"/>
+                  </a:schemeClr>
+                </a:solidFill>
+              </a:rPr>
+              <a:t>65</a:t>
+            </a:fld>
+            <a:endParaRPr lang="tr-TR" dirty="0">
+              <a:solidFill>
+                <a:schemeClr val="tx2">
+                  <a:lumMod val="75000"/>
+                </a:schemeClr>
+              </a:solidFill>
+            </a:endParaRPr>
+          </a:p>
+        </p:txBody>
+      </p:sp>
+      <p:sp>
+        <p:nvSpPr>
+          <p:cNvPr id="6" name="TextBox 5">
+            <a:extLst>
+              <a:ext uri="{FF2B5EF4-FFF2-40B4-BE49-F238E27FC236}">
+                <a16:creationId xmlns:a16="http://schemas.microsoft.com/office/drawing/2014/main" id="{820975E1-E675-4131-9446-88469D14CC6A}"/>
+              </a:ext>
+            </a:extLst>
+          </p:cNvPr>
+          <p:cNvSpPr txBox="1"/>
+          <p:nvPr/>
+        </p:nvSpPr>
+        <p:spPr>
+          <a:xfrm>
+            <a:off x="2331720" y="466344"/>
+            <a:ext cx="7488936" cy="646331"/>
+          </a:xfrm>
+          <a:prstGeom prst="rect">
+            <a:avLst/>
+          </a:prstGeom>
+          <a:noFill/>
+        </p:spPr>
+        <p:txBody>
+          <a:bodyPr wrap="square" rtlCol="0">
+            <a:spAutoFit/>
+          </a:bodyPr>
+          <a:lstStyle/>
+          <a:p>
+            <a:r>
+              <a:rPr lang="tr-TR" b="1" dirty="0"/>
+              <a:t>Örnek Soru 12.1: </a:t>
+            </a:r>
+            <a:r>
+              <a:rPr lang="tr-TR" dirty="0"/>
+              <a:t>0’dan 24’e kadar ki çift sayıların karesini veren uygulamayı sözlük yapısı kullanarak kodlayınız.</a:t>
+            </a:r>
+            <a:endParaRPr lang="en-US" dirty="0"/>
+          </a:p>
+        </p:txBody>
+      </p:sp>
+    </p:spTree>
+    <p:extLst>
+      <p:ext uri="{BB962C8B-B14F-4D97-AF65-F5344CB8AC3E}">
+        <p14:creationId xmlns:p14="http://schemas.microsoft.com/office/powerpoint/2010/main" val="3910424100"/>
+      </p:ext>
+    </p:extLst>
+  </p:cSld>
+  <p:clrMapOvr>
+    <a:masterClrMapping/>
+  </p:clrMapOvr>
+</p:sld>
+</file>
+
+<file path=ppt/slides/slide66.xml><?xml version="1.0" encoding="utf-8"?>
+<p:sld xmlns:a="http://schemas.openxmlformats.org/drawingml/2006/main" xmlns:r="http://schemas.openxmlformats.org/officeDocument/2006/relationships" xmlns:p="http://schemas.openxmlformats.org/presentationml/2006/main">
+  <p:cSld>
+    <p:spTree>
+      <p:nvGrpSpPr>
+        <p:cNvPr id="1" name=""/>
+        <p:cNvGrpSpPr/>
+        <p:nvPr/>
+      </p:nvGrpSpPr>
+      <p:grpSpPr>
+        <a:xfrm>
+          <a:off x="0" y="0"/>
+          <a:ext cx="0" cy="0"/>
+          <a:chOff x="0" y="0"/>
+          <a:chExt cx="0" cy="0"/>
+        </a:xfrm>
+      </p:grpSpPr>
+      <p:sp>
+        <p:nvSpPr>
+          <p:cNvPr id="7" name="Yuvarlatılmış Dikdörtgen 6"/>
+          <p:cNvSpPr/>
+          <p:nvPr>
+            <p:custDataLst>
+              <p:tags r:id="rId1"/>
+            </p:custDataLst>
+          </p:nvPr>
+        </p:nvSpPr>
+        <p:spPr>
+          <a:xfrm>
+            <a:off x="2031368" y="234003"/>
+            <a:ext cx="8208912" cy="6291342"/>
+          </a:xfrm>
+          <a:prstGeom prst="roundRect">
+            <a:avLst>
+              <a:gd name="adj" fmla="val 5123"/>
+            </a:avLst>
+          </a:prstGeom>
+          <a:effectLst>
+            <a:outerShdw blurRad="292100" dist="114300" dir="3840000" algn="ctr" rotWithShape="0">
+              <a:srgbClr val="000000">
+                <a:alpha val="81000"/>
+              </a:srgbClr>
+            </a:outerShdw>
+          </a:effectLst>
+        </p:spPr>
+        <p:style>
+          <a:lnRef idx="2">
+            <a:schemeClr val="accent1"/>
+          </a:lnRef>
+          <a:fillRef idx="1">
+            <a:schemeClr val="lt1"/>
+          </a:fillRef>
+          <a:effectRef idx="0">
+            <a:schemeClr val="accent1"/>
+          </a:effectRef>
+          <a:fontRef idx="minor">
+            <a:schemeClr val="dk1"/>
+          </a:fontRef>
+        </p:style>
+        <p:txBody>
+          <a:bodyPr rtlCol="0" anchor="ctr" anchorCtr="0"/>
+          <a:lstStyle/>
+          <a:p>
+            <a:endParaRPr lang="tr-TR" sz="2000" dirty="0">
+              <a:latin typeface="Arial" pitchFamily="34" charset="0"/>
+              <a:cs typeface="Arial" pitchFamily="34" charset="0"/>
+            </a:endParaRPr>
+          </a:p>
+        </p:txBody>
+      </p:sp>
+      <p:sp>
+        <p:nvSpPr>
+          <p:cNvPr id="2" name="Altbilgi Yer Tutucusu 1"/>
+          <p:cNvSpPr>
+            <a:spLocks noGrp="1"/>
+          </p:cNvSpPr>
+          <p:nvPr>
+            <p:ph type="ftr" sz="quarter" idx="11"/>
+            <p:custDataLst>
+              <p:tags r:id="rId2"/>
+            </p:custDataLst>
+          </p:nvPr>
+        </p:nvSpPr>
+        <p:spPr>
+          <a:xfrm>
+            <a:off x="3431704" y="6525345"/>
+            <a:ext cx="5408240" cy="365125"/>
+          </a:xfrm>
+        </p:spPr>
+        <p:txBody>
+          <a:bodyPr/>
+          <a:lstStyle/>
+          <a:p>
+            <a:r>
+              <a:rPr lang="tr-TR" sz="1050" dirty="0">
+                <a:solidFill>
+                  <a:schemeClr val="tx2">
+                    <a:lumMod val="75000"/>
+                  </a:schemeClr>
+                </a:solidFill>
+              </a:rPr>
+              <a:t>© Marmara Üniversitesi Uzaktan Eğitim Uygulama ve Araştırma Merkezi</a:t>
+            </a:r>
+          </a:p>
+        </p:txBody>
+      </p:sp>
+      <p:sp>
+        <p:nvSpPr>
+          <p:cNvPr id="3" name="Slayt Numarası Yer Tutucusu 2"/>
+          <p:cNvSpPr>
+            <a:spLocks noGrp="1"/>
+          </p:cNvSpPr>
+          <p:nvPr>
+            <p:ph type="sldNum" sz="quarter" idx="12"/>
+            <p:custDataLst>
+              <p:tags r:id="rId3"/>
+            </p:custDataLst>
+          </p:nvPr>
+        </p:nvSpPr>
+        <p:spPr>
+          <a:xfrm>
+            <a:off x="8472264" y="6520260"/>
+            <a:ext cx="2133600" cy="365125"/>
+          </a:xfrm>
+        </p:spPr>
+        <p:txBody>
+          <a:bodyPr/>
+          <a:lstStyle/>
+          <a:p>
+            <a:fld id="{219A703F-5BE9-489E-8C60-8A91ACC9E5BC}" type="slidenum">
+              <a:rPr lang="tr-TR" smtClean="0">
+                <a:solidFill>
+                  <a:schemeClr val="tx2">
+                    <a:lumMod val="75000"/>
+                  </a:schemeClr>
+                </a:solidFill>
+              </a:rPr>
+              <a:t>66</a:t>
+            </a:fld>
+            <a:endParaRPr lang="tr-TR" dirty="0">
+              <a:solidFill>
+                <a:schemeClr val="tx2">
+                  <a:lumMod val="75000"/>
+                </a:schemeClr>
+              </a:solidFill>
+            </a:endParaRPr>
+          </a:p>
+        </p:txBody>
+      </p:sp>
+      <p:sp>
+        <p:nvSpPr>
+          <p:cNvPr id="6" name="TextBox 5">
+            <a:extLst>
+              <a:ext uri="{FF2B5EF4-FFF2-40B4-BE49-F238E27FC236}">
+                <a16:creationId xmlns:a16="http://schemas.microsoft.com/office/drawing/2014/main" id="{820975E1-E675-4131-9446-88469D14CC6A}"/>
+              </a:ext>
+            </a:extLst>
+          </p:cNvPr>
+          <p:cNvSpPr txBox="1"/>
+          <p:nvPr/>
+        </p:nvSpPr>
+        <p:spPr>
+          <a:xfrm>
+            <a:off x="2331720" y="466344"/>
+            <a:ext cx="7488936" cy="369332"/>
+          </a:xfrm>
+          <a:prstGeom prst="rect">
+            <a:avLst/>
+          </a:prstGeom>
+          <a:noFill/>
+        </p:spPr>
+        <p:txBody>
+          <a:bodyPr wrap="square" rtlCol="0">
+            <a:spAutoFit/>
+          </a:bodyPr>
+          <a:lstStyle/>
+          <a:p>
+            <a:r>
+              <a:rPr lang="tr-TR" b="1" dirty="0"/>
+              <a:t>Örnek Soru 12.1 Çözümü:</a:t>
+            </a:r>
+            <a:endParaRPr lang="en-US" dirty="0"/>
+          </a:p>
+        </p:txBody>
+      </p:sp>
+      <p:pic>
+        <p:nvPicPr>
+          <p:cNvPr id="5" name="Picture 4" descr="A picture containing screenshot, text&#10;&#10;Description automatically generated">
+            <a:extLst>
+              <a:ext uri="{FF2B5EF4-FFF2-40B4-BE49-F238E27FC236}">
+                <a16:creationId xmlns:a16="http://schemas.microsoft.com/office/drawing/2014/main" id="{8522FF2E-BABF-C888-E6A5-25B8C3A819AE}"/>
+              </a:ext>
+            </a:extLst>
+          </p:cNvPr>
+          <p:cNvPicPr>
+            <a:picLocks noChangeAspect="1"/>
+          </p:cNvPicPr>
+          <p:nvPr/>
+        </p:nvPicPr>
+        <p:blipFill>
+          <a:blip r:embed="rId6">
+            <a:extLst>
+              <a:ext uri="{28A0092B-C50C-407E-A947-70E740481C1C}">
+                <a14:useLocalDpi xmlns:a14="http://schemas.microsoft.com/office/drawing/2010/main" val="0"/>
+              </a:ext>
+            </a:extLst>
+          </a:blip>
+          <a:stretch>
+            <a:fillRect/>
+          </a:stretch>
+        </p:blipFill>
+        <p:spPr>
+          <a:xfrm>
+            <a:off x="3618725" y="1499616"/>
+            <a:ext cx="5034197" cy="2345165"/>
+          </a:xfrm>
+          <a:prstGeom prst="rect">
+            <a:avLst/>
+          </a:prstGeom>
+          <a:effectLst>
+            <a:outerShdw blurRad="63500" sx="102000" sy="102000" algn="ctr" rotWithShape="0">
+              <a:prstClr val="black">
+                <a:alpha val="40000"/>
+              </a:prstClr>
+            </a:outerShdw>
+          </a:effectLst>
+        </p:spPr>
+      </p:pic>
+      <p:sp>
+        <p:nvSpPr>
+          <p:cNvPr id="8" name="TextBox 7">
+            <a:extLst>
+              <a:ext uri="{FF2B5EF4-FFF2-40B4-BE49-F238E27FC236}">
+                <a16:creationId xmlns:a16="http://schemas.microsoft.com/office/drawing/2014/main" id="{11D697E6-4856-01C8-FDC2-3F08C358A7B3}"/>
+              </a:ext>
+            </a:extLst>
+          </p:cNvPr>
+          <p:cNvSpPr txBox="1"/>
+          <p:nvPr/>
+        </p:nvSpPr>
+        <p:spPr>
+          <a:xfrm>
+            <a:off x="4704787" y="3844781"/>
+            <a:ext cx="2862072" cy="646331"/>
+          </a:xfrm>
+          <a:prstGeom prst="rect">
+            <a:avLst/>
+          </a:prstGeom>
+          <a:noFill/>
+        </p:spPr>
+        <p:txBody>
+          <a:bodyPr wrap="square" rtlCol="0">
+            <a:spAutoFit/>
+          </a:bodyPr>
+          <a:lstStyle/>
+          <a:p>
+            <a:pPr algn="ctr"/>
+            <a:r>
+              <a:rPr lang="tr-TR" dirty="0"/>
+              <a:t>Örnek Soru 12.1 Çözümü</a:t>
+            </a:r>
+          </a:p>
+          <a:p>
+            <a:pPr algn="ctr"/>
+            <a:r>
+              <a:rPr lang="tr-TR" dirty="0"/>
+              <a:t>(ornek_soru_12.1.py)</a:t>
+            </a:r>
+            <a:endParaRPr lang="en-US" dirty="0"/>
+          </a:p>
+        </p:txBody>
+      </p:sp>
+    </p:spTree>
+    <p:extLst>
+      <p:ext uri="{BB962C8B-B14F-4D97-AF65-F5344CB8AC3E}">
+        <p14:creationId xmlns:p14="http://schemas.microsoft.com/office/powerpoint/2010/main" val="3964513415"/>
+      </p:ext>
+    </p:extLst>
+  </p:cSld>
+  <p:clrMapOvr>
+    <a:masterClrMapping/>
+  </p:clrMapOvr>
+</p:sld>
+</file>
+
+<file path=ppt/slides/slide67.xml><?xml version="1.0" encoding="utf-8"?>
+<p:sld xmlns:a="http://schemas.openxmlformats.org/drawingml/2006/main" xmlns:r="http://schemas.openxmlformats.org/officeDocument/2006/relationships" xmlns:p="http://schemas.openxmlformats.org/presentationml/2006/main">
+  <p:cSld>
+    <p:spTree>
+      <p:nvGrpSpPr>
+        <p:cNvPr id="1" name=""/>
+        <p:cNvGrpSpPr/>
+        <p:nvPr/>
+      </p:nvGrpSpPr>
+      <p:grpSpPr>
+        <a:xfrm>
+          <a:off x="0" y="0"/>
+          <a:ext cx="0" cy="0"/>
+          <a:chOff x="0" y="0"/>
+          <a:chExt cx="0" cy="0"/>
+        </a:xfrm>
+      </p:grpSpPr>
+      <p:sp>
+        <p:nvSpPr>
+          <p:cNvPr id="7" name="Yuvarlatılmış Dikdörtgen 6"/>
+          <p:cNvSpPr/>
+          <p:nvPr>
+            <p:custDataLst>
+              <p:tags r:id="rId1"/>
+            </p:custDataLst>
+          </p:nvPr>
+        </p:nvSpPr>
+        <p:spPr>
+          <a:xfrm>
+            <a:off x="2031368" y="234003"/>
+            <a:ext cx="8208912" cy="6291342"/>
+          </a:xfrm>
+          <a:prstGeom prst="roundRect">
+            <a:avLst>
+              <a:gd name="adj" fmla="val 5123"/>
+            </a:avLst>
+          </a:prstGeom>
+          <a:effectLst>
+            <a:outerShdw blurRad="292100" dist="114300" dir="3840000" algn="ctr" rotWithShape="0">
+              <a:srgbClr val="000000">
+                <a:alpha val="81000"/>
+              </a:srgbClr>
+            </a:outerShdw>
+          </a:effectLst>
+        </p:spPr>
+        <p:style>
+          <a:lnRef idx="2">
+            <a:schemeClr val="accent1"/>
+          </a:lnRef>
+          <a:fillRef idx="1">
+            <a:schemeClr val="lt1"/>
+          </a:fillRef>
+          <a:effectRef idx="0">
+            <a:schemeClr val="accent1"/>
+          </a:effectRef>
+          <a:fontRef idx="minor">
+            <a:schemeClr val="dk1"/>
+          </a:fontRef>
+        </p:style>
+        <p:txBody>
+          <a:bodyPr rtlCol="0" anchor="ctr" anchorCtr="0"/>
+          <a:lstStyle/>
+          <a:p>
+            <a:endParaRPr lang="tr-TR" sz="2000" dirty="0">
+              <a:latin typeface="Arial" pitchFamily="34" charset="0"/>
+              <a:cs typeface="Arial" pitchFamily="34" charset="0"/>
+            </a:endParaRPr>
+          </a:p>
+        </p:txBody>
+      </p:sp>
+      <p:sp>
+        <p:nvSpPr>
+          <p:cNvPr id="2" name="Altbilgi Yer Tutucusu 1"/>
+          <p:cNvSpPr>
+            <a:spLocks noGrp="1"/>
+          </p:cNvSpPr>
+          <p:nvPr>
+            <p:ph type="ftr" sz="quarter" idx="11"/>
+            <p:custDataLst>
+              <p:tags r:id="rId2"/>
+            </p:custDataLst>
+          </p:nvPr>
+        </p:nvSpPr>
+        <p:spPr>
+          <a:xfrm>
+            <a:off x="3431704" y="6525345"/>
+            <a:ext cx="5408240" cy="365125"/>
+          </a:xfrm>
+        </p:spPr>
+        <p:txBody>
+          <a:bodyPr/>
+          <a:lstStyle/>
+          <a:p>
+            <a:r>
+              <a:rPr lang="tr-TR" sz="1050" dirty="0">
+                <a:solidFill>
+                  <a:schemeClr val="tx2">
+                    <a:lumMod val="75000"/>
+                  </a:schemeClr>
+                </a:solidFill>
+              </a:rPr>
+              <a:t>© Marmara Üniversitesi Uzaktan Eğitim Uygulama ve Araştırma Merkezi</a:t>
+            </a:r>
+          </a:p>
+        </p:txBody>
+      </p:sp>
+      <p:sp>
+        <p:nvSpPr>
+          <p:cNvPr id="3" name="Slayt Numarası Yer Tutucusu 2"/>
+          <p:cNvSpPr>
+            <a:spLocks noGrp="1"/>
+          </p:cNvSpPr>
+          <p:nvPr>
+            <p:ph type="sldNum" sz="quarter" idx="12"/>
+            <p:custDataLst>
+              <p:tags r:id="rId3"/>
+            </p:custDataLst>
+          </p:nvPr>
+        </p:nvSpPr>
+        <p:spPr>
+          <a:xfrm>
+            <a:off x="8472264" y="6520260"/>
+            <a:ext cx="2133600" cy="365125"/>
+          </a:xfrm>
+        </p:spPr>
+        <p:txBody>
+          <a:bodyPr/>
+          <a:lstStyle/>
+          <a:p>
+            <a:fld id="{219A703F-5BE9-489E-8C60-8A91ACC9E5BC}" type="slidenum">
+              <a:rPr lang="tr-TR" smtClean="0">
+                <a:solidFill>
+                  <a:schemeClr val="tx2">
+                    <a:lumMod val="75000"/>
+                  </a:schemeClr>
+                </a:solidFill>
+              </a:rPr>
+              <a:t>67</a:t>
+            </a:fld>
+            <a:endParaRPr lang="tr-TR" dirty="0">
+              <a:solidFill>
+                <a:schemeClr val="tx2">
+                  <a:lumMod val="75000"/>
+                </a:schemeClr>
+              </a:solidFill>
+            </a:endParaRPr>
+          </a:p>
+        </p:txBody>
+      </p:sp>
+      <p:sp>
+        <p:nvSpPr>
+          <p:cNvPr id="6" name="TextBox 5">
+            <a:extLst>
+              <a:ext uri="{FF2B5EF4-FFF2-40B4-BE49-F238E27FC236}">
+                <a16:creationId xmlns:a16="http://schemas.microsoft.com/office/drawing/2014/main" id="{820975E1-E675-4131-9446-88469D14CC6A}"/>
+              </a:ext>
+            </a:extLst>
+          </p:cNvPr>
+          <p:cNvSpPr txBox="1"/>
+          <p:nvPr/>
+        </p:nvSpPr>
+        <p:spPr>
+          <a:xfrm>
+            <a:off x="2331720" y="466344"/>
+            <a:ext cx="7488936" cy="923330"/>
+          </a:xfrm>
+          <a:prstGeom prst="rect">
+            <a:avLst/>
+          </a:prstGeom>
+          <a:noFill/>
+        </p:spPr>
+        <p:txBody>
+          <a:bodyPr wrap="square" rtlCol="0">
+            <a:spAutoFit/>
+          </a:bodyPr>
+          <a:lstStyle/>
+          <a:p>
+            <a:r>
+              <a:rPr lang="tr-TR" b="1" dirty="0"/>
+              <a:t>Örnek Soru 13.1:</a:t>
+            </a:r>
+            <a:r>
+              <a:rPr lang="tr-TR" dirty="0"/>
+              <a:t> İl plakalarını tutan bir sözlük yapısı oluşturarak sözlüğe eleman ekleme ve sorgulamanın nasıl yapılacağını gösteren bir program yazınız.</a:t>
+            </a:r>
+            <a:endParaRPr lang="en-US" dirty="0"/>
+          </a:p>
+        </p:txBody>
+      </p:sp>
+    </p:spTree>
+    <p:extLst>
+      <p:ext uri="{BB962C8B-B14F-4D97-AF65-F5344CB8AC3E}">
+        <p14:creationId xmlns:p14="http://schemas.microsoft.com/office/powerpoint/2010/main" val="2475398425"/>
+      </p:ext>
+    </p:extLst>
+  </p:cSld>
+  <p:clrMapOvr>
+    <a:masterClrMapping/>
+  </p:clrMapOvr>
+</p:sld>
+</file>
+
+<file path=ppt/slides/slide68.xml><?xml version="1.0" encoding="utf-8"?>
+<p:sld xmlns:a="http://schemas.openxmlformats.org/drawingml/2006/main" xmlns:r="http://schemas.openxmlformats.org/officeDocument/2006/relationships" xmlns:p="http://schemas.openxmlformats.org/presentationml/2006/main">
+  <p:cSld>
+    <p:spTree>
+      <p:nvGrpSpPr>
+        <p:cNvPr id="1" name=""/>
+        <p:cNvGrpSpPr/>
+        <p:nvPr/>
+      </p:nvGrpSpPr>
+      <p:grpSpPr>
+        <a:xfrm>
+          <a:off x="0" y="0"/>
+          <a:ext cx="0" cy="0"/>
+          <a:chOff x="0" y="0"/>
+          <a:chExt cx="0" cy="0"/>
+        </a:xfrm>
+      </p:grpSpPr>
+      <p:sp>
+        <p:nvSpPr>
+          <p:cNvPr id="7" name="Yuvarlatılmış Dikdörtgen 6"/>
+          <p:cNvSpPr/>
+          <p:nvPr>
+            <p:custDataLst>
+              <p:tags r:id="rId1"/>
+            </p:custDataLst>
+          </p:nvPr>
+        </p:nvSpPr>
+        <p:spPr>
+          <a:xfrm>
+            <a:off x="2031368" y="234003"/>
+            <a:ext cx="8208912" cy="6291342"/>
+          </a:xfrm>
+          <a:prstGeom prst="roundRect">
+            <a:avLst>
+              <a:gd name="adj" fmla="val 5123"/>
+            </a:avLst>
+          </a:prstGeom>
+          <a:effectLst>
+            <a:outerShdw blurRad="292100" dist="114300" dir="3840000" algn="ctr" rotWithShape="0">
+              <a:srgbClr val="000000">
+                <a:alpha val="81000"/>
+              </a:srgbClr>
+            </a:outerShdw>
+          </a:effectLst>
+        </p:spPr>
+        <p:style>
+          <a:lnRef idx="2">
+            <a:schemeClr val="accent1"/>
+          </a:lnRef>
+          <a:fillRef idx="1">
+            <a:schemeClr val="lt1"/>
+          </a:fillRef>
+          <a:effectRef idx="0">
+            <a:schemeClr val="accent1"/>
+          </a:effectRef>
+          <a:fontRef idx="minor">
+            <a:schemeClr val="dk1"/>
+          </a:fontRef>
+        </p:style>
+        <p:txBody>
+          <a:bodyPr rtlCol="0" anchor="ctr" anchorCtr="0"/>
+          <a:lstStyle/>
+          <a:p>
+            <a:endParaRPr lang="tr-TR" sz="2000" dirty="0">
+              <a:latin typeface="Arial" pitchFamily="34" charset="0"/>
+              <a:cs typeface="Arial" pitchFamily="34" charset="0"/>
+            </a:endParaRPr>
+          </a:p>
+        </p:txBody>
+      </p:sp>
+      <p:sp>
+        <p:nvSpPr>
+          <p:cNvPr id="2" name="Altbilgi Yer Tutucusu 1"/>
+          <p:cNvSpPr>
+            <a:spLocks noGrp="1"/>
+          </p:cNvSpPr>
+          <p:nvPr>
+            <p:ph type="ftr" sz="quarter" idx="11"/>
+            <p:custDataLst>
+              <p:tags r:id="rId2"/>
+            </p:custDataLst>
+          </p:nvPr>
+        </p:nvSpPr>
+        <p:spPr>
+          <a:xfrm>
+            <a:off x="3431704" y="6525345"/>
+            <a:ext cx="5408240" cy="365125"/>
+          </a:xfrm>
+        </p:spPr>
+        <p:txBody>
+          <a:bodyPr/>
+          <a:lstStyle/>
+          <a:p>
+            <a:r>
+              <a:rPr lang="tr-TR" sz="1050" dirty="0">
+                <a:solidFill>
+                  <a:schemeClr val="tx2">
+                    <a:lumMod val="75000"/>
+                  </a:schemeClr>
+                </a:solidFill>
+              </a:rPr>
+              <a:t>© Marmara Üniversitesi Uzaktan Eğitim Uygulama ve Araştırma Merkezi</a:t>
+            </a:r>
+          </a:p>
+        </p:txBody>
+      </p:sp>
+      <p:sp>
+        <p:nvSpPr>
+          <p:cNvPr id="3" name="Slayt Numarası Yer Tutucusu 2"/>
+          <p:cNvSpPr>
+            <a:spLocks noGrp="1"/>
+          </p:cNvSpPr>
+          <p:nvPr>
+            <p:ph type="sldNum" sz="quarter" idx="12"/>
+            <p:custDataLst>
+              <p:tags r:id="rId3"/>
+            </p:custDataLst>
+          </p:nvPr>
+        </p:nvSpPr>
+        <p:spPr>
+          <a:xfrm>
+            <a:off x="8472264" y="6520260"/>
+            <a:ext cx="2133600" cy="365125"/>
+          </a:xfrm>
+        </p:spPr>
+        <p:txBody>
+          <a:bodyPr/>
+          <a:lstStyle/>
+          <a:p>
+            <a:fld id="{219A703F-5BE9-489E-8C60-8A91ACC9E5BC}" type="slidenum">
+              <a:rPr lang="tr-TR" smtClean="0">
+                <a:solidFill>
+                  <a:schemeClr val="tx2">
+                    <a:lumMod val="75000"/>
+                  </a:schemeClr>
+                </a:solidFill>
+              </a:rPr>
+              <a:t>68</a:t>
+            </a:fld>
+            <a:endParaRPr lang="tr-TR" dirty="0">
+              <a:solidFill>
+                <a:schemeClr val="tx2">
+                  <a:lumMod val="75000"/>
+                </a:schemeClr>
+              </a:solidFill>
+            </a:endParaRPr>
+          </a:p>
+        </p:txBody>
+      </p:sp>
+      <p:sp>
+        <p:nvSpPr>
+          <p:cNvPr id="6" name="TextBox 5">
+            <a:extLst>
+              <a:ext uri="{FF2B5EF4-FFF2-40B4-BE49-F238E27FC236}">
+                <a16:creationId xmlns:a16="http://schemas.microsoft.com/office/drawing/2014/main" id="{820975E1-E675-4131-9446-88469D14CC6A}"/>
+              </a:ext>
+            </a:extLst>
+          </p:cNvPr>
+          <p:cNvSpPr txBox="1"/>
+          <p:nvPr/>
+        </p:nvSpPr>
+        <p:spPr>
+          <a:xfrm>
+            <a:off x="2331720" y="466344"/>
+            <a:ext cx="7488936" cy="369332"/>
+          </a:xfrm>
+          <a:prstGeom prst="rect">
+            <a:avLst/>
+          </a:prstGeom>
+          <a:noFill/>
+        </p:spPr>
+        <p:txBody>
+          <a:bodyPr wrap="square" rtlCol="0">
+            <a:spAutoFit/>
+          </a:bodyPr>
+          <a:lstStyle/>
+          <a:p>
+            <a:r>
+              <a:rPr lang="tr-TR" b="1" dirty="0"/>
+              <a:t>Örnek Soru 13.1 Çözümü:</a:t>
+            </a:r>
+            <a:endParaRPr lang="en-US" dirty="0"/>
+          </a:p>
+        </p:txBody>
+      </p:sp>
+      <p:pic>
+        <p:nvPicPr>
+          <p:cNvPr id="5" name="Picture 4" descr="A picture containing text, screenshot&#10;&#10;Description automatically generated">
+            <a:extLst>
+              <a:ext uri="{FF2B5EF4-FFF2-40B4-BE49-F238E27FC236}">
+                <a16:creationId xmlns:a16="http://schemas.microsoft.com/office/drawing/2014/main" id="{62FD34D0-EB7C-5BD1-A05E-2FACB74CD5BB}"/>
+              </a:ext>
+            </a:extLst>
+          </p:cNvPr>
+          <p:cNvPicPr>
+            <a:picLocks noChangeAspect="1"/>
+          </p:cNvPicPr>
+          <p:nvPr/>
+        </p:nvPicPr>
+        <p:blipFill>
+          <a:blip r:embed="rId6">
+            <a:extLst>
+              <a:ext uri="{28A0092B-C50C-407E-A947-70E740481C1C}">
+                <a14:useLocalDpi xmlns:a14="http://schemas.microsoft.com/office/drawing/2010/main" val="0"/>
+              </a:ext>
+            </a:extLst>
+          </a:blip>
+          <a:stretch>
+            <a:fillRect/>
+          </a:stretch>
+        </p:blipFill>
+        <p:spPr>
+          <a:xfrm>
+            <a:off x="2476518" y="1791198"/>
+            <a:ext cx="7488936" cy="3288792"/>
+          </a:xfrm>
+          <a:prstGeom prst="rect">
+            <a:avLst/>
+          </a:prstGeom>
+          <a:effectLst>
+            <a:outerShdw blurRad="63500" sx="102000" sy="102000" algn="ctr" rotWithShape="0">
+              <a:prstClr val="black">
+                <a:alpha val="40000"/>
+              </a:prstClr>
+            </a:outerShdw>
+          </a:effectLst>
+        </p:spPr>
+      </p:pic>
+      <p:sp>
+        <p:nvSpPr>
+          <p:cNvPr id="8" name="TextBox 7">
+            <a:extLst>
+              <a:ext uri="{FF2B5EF4-FFF2-40B4-BE49-F238E27FC236}">
+                <a16:creationId xmlns:a16="http://schemas.microsoft.com/office/drawing/2014/main" id="{2CA4EB1A-95CD-0397-F9EB-0F3CBEC2DD38}"/>
+              </a:ext>
+            </a:extLst>
+          </p:cNvPr>
+          <p:cNvSpPr txBox="1"/>
+          <p:nvPr/>
+        </p:nvSpPr>
+        <p:spPr>
+          <a:xfrm>
+            <a:off x="4727648" y="5079990"/>
+            <a:ext cx="2816352" cy="646331"/>
+          </a:xfrm>
+          <a:prstGeom prst="rect">
+            <a:avLst/>
+          </a:prstGeom>
+          <a:noFill/>
+        </p:spPr>
+        <p:txBody>
+          <a:bodyPr wrap="square" rtlCol="0">
+            <a:spAutoFit/>
+          </a:bodyPr>
+          <a:lstStyle/>
+          <a:p>
+            <a:pPr algn="ctr"/>
+            <a:r>
+              <a:rPr lang="tr-TR" dirty="0"/>
+              <a:t>Örnek Soru 13.1 Çözümü</a:t>
+            </a:r>
+          </a:p>
+          <a:p>
+            <a:pPr algn="ctr"/>
+            <a:r>
+              <a:rPr lang="tr-TR" dirty="0"/>
+              <a:t>(ornek_soru_13.1.py)</a:t>
+            </a:r>
+            <a:endParaRPr lang="en-US" dirty="0"/>
+          </a:p>
+        </p:txBody>
+      </p:sp>
+    </p:spTree>
+    <p:extLst>
+      <p:ext uri="{BB962C8B-B14F-4D97-AF65-F5344CB8AC3E}">
+        <p14:creationId xmlns:p14="http://schemas.microsoft.com/office/powerpoint/2010/main" val="2390659991"/>
+      </p:ext>
+    </p:extLst>
+  </p:cSld>
+  <p:clrMapOvr>
+    <a:masterClrMapping/>
+  </p:clrMapOvr>
+</p:sld>
+</file>
+
+<file path=ppt/slides/slide69.xml><?xml version="1.0" encoding="utf-8"?>
+<p:sld xmlns:a="http://schemas.openxmlformats.org/drawingml/2006/main" xmlns:r="http://schemas.openxmlformats.org/officeDocument/2006/relationships" xmlns:p="http://schemas.openxmlformats.org/presentationml/2006/main">
+  <p:cSld>
+    <p:spTree>
+      <p:nvGrpSpPr>
+        <p:cNvPr id="1" name=""/>
+        <p:cNvGrpSpPr/>
+        <p:nvPr/>
+      </p:nvGrpSpPr>
+      <p:grpSpPr>
+        <a:xfrm>
+          <a:off x="0" y="0"/>
+          <a:ext cx="0" cy="0"/>
+          <a:chOff x="0" y="0"/>
+          <a:chExt cx="0" cy="0"/>
+        </a:xfrm>
+      </p:grpSpPr>
+      <p:sp>
+        <p:nvSpPr>
+          <p:cNvPr id="7" name="Yuvarlatılmış Dikdörtgen 6"/>
+          <p:cNvSpPr/>
+          <p:nvPr>
+            <p:custDataLst>
+              <p:tags r:id="rId1"/>
+            </p:custDataLst>
+          </p:nvPr>
+        </p:nvSpPr>
+        <p:spPr>
+          <a:xfrm>
+            <a:off x="2031368" y="234003"/>
+            <a:ext cx="8208912" cy="6291342"/>
+          </a:xfrm>
+          <a:prstGeom prst="roundRect">
+            <a:avLst>
+              <a:gd name="adj" fmla="val 5123"/>
+            </a:avLst>
+          </a:prstGeom>
+          <a:effectLst>
+            <a:outerShdw blurRad="292100" dist="114300" dir="3840000" algn="ctr" rotWithShape="0">
+              <a:srgbClr val="000000">
+                <a:alpha val="81000"/>
+              </a:srgbClr>
+            </a:outerShdw>
+          </a:effectLst>
+        </p:spPr>
+        <p:style>
+          <a:lnRef idx="2">
+            <a:schemeClr val="accent1"/>
+          </a:lnRef>
+          <a:fillRef idx="1">
+            <a:schemeClr val="lt1"/>
+          </a:fillRef>
+          <a:effectRef idx="0">
+            <a:schemeClr val="accent1"/>
+          </a:effectRef>
+          <a:fontRef idx="minor">
+            <a:schemeClr val="dk1"/>
+          </a:fontRef>
+        </p:style>
+        <p:txBody>
+          <a:bodyPr rtlCol="0" anchor="ctr" anchorCtr="0"/>
+          <a:lstStyle/>
+          <a:p>
+            <a:endParaRPr lang="tr-TR" sz="2000" dirty="0">
+              <a:latin typeface="Arial" pitchFamily="34" charset="0"/>
+              <a:cs typeface="Arial" pitchFamily="34" charset="0"/>
+            </a:endParaRPr>
+          </a:p>
+        </p:txBody>
+      </p:sp>
+      <p:sp>
+        <p:nvSpPr>
+          <p:cNvPr id="2" name="Altbilgi Yer Tutucusu 1"/>
+          <p:cNvSpPr>
+            <a:spLocks noGrp="1"/>
+          </p:cNvSpPr>
+          <p:nvPr>
+            <p:ph type="ftr" sz="quarter" idx="11"/>
+            <p:custDataLst>
+              <p:tags r:id="rId2"/>
+            </p:custDataLst>
+          </p:nvPr>
+        </p:nvSpPr>
+        <p:spPr>
+          <a:xfrm>
+            <a:off x="3431704" y="6525345"/>
+            <a:ext cx="5408240" cy="365125"/>
+          </a:xfrm>
+        </p:spPr>
+        <p:txBody>
+          <a:bodyPr/>
+          <a:lstStyle/>
+          <a:p>
+            <a:r>
+              <a:rPr lang="tr-TR" sz="1050" dirty="0">
+                <a:solidFill>
+                  <a:schemeClr val="tx2">
+                    <a:lumMod val="75000"/>
+                  </a:schemeClr>
+                </a:solidFill>
+              </a:rPr>
+              <a:t>© Marmara Üniversitesi Uzaktan Eğitim Uygulama ve Araştırma Merkezi</a:t>
+            </a:r>
+          </a:p>
+        </p:txBody>
+      </p:sp>
+      <p:sp>
+        <p:nvSpPr>
+          <p:cNvPr id="3" name="Slayt Numarası Yer Tutucusu 2"/>
+          <p:cNvSpPr>
+            <a:spLocks noGrp="1"/>
+          </p:cNvSpPr>
+          <p:nvPr>
+            <p:ph type="sldNum" sz="quarter" idx="12"/>
+            <p:custDataLst>
+              <p:tags r:id="rId3"/>
+            </p:custDataLst>
+          </p:nvPr>
+        </p:nvSpPr>
+        <p:spPr>
+          <a:xfrm>
+            <a:off x="8472264" y="6520260"/>
+            <a:ext cx="2133600" cy="365125"/>
+          </a:xfrm>
+        </p:spPr>
+        <p:txBody>
+          <a:bodyPr/>
+          <a:lstStyle/>
+          <a:p>
+            <a:fld id="{219A703F-5BE9-489E-8C60-8A91ACC9E5BC}" type="slidenum">
+              <a:rPr lang="tr-TR" smtClean="0">
+                <a:solidFill>
+                  <a:schemeClr val="tx2">
+                    <a:lumMod val="75000"/>
+                  </a:schemeClr>
+                </a:solidFill>
+              </a:rPr>
+              <a:t>69</a:t>
+            </a:fld>
+            <a:endParaRPr lang="tr-TR" dirty="0">
+              <a:solidFill>
+                <a:schemeClr val="tx2">
+                  <a:lumMod val="75000"/>
+                </a:schemeClr>
+              </a:solidFill>
+            </a:endParaRPr>
+          </a:p>
+        </p:txBody>
+      </p:sp>
+      <p:sp>
+        <p:nvSpPr>
+          <p:cNvPr id="6" name="TextBox 5">
+            <a:extLst>
+              <a:ext uri="{FF2B5EF4-FFF2-40B4-BE49-F238E27FC236}">
+                <a16:creationId xmlns:a16="http://schemas.microsoft.com/office/drawing/2014/main" id="{820975E1-E675-4131-9446-88469D14CC6A}"/>
+              </a:ext>
+            </a:extLst>
+          </p:cNvPr>
+          <p:cNvSpPr txBox="1"/>
+          <p:nvPr/>
+        </p:nvSpPr>
+        <p:spPr>
+          <a:xfrm>
+            <a:off x="2331720" y="466344"/>
+            <a:ext cx="7488936" cy="646331"/>
+          </a:xfrm>
+          <a:prstGeom prst="rect">
+            <a:avLst/>
+          </a:prstGeom>
+          <a:noFill/>
+        </p:spPr>
+        <p:txBody>
+          <a:bodyPr wrap="square" rtlCol="0">
+            <a:spAutoFit/>
+          </a:bodyPr>
+          <a:lstStyle/>
+          <a:p>
+            <a:r>
+              <a:rPr lang="tr-TR" b="1" dirty="0"/>
+              <a:t>Örnek Soru 14.1:</a:t>
+            </a:r>
+            <a:r>
+              <a:rPr lang="tr-TR" dirty="0"/>
+              <a:t> İllerin hava durumunu bir sözlükte tutan ve ekranda alt alta listeleyen programı yazınız.</a:t>
+            </a:r>
+            <a:endParaRPr lang="en-US" dirty="0"/>
+          </a:p>
+        </p:txBody>
+      </p:sp>
+    </p:spTree>
+    <p:extLst>
+      <p:ext uri="{BB962C8B-B14F-4D97-AF65-F5344CB8AC3E}">
+        <p14:creationId xmlns:p14="http://schemas.microsoft.com/office/powerpoint/2010/main" val="458679102"/>
+      </p:ext>
+    </p:extLst>
+  </p:cSld>
+  <p:clrMapOvr>
+    <a:masterClrMapping/>
+  </p:clrMapOvr>
+</p:sld>
+</file>
+
 <file path=ppt/slides/slide7.xml><?xml version="1.0" encoding="utf-8"?>
 <p:sld xmlns:a="http://schemas.openxmlformats.org/drawingml/2006/main" xmlns:r="http://schemas.openxmlformats.org/officeDocument/2006/relationships" xmlns:p="http://schemas.openxmlformats.org/presentationml/2006/main">
   <p:cSld>
@@ -41446,6 +43817,3939 @@
   <p:clrMapOvr>
     <a:masterClrMapping/>
   </p:clrMapOvr>
+</p:sld>
+</file>
+
+<file path=ppt/slides/slide70.xml><?xml version="1.0" encoding="utf-8"?>
+<p:sld xmlns:a="http://schemas.openxmlformats.org/drawingml/2006/main" xmlns:r="http://schemas.openxmlformats.org/officeDocument/2006/relationships" xmlns:p="http://schemas.openxmlformats.org/presentationml/2006/main">
+  <p:cSld>
+    <p:spTree>
+      <p:nvGrpSpPr>
+        <p:cNvPr id="1" name=""/>
+        <p:cNvGrpSpPr/>
+        <p:nvPr/>
+      </p:nvGrpSpPr>
+      <p:grpSpPr>
+        <a:xfrm>
+          <a:off x="0" y="0"/>
+          <a:ext cx="0" cy="0"/>
+          <a:chOff x="0" y="0"/>
+          <a:chExt cx="0" cy="0"/>
+        </a:xfrm>
+      </p:grpSpPr>
+      <p:sp>
+        <p:nvSpPr>
+          <p:cNvPr id="7" name="Yuvarlatılmış Dikdörtgen 6"/>
+          <p:cNvSpPr/>
+          <p:nvPr>
+            <p:custDataLst>
+              <p:tags r:id="rId1"/>
+            </p:custDataLst>
+          </p:nvPr>
+        </p:nvSpPr>
+        <p:spPr>
+          <a:xfrm>
+            <a:off x="2031368" y="234003"/>
+            <a:ext cx="8208912" cy="6291342"/>
+          </a:xfrm>
+          <a:prstGeom prst="roundRect">
+            <a:avLst>
+              <a:gd name="adj" fmla="val 5123"/>
+            </a:avLst>
+          </a:prstGeom>
+          <a:effectLst>
+            <a:outerShdw blurRad="292100" dist="114300" dir="3840000" algn="ctr" rotWithShape="0">
+              <a:srgbClr val="000000">
+                <a:alpha val="81000"/>
+              </a:srgbClr>
+            </a:outerShdw>
+          </a:effectLst>
+        </p:spPr>
+        <p:style>
+          <a:lnRef idx="2">
+            <a:schemeClr val="accent1"/>
+          </a:lnRef>
+          <a:fillRef idx="1">
+            <a:schemeClr val="lt1"/>
+          </a:fillRef>
+          <a:effectRef idx="0">
+            <a:schemeClr val="accent1"/>
+          </a:effectRef>
+          <a:fontRef idx="minor">
+            <a:schemeClr val="dk1"/>
+          </a:fontRef>
+        </p:style>
+        <p:txBody>
+          <a:bodyPr rtlCol="0" anchor="ctr" anchorCtr="0"/>
+          <a:lstStyle/>
+          <a:p>
+            <a:endParaRPr lang="tr-TR" sz="2000" dirty="0">
+              <a:latin typeface="Arial" pitchFamily="34" charset="0"/>
+              <a:cs typeface="Arial" pitchFamily="34" charset="0"/>
+            </a:endParaRPr>
+          </a:p>
+        </p:txBody>
+      </p:sp>
+      <p:sp>
+        <p:nvSpPr>
+          <p:cNvPr id="2" name="Altbilgi Yer Tutucusu 1"/>
+          <p:cNvSpPr>
+            <a:spLocks noGrp="1"/>
+          </p:cNvSpPr>
+          <p:nvPr>
+            <p:ph type="ftr" sz="quarter" idx="11"/>
+            <p:custDataLst>
+              <p:tags r:id="rId2"/>
+            </p:custDataLst>
+          </p:nvPr>
+        </p:nvSpPr>
+        <p:spPr>
+          <a:xfrm>
+            <a:off x="3431704" y="6525345"/>
+            <a:ext cx="5408240" cy="365125"/>
+          </a:xfrm>
+        </p:spPr>
+        <p:txBody>
+          <a:bodyPr/>
+          <a:lstStyle/>
+          <a:p>
+            <a:r>
+              <a:rPr lang="tr-TR" sz="1050" dirty="0">
+                <a:solidFill>
+                  <a:schemeClr val="tx2">
+                    <a:lumMod val="75000"/>
+                  </a:schemeClr>
+                </a:solidFill>
+              </a:rPr>
+              <a:t>© Marmara Üniversitesi Uzaktan Eğitim Uygulama ve Araştırma Merkezi</a:t>
+            </a:r>
+          </a:p>
+        </p:txBody>
+      </p:sp>
+      <p:sp>
+        <p:nvSpPr>
+          <p:cNvPr id="3" name="Slayt Numarası Yer Tutucusu 2"/>
+          <p:cNvSpPr>
+            <a:spLocks noGrp="1"/>
+          </p:cNvSpPr>
+          <p:nvPr>
+            <p:ph type="sldNum" sz="quarter" idx="12"/>
+            <p:custDataLst>
+              <p:tags r:id="rId3"/>
+            </p:custDataLst>
+          </p:nvPr>
+        </p:nvSpPr>
+        <p:spPr>
+          <a:xfrm>
+            <a:off x="8472264" y="6520260"/>
+            <a:ext cx="2133600" cy="365125"/>
+          </a:xfrm>
+        </p:spPr>
+        <p:txBody>
+          <a:bodyPr/>
+          <a:lstStyle/>
+          <a:p>
+            <a:fld id="{219A703F-5BE9-489E-8C60-8A91ACC9E5BC}" type="slidenum">
+              <a:rPr lang="tr-TR" smtClean="0">
+                <a:solidFill>
+                  <a:schemeClr val="tx2">
+                    <a:lumMod val="75000"/>
+                  </a:schemeClr>
+                </a:solidFill>
+              </a:rPr>
+              <a:t>70</a:t>
+            </a:fld>
+            <a:endParaRPr lang="tr-TR" dirty="0">
+              <a:solidFill>
+                <a:schemeClr val="tx2">
+                  <a:lumMod val="75000"/>
+                </a:schemeClr>
+              </a:solidFill>
+            </a:endParaRPr>
+          </a:p>
+        </p:txBody>
+      </p:sp>
+      <p:sp>
+        <p:nvSpPr>
+          <p:cNvPr id="6" name="TextBox 5">
+            <a:extLst>
+              <a:ext uri="{FF2B5EF4-FFF2-40B4-BE49-F238E27FC236}">
+                <a16:creationId xmlns:a16="http://schemas.microsoft.com/office/drawing/2014/main" id="{820975E1-E675-4131-9446-88469D14CC6A}"/>
+              </a:ext>
+            </a:extLst>
+          </p:cNvPr>
+          <p:cNvSpPr txBox="1"/>
+          <p:nvPr/>
+        </p:nvSpPr>
+        <p:spPr>
+          <a:xfrm>
+            <a:off x="2331720" y="466344"/>
+            <a:ext cx="7488936" cy="369332"/>
+          </a:xfrm>
+          <a:prstGeom prst="rect">
+            <a:avLst/>
+          </a:prstGeom>
+          <a:noFill/>
+        </p:spPr>
+        <p:txBody>
+          <a:bodyPr wrap="square" rtlCol="0">
+            <a:spAutoFit/>
+          </a:bodyPr>
+          <a:lstStyle/>
+          <a:p>
+            <a:r>
+              <a:rPr lang="tr-TR" b="1" dirty="0"/>
+              <a:t>Örnek Soru 14.1 Çözümü:</a:t>
+            </a:r>
+            <a:endParaRPr lang="en-US" dirty="0"/>
+          </a:p>
+        </p:txBody>
+      </p:sp>
+      <p:pic>
+        <p:nvPicPr>
+          <p:cNvPr id="5" name="Picture 4" descr="A screenshot of a computer screen&#10;&#10;Description automatically generated with medium confidence">
+            <a:extLst>
+              <a:ext uri="{FF2B5EF4-FFF2-40B4-BE49-F238E27FC236}">
+                <a16:creationId xmlns:a16="http://schemas.microsoft.com/office/drawing/2014/main" id="{2C367BC8-21A1-2A96-C088-1BC06234CD53}"/>
+              </a:ext>
+            </a:extLst>
+          </p:cNvPr>
+          <p:cNvPicPr>
+            <a:picLocks noChangeAspect="1"/>
+          </p:cNvPicPr>
+          <p:nvPr/>
+        </p:nvPicPr>
+        <p:blipFill>
+          <a:blip r:embed="rId6">
+            <a:extLst>
+              <a:ext uri="{28A0092B-C50C-407E-A947-70E740481C1C}">
+                <a14:useLocalDpi xmlns:a14="http://schemas.microsoft.com/office/drawing/2010/main" val="0"/>
+              </a:ext>
+            </a:extLst>
+          </a:blip>
+          <a:stretch>
+            <a:fillRect/>
+          </a:stretch>
+        </p:blipFill>
+        <p:spPr>
+          <a:xfrm>
+            <a:off x="2463070" y="1345016"/>
+            <a:ext cx="7265859" cy="4462830"/>
+          </a:xfrm>
+          <a:prstGeom prst="rect">
+            <a:avLst/>
+          </a:prstGeom>
+          <a:effectLst>
+            <a:outerShdw blurRad="63500" sx="102000" sy="102000" algn="ctr" rotWithShape="0">
+              <a:prstClr val="black">
+                <a:alpha val="40000"/>
+              </a:prstClr>
+            </a:outerShdw>
+          </a:effectLst>
+        </p:spPr>
+      </p:pic>
+      <p:sp>
+        <p:nvSpPr>
+          <p:cNvPr id="8" name="TextBox 7">
+            <a:extLst>
+              <a:ext uri="{FF2B5EF4-FFF2-40B4-BE49-F238E27FC236}">
+                <a16:creationId xmlns:a16="http://schemas.microsoft.com/office/drawing/2014/main" id="{A496FFE9-9653-582D-052C-46E21DC6EC27}"/>
+              </a:ext>
+            </a:extLst>
+          </p:cNvPr>
+          <p:cNvSpPr txBox="1"/>
+          <p:nvPr/>
+        </p:nvSpPr>
+        <p:spPr>
+          <a:xfrm>
+            <a:off x="4521908" y="5831748"/>
+            <a:ext cx="3227832" cy="646331"/>
+          </a:xfrm>
+          <a:prstGeom prst="rect">
+            <a:avLst/>
+          </a:prstGeom>
+          <a:noFill/>
+        </p:spPr>
+        <p:txBody>
+          <a:bodyPr wrap="square" rtlCol="0">
+            <a:spAutoFit/>
+          </a:bodyPr>
+          <a:lstStyle/>
+          <a:p>
+            <a:pPr algn="ctr"/>
+            <a:r>
+              <a:rPr lang="tr-TR" dirty="0"/>
+              <a:t>Örnek Soru 14.1 Çözümü</a:t>
+            </a:r>
+          </a:p>
+          <a:p>
+            <a:pPr algn="ctr"/>
+            <a:r>
+              <a:rPr lang="tr-TR" dirty="0"/>
+              <a:t>(ornek_soru_14.1.py)</a:t>
+            </a:r>
+            <a:endParaRPr lang="en-US" dirty="0"/>
+          </a:p>
+        </p:txBody>
+      </p:sp>
+    </p:spTree>
+    <p:extLst>
+      <p:ext uri="{BB962C8B-B14F-4D97-AF65-F5344CB8AC3E}">
+        <p14:creationId xmlns:p14="http://schemas.microsoft.com/office/powerpoint/2010/main" val="3221788441"/>
+      </p:ext>
+    </p:extLst>
+  </p:cSld>
+  <p:clrMapOvr>
+    <a:masterClrMapping/>
+  </p:clrMapOvr>
+</p:sld>
+</file>
+
+<file path=ppt/slides/slide71.xml><?xml version="1.0" encoding="utf-8"?>
+<p:sld xmlns:a="http://schemas.openxmlformats.org/drawingml/2006/main" xmlns:r="http://schemas.openxmlformats.org/officeDocument/2006/relationships" xmlns:p="http://schemas.openxmlformats.org/presentationml/2006/main">
+  <p:cSld>
+    <p:spTree>
+      <p:nvGrpSpPr>
+        <p:cNvPr id="1" name=""/>
+        <p:cNvGrpSpPr/>
+        <p:nvPr/>
+      </p:nvGrpSpPr>
+      <p:grpSpPr>
+        <a:xfrm>
+          <a:off x="0" y="0"/>
+          <a:ext cx="0" cy="0"/>
+          <a:chOff x="0" y="0"/>
+          <a:chExt cx="0" cy="0"/>
+        </a:xfrm>
+      </p:grpSpPr>
+      <p:sp>
+        <p:nvSpPr>
+          <p:cNvPr id="7" name="Yuvarlatılmış Dikdörtgen 6"/>
+          <p:cNvSpPr/>
+          <p:nvPr>
+            <p:custDataLst>
+              <p:tags r:id="rId1"/>
+            </p:custDataLst>
+          </p:nvPr>
+        </p:nvSpPr>
+        <p:spPr>
+          <a:xfrm>
+            <a:off x="2031368" y="234003"/>
+            <a:ext cx="8208912" cy="6291342"/>
+          </a:xfrm>
+          <a:prstGeom prst="roundRect">
+            <a:avLst>
+              <a:gd name="adj" fmla="val 5123"/>
+            </a:avLst>
+          </a:prstGeom>
+          <a:effectLst>
+            <a:outerShdw blurRad="292100" dist="114300" dir="3840000" algn="ctr" rotWithShape="0">
+              <a:srgbClr val="000000">
+                <a:alpha val="81000"/>
+              </a:srgbClr>
+            </a:outerShdw>
+          </a:effectLst>
+        </p:spPr>
+        <p:style>
+          <a:lnRef idx="2">
+            <a:schemeClr val="accent1"/>
+          </a:lnRef>
+          <a:fillRef idx="1">
+            <a:schemeClr val="lt1"/>
+          </a:fillRef>
+          <a:effectRef idx="0">
+            <a:schemeClr val="accent1"/>
+          </a:effectRef>
+          <a:fontRef idx="minor">
+            <a:schemeClr val="dk1"/>
+          </a:fontRef>
+        </p:style>
+        <p:txBody>
+          <a:bodyPr rtlCol="0" anchor="ctr" anchorCtr="0"/>
+          <a:lstStyle/>
+          <a:p>
+            <a:endParaRPr lang="tr-TR" sz="2000" dirty="0">
+              <a:latin typeface="Arial" pitchFamily="34" charset="0"/>
+              <a:cs typeface="Arial" pitchFamily="34" charset="0"/>
+            </a:endParaRPr>
+          </a:p>
+        </p:txBody>
+      </p:sp>
+      <p:sp>
+        <p:nvSpPr>
+          <p:cNvPr id="2" name="Altbilgi Yer Tutucusu 1"/>
+          <p:cNvSpPr>
+            <a:spLocks noGrp="1"/>
+          </p:cNvSpPr>
+          <p:nvPr>
+            <p:ph type="ftr" sz="quarter" idx="11"/>
+            <p:custDataLst>
+              <p:tags r:id="rId2"/>
+            </p:custDataLst>
+          </p:nvPr>
+        </p:nvSpPr>
+        <p:spPr>
+          <a:xfrm>
+            <a:off x="3431704" y="6525345"/>
+            <a:ext cx="5408240" cy="365125"/>
+          </a:xfrm>
+        </p:spPr>
+        <p:txBody>
+          <a:bodyPr/>
+          <a:lstStyle/>
+          <a:p>
+            <a:r>
+              <a:rPr lang="tr-TR" sz="1050" dirty="0">
+                <a:solidFill>
+                  <a:schemeClr val="tx2">
+                    <a:lumMod val="75000"/>
+                  </a:schemeClr>
+                </a:solidFill>
+              </a:rPr>
+              <a:t>© Marmara Üniversitesi Uzaktan Eğitim Uygulama ve Araştırma Merkezi</a:t>
+            </a:r>
+          </a:p>
+        </p:txBody>
+      </p:sp>
+      <p:sp>
+        <p:nvSpPr>
+          <p:cNvPr id="3" name="Slayt Numarası Yer Tutucusu 2"/>
+          <p:cNvSpPr>
+            <a:spLocks noGrp="1"/>
+          </p:cNvSpPr>
+          <p:nvPr>
+            <p:ph type="sldNum" sz="quarter" idx="12"/>
+            <p:custDataLst>
+              <p:tags r:id="rId3"/>
+            </p:custDataLst>
+          </p:nvPr>
+        </p:nvSpPr>
+        <p:spPr>
+          <a:xfrm>
+            <a:off x="8472264" y="6520260"/>
+            <a:ext cx="2133600" cy="365125"/>
+          </a:xfrm>
+        </p:spPr>
+        <p:txBody>
+          <a:bodyPr/>
+          <a:lstStyle/>
+          <a:p>
+            <a:fld id="{219A703F-5BE9-489E-8C60-8A91ACC9E5BC}" type="slidenum">
+              <a:rPr lang="tr-TR" smtClean="0">
+                <a:solidFill>
+                  <a:schemeClr val="tx2">
+                    <a:lumMod val="75000"/>
+                  </a:schemeClr>
+                </a:solidFill>
+              </a:rPr>
+              <a:t>71</a:t>
+            </a:fld>
+            <a:endParaRPr lang="tr-TR" dirty="0">
+              <a:solidFill>
+                <a:schemeClr val="tx2">
+                  <a:lumMod val="75000"/>
+                </a:schemeClr>
+              </a:solidFill>
+            </a:endParaRPr>
+          </a:p>
+        </p:txBody>
+      </p:sp>
+      <p:sp>
+        <p:nvSpPr>
+          <p:cNvPr id="6" name="TextBox 5">
+            <a:extLst>
+              <a:ext uri="{FF2B5EF4-FFF2-40B4-BE49-F238E27FC236}">
+                <a16:creationId xmlns:a16="http://schemas.microsoft.com/office/drawing/2014/main" id="{820975E1-E675-4131-9446-88469D14CC6A}"/>
+              </a:ext>
+            </a:extLst>
+          </p:cNvPr>
+          <p:cNvSpPr txBox="1"/>
+          <p:nvPr/>
+        </p:nvSpPr>
+        <p:spPr>
+          <a:xfrm>
+            <a:off x="2331720" y="466344"/>
+            <a:ext cx="7488936" cy="646331"/>
+          </a:xfrm>
+          <a:prstGeom prst="rect">
+            <a:avLst/>
+          </a:prstGeom>
+          <a:noFill/>
+        </p:spPr>
+        <p:txBody>
+          <a:bodyPr wrap="square" rtlCol="0">
+            <a:spAutoFit/>
+          </a:bodyPr>
+          <a:lstStyle/>
+          <a:p>
+            <a:r>
+              <a:rPr lang="tr-TR" b="1" dirty="0"/>
+              <a:t>Örnek Soru 15.1 </a:t>
+            </a:r>
+            <a:r>
+              <a:rPr lang="tr-TR" dirty="0"/>
+              <a:t>İngilizce</a:t>
+            </a:r>
+            <a:r>
+              <a:rPr lang="tr-TR" b="1" dirty="0"/>
+              <a:t> – Türkçe Sözlük Programı:</a:t>
+            </a:r>
+            <a:r>
+              <a:rPr lang="tr-TR" dirty="0"/>
+              <a:t> Girilen İngilizce günün Türkçe karşılığını veren İngilizce-</a:t>
+            </a:r>
+            <a:r>
+              <a:rPr lang="tr-TR" b="1" dirty="0"/>
+              <a:t>Türkçe</a:t>
+            </a:r>
+            <a:r>
+              <a:rPr lang="tr-TR" dirty="0"/>
+              <a:t> bir sözlük programı yazınız.</a:t>
+            </a:r>
+            <a:endParaRPr lang="en-US" dirty="0"/>
+          </a:p>
+        </p:txBody>
+      </p:sp>
+    </p:spTree>
+    <p:extLst>
+      <p:ext uri="{BB962C8B-B14F-4D97-AF65-F5344CB8AC3E}">
+        <p14:creationId xmlns:p14="http://schemas.microsoft.com/office/powerpoint/2010/main" val="78431009"/>
+      </p:ext>
+    </p:extLst>
+  </p:cSld>
+  <p:clrMapOvr>
+    <a:masterClrMapping/>
+  </p:clrMapOvr>
+</p:sld>
+</file>
+
+<file path=ppt/slides/slide72.xml><?xml version="1.0" encoding="utf-8"?>
+<p:sld xmlns:a="http://schemas.openxmlformats.org/drawingml/2006/main" xmlns:r="http://schemas.openxmlformats.org/officeDocument/2006/relationships" xmlns:p="http://schemas.openxmlformats.org/presentationml/2006/main">
+  <p:cSld>
+    <p:spTree>
+      <p:nvGrpSpPr>
+        <p:cNvPr id="1" name=""/>
+        <p:cNvGrpSpPr/>
+        <p:nvPr/>
+      </p:nvGrpSpPr>
+      <p:grpSpPr>
+        <a:xfrm>
+          <a:off x="0" y="0"/>
+          <a:ext cx="0" cy="0"/>
+          <a:chOff x="0" y="0"/>
+          <a:chExt cx="0" cy="0"/>
+        </a:xfrm>
+      </p:grpSpPr>
+      <p:sp>
+        <p:nvSpPr>
+          <p:cNvPr id="7" name="Yuvarlatılmış Dikdörtgen 6"/>
+          <p:cNvSpPr/>
+          <p:nvPr>
+            <p:custDataLst>
+              <p:tags r:id="rId1"/>
+            </p:custDataLst>
+          </p:nvPr>
+        </p:nvSpPr>
+        <p:spPr>
+          <a:xfrm>
+            <a:off x="2031368" y="234003"/>
+            <a:ext cx="8208912" cy="6291342"/>
+          </a:xfrm>
+          <a:prstGeom prst="roundRect">
+            <a:avLst>
+              <a:gd name="adj" fmla="val 5123"/>
+            </a:avLst>
+          </a:prstGeom>
+          <a:effectLst>
+            <a:outerShdw blurRad="292100" dist="114300" dir="3840000" algn="ctr" rotWithShape="0">
+              <a:srgbClr val="000000">
+                <a:alpha val="81000"/>
+              </a:srgbClr>
+            </a:outerShdw>
+          </a:effectLst>
+        </p:spPr>
+        <p:style>
+          <a:lnRef idx="2">
+            <a:schemeClr val="accent1"/>
+          </a:lnRef>
+          <a:fillRef idx="1">
+            <a:schemeClr val="lt1"/>
+          </a:fillRef>
+          <a:effectRef idx="0">
+            <a:schemeClr val="accent1"/>
+          </a:effectRef>
+          <a:fontRef idx="minor">
+            <a:schemeClr val="dk1"/>
+          </a:fontRef>
+        </p:style>
+        <p:txBody>
+          <a:bodyPr rtlCol="0" anchor="ctr" anchorCtr="0"/>
+          <a:lstStyle/>
+          <a:p>
+            <a:endParaRPr lang="tr-TR" sz="2000" dirty="0">
+              <a:latin typeface="Arial" pitchFamily="34" charset="0"/>
+              <a:cs typeface="Arial" pitchFamily="34" charset="0"/>
+            </a:endParaRPr>
+          </a:p>
+        </p:txBody>
+      </p:sp>
+      <p:sp>
+        <p:nvSpPr>
+          <p:cNvPr id="2" name="Altbilgi Yer Tutucusu 1"/>
+          <p:cNvSpPr>
+            <a:spLocks noGrp="1"/>
+          </p:cNvSpPr>
+          <p:nvPr>
+            <p:ph type="ftr" sz="quarter" idx="11"/>
+            <p:custDataLst>
+              <p:tags r:id="rId2"/>
+            </p:custDataLst>
+          </p:nvPr>
+        </p:nvSpPr>
+        <p:spPr>
+          <a:xfrm>
+            <a:off x="3431704" y="6525345"/>
+            <a:ext cx="5408240" cy="365125"/>
+          </a:xfrm>
+        </p:spPr>
+        <p:txBody>
+          <a:bodyPr/>
+          <a:lstStyle/>
+          <a:p>
+            <a:r>
+              <a:rPr lang="tr-TR" sz="1050" dirty="0">
+                <a:solidFill>
+                  <a:schemeClr val="tx2">
+                    <a:lumMod val="75000"/>
+                  </a:schemeClr>
+                </a:solidFill>
+              </a:rPr>
+              <a:t>© Marmara Üniversitesi Uzaktan Eğitim Uygulama ve Araştırma Merkezi</a:t>
+            </a:r>
+          </a:p>
+        </p:txBody>
+      </p:sp>
+      <p:sp>
+        <p:nvSpPr>
+          <p:cNvPr id="3" name="Slayt Numarası Yer Tutucusu 2"/>
+          <p:cNvSpPr>
+            <a:spLocks noGrp="1"/>
+          </p:cNvSpPr>
+          <p:nvPr>
+            <p:ph type="sldNum" sz="quarter" idx="12"/>
+            <p:custDataLst>
+              <p:tags r:id="rId3"/>
+            </p:custDataLst>
+          </p:nvPr>
+        </p:nvSpPr>
+        <p:spPr>
+          <a:xfrm>
+            <a:off x="8472264" y="6520260"/>
+            <a:ext cx="2133600" cy="365125"/>
+          </a:xfrm>
+        </p:spPr>
+        <p:txBody>
+          <a:bodyPr/>
+          <a:lstStyle/>
+          <a:p>
+            <a:fld id="{219A703F-5BE9-489E-8C60-8A91ACC9E5BC}" type="slidenum">
+              <a:rPr lang="tr-TR" smtClean="0">
+                <a:solidFill>
+                  <a:schemeClr val="tx2">
+                    <a:lumMod val="75000"/>
+                  </a:schemeClr>
+                </a:solidFill>
+              </a:rPr>
+              <a:t>72</a:t>
+            </a:fld>
+            <a:endParaRPr lang="tr-TR" dirty="0">
+              <a:solidFill>
+                <a:schemeClr val="tx2">
+                  <a:lumMod val="75000"/>
+                </a:schemeClr>
+              </a:solidFill>
+            </a:endParaRPr>
+          </a:p>
+        </p:txBody>
+      </p:sp>
+      <p:sp>
+        <p:nvSpPr>
+          <p:cNvPr id="6" name="TextBox 5">
+            <a:extLst>
+              <a:ext uri="{FF2B5EF4-FFF2-40B4-BE49-F238E27FC236}">
+                <a16:creationId xmlns:a16="http://schemas.microsoft.com/office/drawing/2014/main" id="{820975E1-E675-4131-9446-88469D14CC6A}"/>
+              </a:ext>
+            </a:extLst>
+          </p:cNvPr>
+          <p:cNvSpPr txBox="1"/>
+          <p:nvPr/>
+        </p:nvSpPr>
+        <p:spPr>
+          <a:xfrm>
+            <a:off x="2391356" y="466344"/>
+            <a:ext cx="7488936" cy="369332"/>
+          </a:xfrm>
+          <a:prstGeom prst="rect">
+            <a:avLst/>
+          </a:prstGeom>
+          <a:noFill/>
+        </p:spPr>
+        <p:txBody>
+          <a:bodyPr wrap="square" rtlCol="0">
+            <a:spAutoFit/>
+          </a:bodyPr>
+          <a:lstStyle/>
+          <a:p>
+            <a:r>
+              <a:rPr lang="tr-TR" b="1" dirty="0"/>
+              <a:t>Örnek Soru 15.1 </a:t>
+            </a:r>
+            <a:r>
+              <a:rPr lang="tr-TR" dirty="0"/>
+              <a:t>İngilizce</a:t>
+            </a:r>
+            <a:r>
+              <a:rPr lang="tr-TR" b="1" dirty="0"/>
+              <a:t> – Türkçe Sözlük Programı Çözümü:</a:t>
+            </a:r>
+            <a:endParaRPr lang="en-US" dirty="0"/>
+          </a:p>
+        </p:txBody>
+      </p:sp>
+      <p:pic>
+        <p:nvPicPr>
+          <p:cNvPr id="5" name="Picture 4" descr="A picture containing text, screenshot&#10;&#10;Description automatically generated">
+            <a:extLst>
+              <a:ext uri="{FF2B5EF4-FFF2-40B4-BE49-F238E27FC236}">
+                <a16:creationId xmlns:a16="http://schemas.microsoft.com/office/drawing/2014/main" id="{7432B9FF-AE96-2D16-C4EA-EAF257AA7C00}"/>
+              </a:ext>
+            </a:extLst>
+          </p:cNvPr>
+          <p:cNvPicPr>
+            <a:picLocks noChangeAspect="1"/>
+          </p:cNvPicPr>
+          <p:nvPr/>
+        </p:nvPicPr>
+        <p:blipFill>
+          <a:blip r:embed="rId6">
+            <a:extLst>
+              <a:ext uri="{28A0092B-C50C-407E-A947-70E740481C1C}">
+                <a14:useLocalDpi xmlns:a14="http://schemas.microsoft.com/office/drawing/2010/main" val="0"/>
+              </a:ext>
+            </a:extLst>
+          </a:blip>
+          <a:stretch>
+            <a:fillRect/>
+          </a:stretch>
+        </p:blipFill>
+        <p:spPr>
+          <a:xfrm>
+            <a:off x="2576221" y="1010626"/>
+            <a:ext cx="7119205" cy="4733011"/>
+          </a:xfrm>
+          <a:prstGeom prst="rect">
+            <a:avLst/>
+          </a:prstGeom>
+          <a:effectLst>
+            <a:outerShdw blurRad="63500" sx="102000" sy="102000" algn="ctr" rotWithShape="0">
+              <a:prstClr val="black">
+                <a:alpha val="40000"/>
+              </a:prstClr>
+            </a:outerShdw>
+          </a:effectLst>
+        </p:spPr>
+      </p:pic>
+      <p:sp>
+        <p:nvSpPr>
+          <p:cNvPr id="8" name="TextBox 7">
+            <a:extLst>
+              <a:ext uri="{FF2B5EF4-FFF2-40B4-BE49-F238E27FC236}">
+                <a16:creationId xmlns:a16="http://schemas.microsoft.com/office/drawing/2014/main" id="{BA9AC986-832F-B860-BADA-C248E5CEE6EF}"/>
+              </a:ext>
+            </a:extLst>
+          </p:cNvPr>
+          <p:cNvSpPr txBox="1"/>
+          <p:nvPr/>
+        </p:nvSpPr>
+        <p:spPr>
+          <a:xfrm>
+            <a:off x="4435039" y="5723771"/>
+            <a:ext cx="3401568" cy="646331"/>
+          </a:xfrm>
+          <a:prstGeom prst="rect">
+            <a:avLst/>
+          </a:prstGeom>
+          <a:noFill/>
+        </p:spPr>
+        <p:txBody>
+          <a:bodyPr wrap="square" rtlCol="0">
+            <a:spAutoFit/>
+          </a:bodyPr>
+          <a:lstStyle/>
+          <a:p>
+            <a:pPr algn="ctr"/>
+            <a:r>
+              <a:rPr lang="tr-TR" dirty="0"/>
+              <a:t>Örnek Soru 15.1 Çözümü</a:t>
+            </a:r>
+          </a:p>
+          <a:p>
+            <a:pPr algn="ctr"/>
+            <a:r>
+              <a:rPr lang="tr-TR" dirty="0"/>
+              <a:t>(ornek_soru_15.1.py)</a:t>
+            </a:r>
+            <a:endParaRPr lang="en-US" dirty="0"/>
+          </a:p>
+        </p:txBody>
+      </p:sp>
+    </p:spTree>
+    <p:extLst>
+      <p:ext uri="{BB962C8B-B14F-4D97-AF65-F5344CB8AC3E}">
+        <p14:creationId xmlns:p14="http://schemas.microsoft.com/office/powerpoint/2010/main" val="3485452203"/>
+      </p:ext>
+    </p:extLst>
+  </p:cSld>
+  <p:clrMapOvr>
+    <a:masterClrMapping/>
+  </p:clrMapOvr>
+</p:sld>
+</file>
+
+<file path=ppt/slides/slide73.xml><?xml version="1.0" encoding="utf-8"?>
+<p:sld xmlns:a="http://schemas.openxmlformats.org/drawingml/2006/main" xmlns:r="http://schemas.openxmlformats.org/officeDocument/2006/relationships" xmlns:p="http://schemas.openxmlformats.org/presentationml/2006/main">
+  <p:cSld>
+    <p:spTree>
+      <p:nvGrpSpPr>
+        <p:cNvPr id="1" name=""/>
+        <p:cNvGrpSpPr/>
+        <p:nvPr/>
+      </p:nvGrpSpPr>
+      <p:grpSpPr>
+        <a:xfrm>
+          <a:off x="0" y="0"/>
+          <a:ext cx="0" cy="0"/>
+          <a:chOff x="0" y="0"/>
+          <a:chExt cx="0" cy="0"/>
+        </a:xfrm>
+      </p:grpSpPr>
+      <p:sp>
+        <p:nvSpPr>
+          <p:cNvPr id="7" name="Yuvarlatılmış Dikdörtgen 6"/>
+          <p:cNvSpPr/>
+          <p:nvPr>
+            <p:custDataLst>
+              <p:tags r:id="rId1"/>
+            </p:custDataLst>
+          </p:nvPr>
+        </p:nvSpPr>
+        <p:spPr>
+          <a:xfrm>
+            <a:off x="2031368" y="234003"/>
+            <a:ext cx="8208912" cy="6291342"/>
+          </a:xfrm>
+          <a:prstGeom prst="roundRect">
+            <a:avLst>
+              <a:gd name="adj" fmla="val 5123"/>
+            </a:avLst>
+          </a:prstGeom>
+          <a:effectLst>
+            <a:outerShdw blurRad="292100" dist="114300" dir="3840000" algn="ctr" rotWithShape="0">
+              <a:srgbClr val="000000">
+                <a:alpha val="81000"/>
+              </a:srgbClr>
+            </a:outerShdw>
+          </a:effectLst>
+        </p:spPr>
+        <p:style>
+          <a:lnRef idx="2">
+            <a:schemeClr val="accent1"/>
+          </a:lnRef>
+          <a:fillRef idx="1">
+            <a:schemeClr val="lt1"/>
+          </a:fillRef>
+          <a:effectRef idx="0">
+            <a:schemeClr val="accent1"/>
+          </a:effectRef>
+          <a:fontRef idx="minor">
+            <a:schemeClr val="dk1"/>
+          </a:fontRef>
+        </p:style>
+        <p:txBody>
+          <a:bodyPr rtlCol="0" anchor="ctr" anchorCtr="0"/>
+          <a:lstStyle/>
+          <a:p>
+            <a:endParaRPr lang="tr-TR" sz="2000" dirty="0">
+              <a:latin typeface="Arial" pitchFamily="34" charset="0"/>
+              <a:cs typeface="Arial" pitchFamily="34" charset="0"/>
+            </a:endParaRPr>
+          </a:p>
+        </p:txBody>
+      </p:sp>
+      <p:sp>
+        <p:nvSpPr>
+          <p:cNvPr id="2" name="Altbilgi Yer Tutucusu 1"/>
+          <p:cNvSpPr>
+            <a:spLocks noGrp="1"/>
+          </p:cNvSpPr>
+          <p:nvPr>
+            <p:ph type="ftr" sz="quarter" idx="11"/>
+            <p:custDataLst>
+              <p:tags r:id="rId2"/>
+            </p:custDataLst>
+          </p:nvPr>
+        </p:nvSpPr>
+        <p:spPr>
+          <a:xfrm>
+            <a:off x="3431704" y="6525345"/>
+            <a:ext cx="5408240" cy="365125"/>
+          </a:xfrm>
+        </p:spPr>
+        <p:txBody>
+          <a:bodyPr/>
+          <a:lstStyle/>
+          <a:p>
+            <a:r>
+              <a:rPr lang="tr-TR" sz="1050" dirty="0">
+                <a:solidFill>
+                  <a:schemeClr val="tx2">
+                    <a:lumMod val="75000"/>
+                  </a:schemeClr>
+                </a:solidFill>
+              </a:rPr>
+              <a:t>© Marmara Üniversitesi Uzaktan Eğitim Uygulama ve Araştırma Merkezi</a:t>
+            </a:r>
+          </a:p>
+        </p:txBody>
+      </p:sp>
+      <p:sp>
+        <p:nvSpPr>
+          <p:cNvPr id="3" name="Slayt Numarası Yer Tutucusu 2"/>
+          <p:cNvSpPr>
+            <a:spLocks noGrp="1"/>
+          </p:cNvSpPr>
+          <p:nvPr>
+            <p:ph type="sldNum" sz="quarter" idx="12"/>
+            <p:custDataLst>
+              <p:tags r:id="rId3"/>
+            </p:custDataLst>
+          </p:nvPr>
+        </p:nvSpPr>
+        <p:spPr>
+          <a:xfrm>
+            <a:off x="8472264" y="6520260"/>
+            <a:ext cx="2133600" cy="365125"/>
+          </a:xfrm>
+        </p:spPr>
+        <p:txBody>
+          <a:bodyPr/>
+          <a:lstStyle/>
+          <a:p>
+            <a:fld id="{219A703F-5BE9-489E-8C60-8A91ACC9E5BC}" type="slidenum">
+              <a:rPr lang="tr-TR" smtClean="0">
+                <a:solidFill>
+                  <a:schemeClr val="tx2">
+                    <a:lumMod val="75000"/>
+                  </a:schemeClr>
+                </a:solidFill>
+              </a:rPr>
+              <a:t>73</a:t>
+            </a:fld>
+            <a:endParaRPr lang="tr-TR" dirty="0">
+              <a:solidFill>
+                <a:schemeClr val="tx2">
+                  <a:lumMod val="75000"/>
+                </a:schemeClr>
+              </a:solidFill>
+            </a:endParaRPr>
+          </a:p>
+        </p:txBody>
+      </p:sp>
+      <p:sp>
+        <p:nvSpPr>
+          <p:cNvPr id="6" name="TextBox 5">
+            <a:extLst>
+              <a:ext uri="{FF2B5EF4-FFF2-40B4-BE49-F238E27FC236}">
+                <a16:creationId xmlns:a16="http://schemas.microsoft.com/office/drawing/2014/main" id="{820975E1-E675-4131-9446-88469D14CC6A}"/>
+              </a:ext>
+            </a:extLst>
+          </p:cNvPr>
+          <p:cNvSpPr txBox="1"/>
+          <p:nvPr/>
+        </p:nvSpPr>
+        <p:spPr>
+          <a:xfrm>
+            <a:off x="2331720" y="466344"/>
+            <a:ext cx="7488936" cy="5416868"/>
+          </a:xfrm>
+          <a:prstGeom prst="rect">
+            <a:avLst/>
+          </a:prstGeom>
+          <a:noFill/>
+        </p:spPr>
+        <p:txBody>
+          <a:bodyPr wrap="square" rtlCol="0">
+            <a:spAutoFit/>
+          </a:bodyPr>
+          <a:lstStyle/>
+          <a:p>
+            <a:r>
+              <a:rPr lang="tr-TR" b="1" dirty="0"/>
+              <a:t>Örnek Soru 16.1 Papatya Falı Oyunu Yapımı: </a:t>
+            </a:r>
+            <a:r>
+              <a:rPr lang="tr-TR" dirty="0"/>
+              <a:t>19 yapraklı ‘Seviyor/Sevmiyor' elemanlarından oluşan bir papatya listesinden papatya falı çeken uygulamayı gerçekleştiriniz. </a:t>
+            </a:r>
+            <a:r>
+              <a:rPr lang="en-US" dirty="0"/>
+              <a:t>{</a:t>
+            </a:r>
+            <a:r>
+              <a:rPr lang="tr-TR" dirty="0"/>
+              <a:t>Not: Elemanlar kümeden rastgele çekilecektir.</a:t>
+            </a:r>
+            <a:r>
+              <a:rPr lang="en-US" dirty="0"/>
+              <a:t>}</a:t>
+            </a:r>
+          </a:p>
+          <a:p>
+            <a:r>
+              <a:rPr lang="en-US" dirty="0"/>
+              <a:t>Bu </a:t>
+            </a:r>
+            <a:r>
+              <a:rPr lang="en-US" dirty="0" err="1"/>
+              <a:t>uygulamayı</a:t>
+            </a:r>
+            <a:r>
+              <a:rPr lang="en-US" dirty="0"/>
+              <a:t> hem </a:t>
+            </a:r>
+            <a:r>
+              <a:rPr lang="en-US" dirty="0" err="1"/>
+              <a:t>sözlük</a:t>
+            </a:r>
+            <a:r>
+              <a:rPr lang="en-US" dirty="0"/>
+              <a:t> hem de </a:t>
+            </a:r>
+            <a:r>
+              <a:rPr lang="en-US" dirty="0" err="1"/>
+              <a:t>liste</a:t>
+            </a:r>
+            <a:r>
+              <a:rPr lang="en-US" dirty="0"/>
+              <a:t> yap</a:t>
+            </a:r>
+            <a:r>
+              <a:rPr lang="tr-TR" dirty="0"/>
+              <a:t>ı</a:t>
+            </a:r>
+            <a:r>
+              <a:rPr lang="en-US" dirty="0"/>
+              <a:t>s</a:t>
+            </a:r>
+            <a:r>
+              <a:rPr lang="tr-TR" dirty="0"/>
+              <a:t>ı</a:t>
+            </a:r>
+            <a:r>
+              <a:rPr lang="en-US" dirty="0"/>
+              <a:t>n</a:t>
+            </a:r>
+            <a:r>
+              <a:rPr lang="tr-TR" dirty="0"/>
+              <a:t>ı</a:t>
+            </a:r>
+            <a:r>
+              <a:rPr lang="en-US" dirty="0"/>
+              <a:t> </a:t>
+            </a:r>
+            <a:r>
+              <a:rPr lang="en-US" dirty="0" err="1"/>
+              <a:t>kullanarak</a:t>
+            </a:r>
+            <a:r>
+              <a:rPr lang="en-US" dirty="0"/>
+              <a:t> </a:t>
+            </a:r>
+            <a:r>
+              <a:rPr lang="en-US" dirty="0" err="1"/>
+              <a:t>çözelim</a:t>
+            </a:r>
+            <a:r>
+              <a:rPr lang="en-US" dirty="0"/>
+              <a:t>. </a:t>
+            </a:r>
+            <a:r>
+              <a:rPr lang="en-US" dirty="0" err="1"/>
+              <a:t>Sizde</a:t>
+            </a:r>
+            <a:r>
+              <a:rPr lang="en-US" dirty="0"/>
+              <a:t> </a:t>
+            </a:r>
+            <a:r>
+              <a:rPr lang="en-US" dirty="0" err="1"/>
+              <a:t>demet</a:t>
+            </a:r>
+            <a:r>
+              <a:rPr lang="en-US" dirty="0"/>
+              <a:t> yap</a:t>
+            </a:r>
+            <a:r>
+              <a:rPr lang="tr-TR" dirty="0"/>
+              <a:t>ı</a:t>
+            </a:r>
+            <a:r>
+              <a:rPr lang="en-US" dirty="0"/>
+              <a:t>s</a:t>
+            </a:r>
+            <a:r>
+              <a:rPr lang="tr-TR" dirty="0"/>
+              <a:t>ı</a:t>
+            </a:r>
+            <a:r>
+              <a:rPr lang="en-US" dirty="0" err="1"/>
+              <a:t>na</a:t>
+            </a:r>
+            <a:r>
+              <a:rPr lang="en-US" dirty="0"/>
+              <a:t> </a:t>
+            </a:r>
+            <a:r>
+              <a:rPr lang="en-US" dirty="0" err="1"/>
+              <a:t>uyarlamaya</a:t>
+            </a:r>
+            <a:r>
+              <a:rPr lang="en-US" dirty="0"/>
+              <a:t> </a:t>
+            </a:r>
+            <a:r>
+              <a:rPr lang="en-US" dirty="0" err="1"/>
+              <a:t>çalışınız</a:t>
+            </a:r>
+            <a:r>
+              <a:rPr lang="en-US" dirty="0"/>
+              <a:t>. </a:t>
+            </a:r>
+            <a:r>
+              <a:rPr lang="en-US" dirty="0" err="1"/>
+              <a:t>Küme</a:t>
+            </a:r>
+            <a:r>
+              <a:rPr lang="en-US" dirty="0"/>
+              <a:t> </a:t>
+            </a:r>
+            <a:r>
+              <a:rPr lang="en-US" dirty="0" err="1"/>
+              <a:t>ile</a:t>
+            </a:r>
+            <a:r>
+              <a:rPr lang="en-US" dirty="0"/>
+              <a:t> de </a:t>
+            </a:r>
+            <a:r>
+              <a:rPr lang="en-US" dirty="0" err="1"/>
+              <a:t>çözülebilir</a:t>
+            </a:r>
+            <a:r>
+              <a:rPr lang="en-US" dirty="0"/>
+              <a:t> mi? Bu 19 </a:t>
+            </a:r>
+            <a:r>
+              <a:rPr lang="en-US" dirty="0" err="1"/>
+              <a:t>elemanl</a:t>
+            </a:r>
+            <a:r>
+              <a:rPr lang="tr-TR" dirty="0"/>
+              <a:t>ı</a:t>
+            </a:r>
+            <a:r>
+              <a:rPr lang="en-US" dirty="0"/>
+              <a:t> </a:t>
+            </a:r>
+            <a:r>
+              <a:rPr lang="en-US" dirty="0" err="1"/>
+              <a:t>listemiz</a:t>
+            </a:r>
+            <a:r>
+              <a:rPr lang="tr-TR" dirty="0"/>
+              <a:t>,</a:t>
+            </a:r>
+            <a:r>
+              <a:rPr lang="en-US" dirty="0"/>
+              <a:t> k</a:t>
+            </a:r>
+            <a:r>
+              <a:rPr lang="tr-TR" dirty="0"/>
+              <a:t>ü</a:t>
+            </a:r>
+            <a:r>
+              <a:rPr lang="en-US" dirty="0"/>
+              <a:t>me </a:t>
+            </a:r>
+            <a:r>
+              <a:rPr lang="en-US" dirty="0" err="1"/>
+              <a:t>yapısında</a:t>
+            </a:r>
+            <a:r>
+              <a:rPr lang="en-US" dirty="0"/>
+              <a:t> 2 </a:t>
+            </a:r>
+            <a:r>
+              <a:rPr lang="en-US" dirty="0" err="1"/>
+              <a:t>clemanlı</a:t>
+            </a:r>
+            <a:r>
+              <a:rPr lang="en-US" dirty="0"/>
+              <a:t> </a:t>
+            </a:r>
+            <a:r>
+              <a:rPr lang="en-US" dirty="0" err="1"/>
+              <a:t>olarak</a:t>
+            </a:r>
+            <a:r>
+              <a:rPr lang="en-US" dirty="0"/>
+              <a:t> </a:t>
+            </a:r>
+            <a:r>
+              <a:rPr lang="en-US" dirty="0" err="1"/>
+              <a:t>algılanacağı</a:t>
+            </a:r>
+            <a:r>
+              <a:rPr lang="en-US" dirty="0"/>
+              <a:t> </a:t>
+            </a:r>
+            <a:r>
+              <a:rPr lang="en-US" dirty="0" err="1"/>
+              <a:t>için</a:t>
+            </a:r>
+            <a:r>
+              <a:rPr lang="en-US" dirty="0"/>
+              <a:t> </a:t>
+            </a:r>
+            <a:r>
+              <a:rPr lang="en-US" dirty="0" err="1"/>
+              <a:t>küme</a:t>
+            </a:r>
+            <a:r>
+              <a:rPr lang="en-US" dirty="0"/>
+              <a:t> yap</a:t>
+            </a:r>
+            <a:r>
+              <a:rPr lang="tr-TR" dirty="0"/>
+              <a:t>ı</a:t>
+            </a:r>
+            <a:r>
+              <a:rPr lang="en-US" dirty="0"/>
+              <a:t>s</a:t>
+            </a:r>
+            <a:r>
+              <a:rPr lang="tr-TR" dirty="0" err="1"/>
+              <a:t>ına</a:t>
+            </a:r>
+            <a:r>
+              <a:rPr lang="en-US" dirty="0"/>
+              <a:t> </a:t>
+            </a:r>
+            <a:r>
+              <a:rPr lang="en-US" dirty="0" err="1"/>
+              <a:t>uygun</a:t>
+            </a:r>
+            <a:r>
+              <a:rPr lang="en-US" dirty="0"/>
+              <a:t> </a:t>
+            </a:r>
+            <a:r>
+              <a:rPr lang="en-US" dirty="0" err="1"/>
+              <a:t>bir</a:t>
+            </a:r>
+            <a:r>
+              <a:rPr lang="en-US" dirty="0"/>
+              <a:t> </a:t>
+            </a:r>
+            <a:r>
+              <a:rPr lang="en-US" dirty="0" err="1"/>
+              <a:t>çözüm</a:t>
+            </a:r>
+            <a:r>
+              <a:rPr lang="en-US" dirty="0"/>
+              <a:t> </a:t>
+            </a:r>
+            <a:r>
+              <a:rPr lang="en-US" dirty="0" err="1"/>
+              <a:t>olmaz</a:t>
+            </a:r>
+            <a:r>
+              <a:rPr lang="en-US" dirty="0"/>
+              <a:t>.</a:t>
+            </a:r>
+            <a:endParaRPr lang="tr-TR" dirty="0"/>
+          </a:p>
+          <a:p>
+            <a:r>
+              <a:rPr lang="en-US" dirty="0" err="1"/>
+              <a:t>Liste</a:t>
+            </a:r>
+            <a:r>
+              <a:rPr lang="en-US" dirty="0"/>
+              <a:t> </a:t>
+            </a:r>
+            <a:r>
+              <a:rPr lang="en-US" dirty="0" err="1"/>
+              <a:t>yapısında</a:t>
+            </a:r>
+            <a:r>
+              <a:rPr lang="en-US" dirty="0"/>
+              <a:t> </a:t>
+            </a:r>
+            <a:r>
+              <a:rPr lang="en-US" dirty="0" err="1"/>
+              <a:t>Seviyor</a:t>
+            </a:r>
+            <a:r>
+              <a:rPr lang="en-US" dirty="0"/>
+              <a:t>' / "</a:t>
+            </a:r>
+            <a:r>
+              <a:rPr lang="en-US" dirty="0" err="1"/>
+              <a:t>Sevmiyor</a:t>
+            </a:r>
+            <a:r>
+              <a:rPr lang="en-US" dirty="0"/>
+              <a:t>' </a:t>
+            </a:r>
+            <a:r>
+              <a:rPr lang="en-US" dirty="0" err="1"/>
+              <a:t>durumundan</a:t>
+            </a:r>
+            <a:r>
+              <a:rPr lang="en-US" dirty="0"/>
+              <a:t> </a:t>
+            </a:r>
+            <a:r>
+              <a:rPr lang="en-US" dirty="0" err="1"/>
+              <a:t>biri</a:t>
+            </a:r>
+            <a:r>
+              <a:rPr lang="en-US" dirty="0"/>
+              <a:t> </a:t>
+            </a:r>
+            <a:r>
+              <a:rPr lang="en-US" dirty="0" err="1"/>
+              <a:t>rastgele</a:t>
+            </a:r>
+            <a:r>
+              <a:rPr lang="en-US" dirty="0"/>
+              <a:t> </a:t>
+            </a:r>
+            <a:r>
+              <a:rPr lang="en-US" dirty="0" err="1"/>
+              <a:t>seçilerek</a:t>
+            </a:r>
+            <a:r>
+              <a:rPr lang="en-US" dirty="0"/>
+              <a:t> </a:t>
+            </a:r>
+            <a:r>
+              <a:rPr lang="en-US" dirty="0" err="1"/>
+              <a:t>listeden</a:t>
+            </a:r>
+            <a:r>
+              <a:rPr lang="en-US" dirty="0"/>
+              <a:t> </a:t>
+            </a:r>
+            <a:r>
+              <a:rPr lang="en-US" dirty="0" err="1"/>
+              <a:t>bir</a:t>
+            </a:r>
+            <a:r>
+              <a:rPr lang="en-US" dirty="0"/>
+              <a:t> </a:t>
+            </a:r>
+            <a:r>
+              <a:rPr lang="en-US" dirty="0" err="1"/>
+              <a:t>eleman</a:t>
+            </a:r>
+            <a:r>
+              <a:rPr lang="en-US" dirty="0"/>
+              <a:t> </a:t>
+            </a:r>
+            <a:r>
+              <a:rPr lang="en-US" dirty="0" err="1"/>
+              <a:t>silinmektedir</a:t>
+            </a:r>
+            <a:r>
+              <a:rPr lang="en-US" dirty="0"/>
+              <a:t>. </a:t>
+            </a:r>
+            <a:r>
+              <a:rPr lang="en-US" dirty="0" err="1"/>
+              <a:t>Fakat</a:t>
+            </a:r>
+            <a:r>
+              <a:rPr lang="en-US" dirty="0"/>
+              <a:t> </a:t>
+            </a:r>
+            <a:r>
+              <a:rPr lang="en-US" dirty="0" err="1"/>
+              <a:t>sözlük</a:t>
+            </a:r>
+            <a:r>
+              <a:rPr lang="en-US" dirty="0"/>
+              <a:t> </a:t>
+            </a:r>
+            <a:r>
+              <a:rPr lang="en-US" dirty="0" err="1"/>
+              <a:t>veri</a:t>
+            </a:r>
+            <a:r>
+              <a:rPr lang="en-US" dirty="0"/>
+              <a:t> </a:t>
+            </a:r>
+            <a:r>
+              <a:rPr lang="en-US" dirty="0" err="1"/>
+              <a:t>yapısı</a:t>
+            </a:r>
+            <a:r>
+              <a:rPr lang="en-US" dirty="0"/>
+              <a:t> </a:t>
+            </a:r>
+            <a:r>
+              <a:rPr lang="en-US" dirty="0" err="1"/>
+              <a:t>kullanılan</a:t>
+            </a:r>
+            <a:r>
+              <a:rPr lang="en-US" dirty="0"/>
+              <a:t> </a:t>
+            </a:r>
+            <a:r>
+              <a:rPr lang="en-US" dirty="0" err="1"/>
+              <a:t>çözümde</a:t>
+            </a:r>
+            <a:r>
+              <a:rPr lang="en-US" dirty="0"/>
+              <a:t> </a:t>
+            </a:r>
+            <a:r>
+              <a:rPr lang="en-US" dirty="0" err="1"/>
+              <a:t>sözlükten</a:t>
+            </a:r>
+            <a:r>
+              <a:rPr lang="en-US" dirty="0"/>
+              <a:t> </a:t>
+            </a:r>
+            <a:r>
+              <a:rPr lang="en-US" dirty="0" err="1"/>
+              <a:t>eleman</a:t>
+            </a:r>
+            <a:r>
+              <a:rPr lang="en-US" dirty="0"/>
+              <a:t>- lar </a:t>
+            </a:r>
+            <a:r>
+              <a:rPr lang="en-US" dirty="0" err="1"/>
+              <a:t>rastgele</a:t>
+            </a:r>
+            <a:r>
+              <a:rPr lang="en-US" dirty="0"/>
+              <a:t> </a:t>
+            </a:r>
+            <a:r>
+              <a:rPr lang="en-US" dirty="0" err="1"/>
+              <a:t>değil</a:t>
+            </a:r>
+            <a:r>
+              <a:rPr lang="en-US" dirty="0"/>
+              <a:t> </a:t>
+            </a:r>
+            <a:r>
+              <a:rPr lang="en-US" dirty="0" err="1"/>
+              <a:t>sırası</a:t>
+            </a:r>
+            <a:r>
+              <a:rPr lang="en-US" dirty="0"/>
+              <a:t> </a:t>
+            </a:r>
+            <a:r>
+              <a:rPr lang="en-US" dirty="0" err="1"/>
+              <a:t>ile</a:t>
+            </a:r>
+            <a:r>
+              <a:rPr lang="en-US" dirty="0"/>
+              <a:t> </a:t>
+            </a:r>
+            <a:r>
+              <a:rPr lang="en-US" dirty="0" err="1"/>
+              <a:t>çekilmektedir</a:t>
+            </a:r>
+            <a:r>
+              <a:rPr lang="en-US" dirty="0"/>
+              <a:t>. </a:t>
+            </a:r>
+            <a:r>
+              <a:rPr lang="en-US" dirty="0" err="1"/>
+              <a:t>Dolayısıyla</a:t>
+            </a:r>
+            <a:r>
+              <a:rPr lang="en-US" dirty="0"/>
+              <a:t> program hep '</a:t>
+            </a:r>
+            <a:r>
+              <a:rPr lang="en-US" dirty="0" err="1"/>
+              <a:t>Seviyor</a:t>
+            </a:r>
+            <a:r>
+              <a:rPr lang="en-US" dirty="0"/>
+              <a:t>' </a:t>
+            </a:r>
+            <a:r>
+              <a:rPr lang="en-US" dirty="0" err="1"/>
+              <a:t>sonucunu</a:t>
+            </a:r>
+            <a:r>
+              <a:rPr lang="en-US" dirty="0"/>
+              <a:t> </a:t>
+            </a:r>
+            <a:r>
+              <a:rPr lang="en-US" dirty="0" err="1"/>
+              <a:t>aretecektir</a:t>
+            </a:r>
+            <a:r>
+              <a:rPr lang="en-US" dirty="0"/>
+              <a:t>. Tabi </a:t>
+            </a:r>
+            <a:r>
+              <a:rPr lang="en-US" dirty="0" err="1"/>
+              <a:t>bu</a:t>
+            </a:r>
+            <a:r>
+              <a:rPr lang="en-US" dirty="0"/>
+              <a:t> </a:t>
+            </a:r>
+            <a:r>
+              <a:rPr lang="en-US" dirty="0" err="1"/>
+              <a:t>programin</a:t>
+            </a:r>
+            <a:r>
+              <a:rPr lang="en-US" dirty="0"/>
+              <a:t> '</a:t>
+            </a:r>
+            <a:r>
+              <a:rPr lang="en-US" dirty="0" err="1"/>
+              <a:t>Sevmiyor</a:t>
+            </a:r>
+            <a:r>
+              <a:rPr lang="en-US" dirty="0"/>
+              <a:t>' </a:t>
+            </a:r>
+            <a:r>
+              <a:rPr lang="en-US" dirty="0" err="1"/>
+              <a:t>sonucunu</a:t>
+            </a:r>
+            <a:r>
+              <a:rPr lang="en-US" dirty="0"/>
+              <a:t> </a:t>
+            </a:r>
+            <a:r>
+              <a:rPr lang="en-US" dirty="0" err="1"/>
+              <a:t>üretmesi</a:t>
+            </a:r>
+            <a:r>
+              <a:rPr lang="en-US" dirty="0"/>
+              <a:t> </a:t>
+            </a:r>
+            <a:r>
+              <a:rPr lang="en-US" dirty="0" err="1"/>
+              <a:t>için</a:t>
+            </a:r>
+            <a:r>
+              <a:rPr lang="en-US" dirty="0"/>
+              <a:t> </a:t>
+            </a:r>
+            <a:r>
+              <a:rPr lang="en-US" dirty="0" err="1"/>
+              <a:t>çözümü</a:t>
+            </a:r>
+            <a:r>
+              <a:rPr lang="en-US" dirty="0"/>
+              <a:t> </a:t>
+            </a:r>
+            <a:r>
+              <a:rPr lang="en-US" dirty="0" err="1"/>
+              <a:t>bir</a:t>
+            </a:r>
+            <a:r>
+              <a:rPr lang="en-US" dirty="0"/>
+              <a:t> </a:t>
+            </a:r>
+            <a:r>
+              <a:rPr lang="en-US" dirty="0" err="1"/>
+              <a:t>fikra</a:t>
+            </a:r>
+            <a:r>
+              <a:rPr lang="en-US" dirty="0"/>
+              <a:t> </a:t>
+            </a:r>
+            <a:r>
+              <a:rPr lang="en-US" dirty="0" err="1"/>
+              <a:t>ile</a:t>
+            </a:r>
+            <a:r>
+              <a:rPr lang="en-US" dirty="0"/>
+              <a:t> </a:t>
+            </a:r>
+            <a:r>
+              <a:rPr lang="en-US" dirty="0" err="1"/>
+              <a:t>verelim</a:t>
+            </a:r>
+            <a:r>
+              <a:rPr lang="en-US" dirty="0"/>
+              <a:t>. </a:t>
+            </a:r>
+            <a:r>
+              <a:rPr lang="en-US" dirty="0" err="1"/>
+              <a:t>İşte</a:t>
+            </a:r>
+            <a:r>
+              <a:rPr lang="en-US" dirty="0"/>
+              <a:t> </a:t>
+            </a:r>
+            <a:r>
+              <a:rPr lang="en-US" dirty="0" err="1"/>
+              <a:t>fikramız</a:t>
+            </a:r>
+            <a:r>
+              <a:rPr lang="en-US" dirty="0"/>
+              <a:t>:</a:t>
+            </a:r>
+          </a:p>
+          <a:p>
+            <a:endParaRPr lang="tr-TR" dirty="0"/>
+          </a:p>
+          <a:p>
+            <a:r>
+              <a:rPr lang="en-US" sz="1400" i="1" dirty="0"/>
+              <a:t>Bir </a:t>
+            </a:r>
+            <a:r>
+              <a:rPr lang="en-US" sz="1400" i="1" dirty="0" err="1"/>
+              <a:t>gün</a:t>
+            </a:r>
+            <a:r>
+              <a:rPr lang="en-US" sz="1400" i="1" dirty="0"/>
+              <a:t> </a:t>
+            </a:r>
+            <a:r>
+              <a:rPr lang="en-US" sz="1400" i="1" dirty="0" err="1"/>
+              <a:t>eşinin</a:t>
+            </a:r>
+            <a:r>
+              <a:rPr lang="en-US" sz="1400" i="1" dirty="0"/>
+              <a:t> </a:t>
+            </a:r>
+            <a:r>
+              <a:rPr lang="en-US" sz="1400" i="1" dirty="0" err="1"/>
+              <a:t>suratını</a:t>
+            </a:r>
+            <a:r>
+              <a:rPr lang="en-US" sz="1400" i="1" dirty="0"/>
+              <a:t> </a:t>
+            </a:r>
+            <a:r>
+              <a:rPr lang="en-US" sz="1400" i="1" dirty="0" err="1"/>
+              <a:t>asık</a:t>
+            </a:r>
+            <a:r>
+              <a:rPr lang="en-US" sz="1400" i="1" dirty="0"/>
+              <a:t> </a:t>
+            </a:r>
+            <a:r>
+              <a:rPr lang="en-US" sz="1400" i="1" dirty="0" err="1"/>
+              <a:t>gören</a:t>
+            </a:r>
+            <a:r>
+              <a:rPr lang="en-US" sz="1400" i="1" dirty="0"/>
+              <a:t> </a:t>
+            </a:r>
+            <a:r>
+              <a:rPr lang="en-US" sz="1400" i="1" dirty="0" err="1"/>
+              <a:t>kocast</a:t>
+            </a:r>
+            <a:r>
+              <a:rPr lang="en-US" sz="1400" i="1" dirty="0"/>
+              <a:t>: "Ne </a:t>
+            </a:r>
+            <a:r>
+              <a:rPr lang="en-US" sz="1400" i="1" dirty="0" err="1"/>
+              <a:t>oldu</a:t>
+            </a:r>
+            <a:r>
+              <a:rPr lang="en-US" sz="1400" i="1" dirty="0"/>
+              <a:t> </a:t>
+            </a:r>
+            <a:r>
+              <a:rPr lang="en-US" sz="1400" i="1" dirty="0" err="1"/>
+              <a:t>kariciğim</a:t>
+            </a:r>
+            <a:r>
+              <a:rPr lang="en-US" sz="1400" i="1" dirty="0"/>
+              <a:t>, </a:t>
+            </a:r>
+            <a:r>
+              <a:rPr lang="en-US" sz="1400" i="1" dirty="0" err="1"/>
+              <a:t>bugün</a:t>
+            </a:r>
+            <a:r>
+              <a:rPr lang="en-US" sz="1400" i="1" dirty="0"/>
+              <a:t> </a:t>
+            </a:r>
+            <a:r>
+              <a:rPr lang="en-US" sz="1400" i="1" dirty="0" err="1"/>
+              <a:t>suratın</a:t>
+            </a:r>
+            <a:r>
+              <a:rPr lang="en-US" sz="1400" i="1" dirty="0"/>
+              <a:t> </a:t>
+            </a:r>
+            <a:r>
+              <a:rPr lang="en-US" sz="1400" i="1" dirty="0" err="1"/>
+              <a:t>çok</a:t>
+            </a:r>
+            <a:r>
+              <a:rPr lang="en-US" sz="1400" i="1" dirty="0"/>
+              <a:t> </a:t>
+            </a:r>
+            <a:r>
+              <a:rPr lang="en-US" sz="1400" i="1" dirty="0" err="1"/>
+              <a:t>ank</a:t>
+            </a:r>
+            <a:r>
+              <a:rPr lang="en-US" sz="1400" i="1" dirty="0"/>
+              <a:t>" </a:t>
+            </a:r>
+            <a:r>
+              <a:rPr lang="en-US" sz="1400" i="1" dirty="0" err="1"/>
+              <a:t>deyiverince</a:t>
+            </a:r>
+            <a:r>
+              <a:rPr lang="en-US" sz="1400" i="1" dirty="0"/>
+              <a:t>, </a:t>
+            </a:r>
+            <a:r>
+              <a:rPr lang="en-US" sz="1400" i="1" dirty="0" err="1"/>
+              <a:t>eşinden</a:t>
+            </a:r>
+            <a:r>
+              <a:rPr lang="en-US" sz="1400" i="1" dirty="0"/>
+              <a:t>;</a:t>
+            </a:r>
+          </a:p>
+          <a:p>
+            <a:r>
+              <a:rPr lang="en-US" sz="1400" i="1" dirty="0"/>
+              <a:t>"Bey, bey </a:t>
+            </a:r>
+            <a:r>
+              <a:rPr lang="en-US" sz="1400" i="1" dirty="0" err="1"/>
+              <a:t>sen</a:t>
+            </a:r>
+            <a:r>
+              <a:rPr lang="en-US" sz="1400" i="1" dirty="0"/>
+              <a:t> </a:t>
+            </a:r>
+            <a:r>
+              <a:rPr lang="en-US" sz="1400" i="1" dirty="0" err="1"/>
+              <a:t>beni</a:t>
+            </a:r>
+            <a:r>
+              <a:rPr lang="en-US" sz="1400" i="1" dirty="0"/>
+              <a:t> </a:t>
+            </a:r>
+            <a:r>
+              <a:rPr lang="en-US" sz="1400" i="1" dirty="0" err="1"/>
+              <a:t>hiç</a:t>
+            </a:r>
+            <a:r>
+              <a:rPr lang="en-US" sz="1400" i="1" dirty="0"/>
+              <a:t> </a:t>
+            </a:r>
+            <a:r>
+              <a:rPr lang="en-US" sz="1400" i="1" dirty="0" err="1"/>
+              <a:t>sevmiyorsun</a:t>
+            </a:r>
+            <a:r>
+              <a:rPr lang="en-US" sz="1400" i="1" dirty="0"/>
+              <a:t>" </a:t>
+            </a:r>
+            <a:r>
+              <a:rPr lang="en-US" sz="1400" i="1" dirty="0" err="1"/>
+              <a:t>cevabını</a:t>
+            </a:r>
+            <a:r>
+              <a:rPr lang="en-US" sz="1400" i="1" dirty="0"/>
+              <a:t> </a:t>
+            </a:r>
+            <a:r>
+              <a:rPr lang="en-US" sz="1400" i="1" dirty="0" err="1"/>
+              <a:t>almış</a:t>
+            </a:r>
+            <a:r>
+              <a:rPr lang="en-US" sz="1400" i="1" dirty="0"/>
+              <a:t>.</a:t>
+            </a:r>
+          </a:p>
+          <a:p>
+            <a:r>
+              <a:rPr lang="en-US" sz="1400" i="1" dirty="0"/>
+              <a:t>"</a:t>
+            </a:r>
+            <a:r>
+              <a:rPr lang="en-US" sz="1400" i="1" dirty="0" err="1"/>
+              <a:t>Hayrola</a:t>
+            </a:r>
+            <a:r>
+              <a:rPr lang="en-US" sz="1400" i="1" dirty="0"/>
+              <a:t>, </a:t>
+            </a:r>
+            <a:r>
+              <a:rPr lang="en-US" sz="1400" i="1" dirty="0" err="1"/>
+              <a:t>bunu</a:t>
+            </a:r>
+            <a:r>
+              <a:rPr lang="en-US" sz="1400" i="1" dirty="0"/>
+              <a:t> da </a:t>
+            </a:r>
+            <a:r>
+              <a:rPr lang="en-US" sz="1400" i="1" dirty="0" err="1"/>
+              <a:t>nereden</a:t>
+            </a:r>
+            <a:r>
+              <a:rPr lang="en-US" sz="1400" i="1" dirty="0"/>
+              <a:t> </a:t>
+            </a:r>
+            <a:r>
+              <a:rPr lang="en-US" sz="1400" i="1" dirty="0" err="1"/>
+              <a:t>çıkarttın</a:t>
+            </a:r>
+            <a:r>
+              <a:rPr lang="en-US" sz="1400" i="1" dirty="0"/>
+              <a:t>, </a:t>
+            </a:r>
+            <a:r>
+              <a:rPr lang="en-US" sz="1400" i="1" dirty="0" err="1"/>
+              <a:t>şimdi</a:t>
+            </a:r>
+            <a:r>
+              <a:rPr lang="en-US" sz="1400" i="1" dirty="0"/>
+              <a:t>.</a:t>
+            </a:r>
+          </a:p>
+          <a:p>
+            <a:r>
+              <a:rPr lang="en-US" sz="1400" i="1" dirty="0" err="1"/>
+              <a:t>Nerden</a:t>
+            </a:r>
+            <a:r>
+              <a:rPr lang="en-US" sz="1400" i="1" dirty="0"/>
+              <a:t> </a:t>
+            </a:r>
+            <a:r>
+              <a:rPr lang="en-US" sz="1400" i="1" dirty="0" err="1"/>
+              <a:t>olacak</a:t>
+            </a:r>
+            <a:r>
+              <a:rPr lang="en-US" sz="1400" i="1" dirty="0"/>
+              <a:t>, </a:t>
+            </a:r>
+            <a:r>
+              <a:rPr lang="en-US" sz="1400" i="1" dirty="0" err="1"/>
+              <a:t>gün</a:t>
+            </a:r>
+            <a:r>
+              <a:rPr lang="en-US" sz="1400" i="1" dirty="0"/>
+              <a:t> </a:t>
+            </a:r>
+            <a:r>
+              <a:rPr lang="en-US" sz="1400" i="1" dirty="0" err="1"/>
+              <a:t>boyunca</a:t>
+            </a:r>
+            <a:r>
+              <a:rPr lang="en-US" sz="1400" i="1" dirty="0"/>
+              <a:t> </a:t>
+            </a:r>
+            <a:r>
+              <a:rPr lang="en-US" sz="1400" i="1" dirty="0" err="1"/>
+              <a:t>papatya</a:t>
+            </a:r>
+            <a:r>
+              <a:rPr lang="en-US" sz="1400" i="1" dirty="0"/>
+              <a:t> </a:t>
+            </a:r>
+            <a:r>
+              <a:rPr lang="en-US" sz="1400" i="1" dirty="0" err="1"/>
+              <a:t>falı</a:t>
+            </a:r>
+            <a:r>
+              <a:rPr lang="en-US" sz="1400" i="1" dirty="0"/>
+              <a:t> </a:t>
+            </a:r>
+            <a:r>
+              <a:rPr lang="en-US" sz="1400" i="1" dirty="0" err="1"/>
+              <a:t>açtım</a:t>
+            </a:r>
+            <a:r>
+              <a:rPr lang="en-US" sz="1400" i="1" dirty="0"/>
+              <a:t> </a:t>
+            </a:r>
+            <a:r>
+              <a:rPr lang="en-US" sz="1400" i="1" dirty="0" err="1"/>
+              <a:t>senin</a:t>
+            </a:r>
+            <a:r>
+              <a:rPr lang="en-US" sz="1400" i="1" dirty="0"/>
+              <a:t> </a:t>
+            </a:r>
+            <a:r>
+              <a:rPr lang="en-US" sz="1400" i="1" dirty="0" err="1"/>
+              <a:t>için</a:t>
+            </a:r>
+            <a:r>
+              <a:rPr lang="en-US" sz="1400" i="1" dirty="0"/>
+              <a:t> "</a:t>
+            </a:r>
+            <a:r>
+              <a:rPr lang="en-US" sz="1400" i="1" dirty="0" err="1"/>
+              <a:t>Sevmiyor</a:t>
+            </a:r>
+            <a:r>
+              <a:rPr lang="en-US" sz="1400" i="1" dirty="0"/>
+              <a:t>, </a:t>
+            </a:r>
+            <a:r>
+              <a:rPr lang="en-US" sz="1400" i="1" dirty="0" err="1"/>
+              <a:t>Seviyor</a:t>
+            </a:r>
+            <a:r>
+              <a:rPr lang="en-US" sz="1400" i="1" dirty="0"/>
+              <a:t>, </a:t>
+            </a:r>
+            <a:r>
+              <a:rPr lang="en-US" sz="1400" i="1" dirty="0" err="1"/>
+              <a:t>Sevmiyor</a:t>
+            </a:r>
+            <a:r>
+              <a:rPr lang="en-US" sz="1400" i="1" dirty="0"/>
+              <a:t>, </a:t>
+            </a:r>
+            <a:r>
+              <a:rPr lang="en-US" sz="1400" i="1" dirty="0" err="1"/>
+              <a:t>Seviyor</a:t>
+            </a:r>
+            <a:r>
+              <a:rPr lang="en-US" sz="1400" i="1" dirty="0"/>
+              <a:t>..." </a:t>
+            </a:r>
+            <a:r>
+              <a:rPr lang="en-US" sz="1400" i="1" dirty="0" err="1"/>
+              <a:t>diye</a:t>
+            </a:r>
+            <a:r>
+              <a:rPr lang="en-US" sz="1400" i="1" dirty="0"/>
+              <a:t> </a:t>
+            </a:r>
+            <a:r>
+              <a:rPr lang="en-US" sz="1400" i="1" dirty="0" err="1"/>
+              <a:t>ve</a:t>
+            </a:r>
+            <a:r>
+              <a:rPr lang="en-US" sz="1400" i="1" dirty="0"/>
+              <a:t> hep "</a:t>
+            </a:r>
+            <a:r>
+              <a:rPr lang="en-US" sz="1400" i="1" dirty="0" err="1"/>
+              <a:t>Sevmiyor</a:t>
+            </a:r>
+            <a:r>
+              <a:rPr lang="en-US" sz="1400" i="1" dirty="0"/>
+              <a:t>" </a:t>
+            </a:r>
+            <a:r>
+              <a:rPr lang="en-US" sz="1400" i="1" dirty="0" err="1"/>
+              <a:t>çıktı</a:t>
+            </a:r>
+            <a:r>
+              <a:rPr lang="en-US" sz="1400" i="1" dirty="0"/>
+              <a:t>. </a:t>
+            </a:r>
+            <a:r>
+              <a:rPr lang="en-US" sz="1400" i="1" dirty="0" err="1"/>
+              <a:t>Kocası</a:t>
+            </a:r>
+            <a:r>
+              <a:rPr lang="en-US" sz="1400" i="1" dirty="0"/>
+              <a:t> </a:t>
+            </a:r>
+            <a:r>
+              <a:rPr lang="en-US" sz="1400" i="1" dirty="0" err="1"/>
+              <a:t>bunun</a:t>
+            </a:r>
+            <a:r>
+              <a:rPr lang="en-US" sz="1400" i="1" dirty="0"/>
+              <a:t> </a:t>
+            </a:r>
+            <a:r>
+              <a:rPr lang="en-US" sz="1400" i="1" dirty="0" err="1"/>
+              <a:t>üzerine</a:t>
+            </a:r>
+            <a:r>
+              <a:rPr lang="en-US" sz="1400" i="1" dirty="0"/>
+              <a:t> ne dese ty!</a:t>
+            </a:r>
+          </a:p>
+          <a:p>
+            <a:r>
+              <a:rPr lang="en-US" sz="1400" i="1" dirty="0"/>
+              <a:t>"</a:t>
+            </a:r>
+            <a:r>
+              <a:rPr lang="en-US" sz="1400" i="1" dirty="0" err="1"/>
+              <a:t>Hanım</a:t>
+            </a:r>
+            <a:r>
+              <a:rPr lang="en-US" sz="1400" i="1" dirty="0"/>
+              <a:t>, </a:t>
+            </a:r>
+            <a:r>
+              <a:rPr lang="en-US" sz="1400" i="1" dirty="0" err="1"/>
+              <a:t>hanım</a:t>
+            </a:r>
+            <a:r>
+              <a:rPr lang="en-US" sz="1400" i="1" dirty="0"/>
+              <a:t> </a:t>
+            </a:r>
+            <a:r>
+              <a:rPr lang="en-US" sz="1400" i="1" dirty="0" err="1"/>
+              <a:t>üzüldüğün</a:t>
+            </a:r>
+            <a:r>
+              <a:rPr lang="en-US" sz="1400" i="1" dirty="0"/>
+              <a:t> </a:t>
+            </a:r>
+            <a:r>
+              <a:rPr lang="en-US" sz="1400" i="1" dirty="0" err="1"/>
+              <a:t>şeye</a:t>
+            </a:r>
+            <a:r>
+              <a:rPr lang="en-US" sz="1400" i="1" dirty="0"/>
+              <a:t> </a:t>
+            </a:r>
+            <a:r>
+              <a:rPr lang="en-US" sz="1400" i="1" dirty="0" err="1"/>
+              <a:t>bak</a:t>
+            </a:r>
+            <a:r>
+              <a:rPr lang="en-US" sz="1400" i="1" dirty="0"/>
+              <a:t>", </a:t>
+            </a:r>
+            <a:r>
+              <a:rPr lang="en-US" sz="1400" i="1" dirty="0" err="1"/>
+              <a:t>sen</a:t>
+            </a:r>
+            <a:r>
+              <a:rPr lang="en-US" sz="1400" i="1" dirty="0"/>
+              <a:t> de </a:t>
+            </a:r>
+            <a:r>
+              <a:rPr lang="en-US" sz="1400" i="1" dirty="0" err="1"/>
+              <a:t>papatya</a:t>
+            </a:r>
+            <a:r>
+              <a:rPr lang="en-US" sz="1400" i="1" dirty="0"/>
+              <a:t> </a:t>
+            </a:r>
+            <a:r>
+              <a:rPr lang="en-US" sz="1400" i="1" dirty="0" err="1"/>
+              <a:t>falina</a:t>
+            </a:r>
+            <a:r>
+              <a:rPr lang="en-US" sz="1400" i="1" dirty="0"/>
+              <a:t> "</a:t>
+            </a:r>
+            <a:r>
+              <a:rPr lang="en-US" sz="1400" i="1" dirty="0" err="1"/>
+              <a:t>Seviyor</a:t>
+            </a:r>
+            <a:r>
+              <a:rPr lang="en-US" sz="1400" i="1" dirty="0"/>
+              <a:t>, </a:t>
+            </a:r>
+            <a:r>
+              <a:rPr lang="en-US" sz="1400" i="1" dirty="0" err="1"/>
+              <a:t>Sevmiyor</a:t>
+            </a:r>
+            <a:r>
+              <a:rPr lang="en-US" sz="1400" i="1" dirty="0"/>
+              <a:t>, </a:t>
+            </a:r>
+            <a:r>
+              <a:rPr lang="en-US" sz="1400" i="1" dirty="0" err="1"/>
+              <a:t>Seviyor</a:t>
+            </a:r>
+            <a:r>
+              <a:rPr lang="en-US" sz="1400" i="1" dirty="0"/>
+              <a:t>, </a:t>
+            </a:r>
+            <a:r>
+              <a:rPr lang="en-US" sz="1400" i="1" dirty="0" err="1"/>
+              <a:t>Sevmiyor</a:t>
+            </a:r>
+            <a:r>
+              <a:rPr lang="en-US" sz="1400" i="1" dirty="0"/>
+              <a:t>..." </a:t>
+            </a:r>
+            <a:r>
+              <a:rPr lang="en-US" sz="1400" i="1" dirty="0" err="1"/>
+              <a:t>diye</a:t>
+            </a:r>
+            <a:r>
+              <a:rPr lang="en-US" sz="1400" i="1" dirty="0"/>
+              <a:t> </a:t>
+            </a:r>
+            <a:r>
+              <a:rPr lang="en-US" sz="1400" i="1" dirty="0" err="1"/>
+              <a:t>başla</a:t>
+            </a:r>
+            <a:r>
+              <a:rPr lang="en-US" sz="1400" i="1" dirty="0"/>
+              <a:t> "</a:t>
+            </a:r>
+            <a:r>
+              <a:rPr lang="en-US" sz="1400" i="1" dirty="0" err="1"/>
+              <a:t>Bak</a:t>
+            </a:r>
+            <a:r>
+              <a:rPr lang="en-US" sz="1400" i="1" dirty="0"/>
+              <a:t>, o zaman </a:t>
+            </a:r>
+            <a:r>
+              <a:rPr lang="en-US" sz="1400" i="1" dirty="0" err="1"/>
+              <a:t>seni</a:t>
+            </a:r>
+            <a:r>
+              <a:rPr lang="en-US" sz="1400" i="1" dirty="0"/>
+              <a:t> </a:t>
+            </a:r>
+            <a:r>
+              <a:rPr lang="en-US" sz="1400" i="1" dirty="0" err="1"/>
+              <a:t>nasıl</a:t>
+            </a:r>
+            <a:r>
+              <a:rPr lang="en-US" sz="1400" i="1" dirty="0"/>
+              <a:t> </a:t>
+            </a:r>
+            <a:r>
+              <a:rPr lang="en-US" sz="1400" i="1" dirty="0" err="1"/>
+              <a:t>seviyorum</a:t>
+            </a:r>
+            <a:r>
+              <a:rPr lang="en-US" sz="1400" i="1" dirty="0"/>
+              <a:t>" </a:t>
+            </a:r>
+            <a:r>
+              <a:rPr lang="en-US" sz="1400" i="1" dirty="0" err="1"/>
+              <a:t>demiş</a:t>
+            </a:r>
+            <a:r>
+              <a:rPr lang="en-US" sz="1400" i="1" dirty="0"/>
+              <a:t>.</a:t>
+            </a:r>
+          </a:p>
+        </p:txBody>
+      </p:sp>
+    </p:spTree>
+    <p:extLst>
+      <p:ext uri="{BB962C8B-B14F-4D97-AF65-F5344CB8AC3E}">
+        <p14:creationId xmlns:p14="http://schemas.microsoft.com/office/powerpoint/2010/main" val="2206774330"/>
+      </p:ext>
+    </p:extLst>
+  </p:cSld>
+  <p:clrMapOvr>
+    <a:masterClrMapping/>
+  </p:clrMapOvr>
+</p:sld>
+</file>
+
+<file path=ppt/slides/slide74.xml><?xml version="1.0" encoding="utf-8"?>
+<p:sld xmlns:a="http://schemas.openxmlformats.org/drawingml/2006/main" xmlns:r="http://schemas.openxmlformats.org/officeDocument/2006/relationships" xmlns:p="http://schemas.openxmlformats.org/presentationml/2006/main">
+  <p:cSld>
+    <p:spTree>
+      <p:nvGrpSpPr>
+        <p:cNvPr id="1" name=""/>
+        <p:cNvGrpSpPr/>
+        <p:nvPr/>
+      </p:nvGrpSpPr>
+      <p:grpSpPr>
+        <a:xfrm>
+          <a:off x="0" y="0"/>
+          <a:ext cx="0" cy="0"/>
+          <a:chOff x="0" y="0"/>
+          <a:chExt cx="0" cy="0"/>
+        </a:xfrm>
+      </p:grpSpPr>
+      <p:sp>
+        <p:nvSpPr>
+          <p:cNvPr id="7" name="Yuvarlatılmış Dikdörtgen 6"/>
+          <p:cNvSpPr/>
+          <p:nvPr>
+            <p:custDataLst>
+              <p:tags r:id="rId1"/>
+            </p:custDataLst>
+          </p:nvPr>
+        </p:nvSpPr>
+        <p:spPr>
+          <a:xfrm>
+            <a:off x="2031368" y="234003"/>
+            <a:ext cx="8208912" cy="6291342"/>
+          </a:xfrm>
+          <a:prstGeom prst="roundRect">
+            <a:avLst>
+              <a:gd name="adj" fmla="val 5123"/>
+            </a:avLst>
+          </a:prstGeom>
+          <a:effectLst>
+            <a:outerShdw blurRad="292100" dist="114300" dir="3840000" algn="ctr" rotWithShape="0">
+              <a:srgbClr val="000000">
+                <a:alpha val="81000"/>
+              </a:srgbClr>
+            </a:outerShdw>
+          </a:effectLst>
+        </p:spPr>
+        <p:style>
+          <a:lnRef idx="2">
+            <a:schemeClr val="accent1"/>
+          </a:lnRef>
+          <a:fillRef idx="1">
+            <a:schemeClr val="lt1"/>
+          </a:fillRef>
+          <a:effectRef idx="0">
+            <a:schemeClr val="accent1"/>
+          </a:effectRef>
+          <a:fontRef idx="minor">
+            <a:schemeClr val="dk1"/>
+          </a:fontRef>
+        </p:style>
+        <p:txBody>
+          <a:bodyPr rtlCol="0" anchor="ctr" anchorCtr="0"/>
+          <a:lstStyle/>
+          <a:p>
+            <a:endParaRPr lang="tr-TR" sz="2000" dirty="0">
+              <a:latin typeface="Arial" pitchFamily="34" charset="0"/>
+              <a:cs typeface="Arial" pitchFamily="34" charset="0"/>
+            </a:endParaRPr>
+          </a:p>
+        </p:txBody>
+      </p:sp>
+      <p:sp>
+        <p:nvSpPr>
+          <p:cNvPr id="2" name="Altbilgi Yer Tutucusu 1"/>
+          <p:cNvSpPr>
+            <a:spLocks noGrp="1"/>
+          </p:cNvSpPr>
+          <p:nvPr>
+            <p:ph type="ftr" sz="quarter" idx="11"/>
+            <p:custDataLst>
+              <p:tags r:id="rId2"/>
+            </p:custDataLst>
+          </p:nvPr>
+        </p:nvSpPr>
+        <p:spPr>
+          <a:xfrm>
+            <a:off x="3431704" y="6525345"/>
+            <a:ext cx="5408240" cy="365125"/>
+          </a:xfrm>
+        </p:spPr>
+        <p:txBody>
+          <a:bodyPr/>
+          <a:lstStyle/>
+          <a:p>
+            <a:r>
+              <a:rPr lang="tr-TR" sz="1050" dirty="0">
+                <a:solidFill>
+                  <a:schemeClr val="tx2">
+                    <a:lumMod val="75000"/>
+                  </a:schemeClr>
+                </a:solidFill>
+              </a:rPr>
+              <a:t>© Marmara Üniversitesi Uzaktan Eğitim Uygulama ve Araştırma Merkezi</a:t>
+            </a:r>
+          </a:p>
+        </p:txBody>
+      </p:sp>
+      <p:sp>
+        <p:nvSpPr>
+          <p:cNvPr id="3" name="Slayt Numarası Yer Tutucusu 2"/>
+          <p:cNvSpPr>
+            <a:spLocks noGrp="1"/>
+          </p:cNvSpPr>
+          <p:nvPr>
+            <p:ph type="sldNum" sz="quarter" idx="12"/>
+            <p:custDataLst>
+              <p:tags r:id="rId3"/>
+            </p:custDataLst>
+          </p:nvPr>
+        </p:nvSpPr>
+        <p:spPr>
+          <a:xfrm>
+            <a:off x="8472264" y="6520260"/>
+            <a:ext cx="2133600" cy="365125"/>
+          </a:xfrm>
+        </p:spPr>
+        <p:txBody>
+          <a:bodyPr/>
+          <a:lstStyle/>
+          <a:p>
+            <a:fld id="{219A703F-5BE9-489E-8C60-8A91ACC9E5BC}" type="slidenum">
+              <a:rPr lang="tr-TR" smtClean="0">
+                <a:solidFill>
+                  <a:schemeClr val="tx2">
+                    <a:lumMod val="75000"/>
+                  </a:schemeClr>
+                </a:solidFill>
+              </a:rPr>
+              <a:t>74</a:t>
+            </a:fld>
+            <a:endParaRPr lang="tr-TR" dirty="0">
+              <a:solidFill>
+                <a:schemeClr val="tx2">
+                  <a:lumMod val="75000"/>
+                </a:schemeClr>
+              </a:solidFill>
+            </a:endParaRPr>
+          </a:p>
+        </p:txBody>
+      </p:sp>
+      <p:sp>
+        <p:nvSpPr>
+          <p:cNvPr id="6" name="TextBox 5">
+            <a:extLst>
+              <a:ext uri="{FF2B5EF4-FFF2-40B4-BE49-F238E27FC236}">
+                <a16:creationId xmlns:a16="http://schemas.microsoft.com/office/drawing/2014/main" id="{820975E1-E675-4131-9446-88469D14CC6A}"/>
+              </a:ext>
+            </a:extLst>
+          </p:cNvPr>
+          <p:cNvSpPr txBox="1"/>
+          <p:nvPr/>
+        </p:nvSpPr>
+        <p:spPr>
+          <a:xfrm>
+            <a:off x="2331720" y="466344"/>
+            <a:ext cx="7488936" cy="369332"/>
+          </a:xfrm>
+          <a:prstGeom prst="rect">
+            <a:avLst/>
+          </a:prstGeom>
+          <a:noFill/>
+        </p:spPr>
+        <p:txBody>
+          <a:bodyPr wrap="square" rtlCol="0">
+            <a:spAutoFit/>
+          </a:bodyPr>
+          <a:lstStyle/>
+          <a:p>
+            <a:r>
+              <a:rPr lang="tr-TR" b="1" dirty="0"/>
+              <a:t>Örnek Soru 16.1 Papatya Falı Oyunu Yapımı</a:t>
+            </a:r>
+            <a:r>
+              <a:rPr lang="en-US" b="1" dirty="0"/>
+              <a:t> </a:t>
+            </a:r>
+            <a:r>
+              <a:rPr lang="tr-TR" b="1" dirty="0"/>
+              <a:t>Çözümü:</a:t>
+            </a:r>
+            <a:endParaRPr lang="en-US" sz="1400" i="1" dirty="0"/>
+          </a:p>
+        </p:txBody>
+      </p:sp>
+      <p:pic>
+        <p:nvPicPr>
+          <p:cNvPr id="8" name="Picture 7" descr="A screen shot of a computer&#10;&#10;Description automatically generated with low confidence">
+            <a:extLst>
+              <a:ext uri="{FF2B5EF4-FFF2-40B4-BE49-F238E27FC236}">
+                <a16:creationId xmlns:a16="http://schemas.microsoft.com/office/drawing/2014/main" id="{48ADF219-DC54-2D08-C94D-0E9829113322}"/>
+              </a:ext>
+            </a:extLst>
+          </p:cNvPr>
+          <p:cNvPicPr>
+            <a:picLocks noChangeAspect="1"/>
+          </p:cNvPicPr>
+          <p:nvPr/>
+        </p:nvPicPr>
+        <p:blipFill>
+          <a:blip r:embed="rId6">
+            <a:extLst>
+              <a:ext uri="{28A0092B-C50C-407E-A947-70E740481C1C}">
+                <a14:useLocalDpi xmlns:a14="http://schemas.microsoft.com/office/drawing/2010/main" val="0"/>
+              </a:ext>
+            </a:extLst>
+          </a:blip>
+          <a:stretch>
+            <a:fillRect/>
+          </a:stretch>
+        </p:blipFill>
+        <p:spPr>
+          <a:xfrm>
+            <a:off x="2331720" y="1278399"/>
+            <a:ext cx="7634787" cy="3858004"/>
+          </a:xfrm>
+          <a:prstGeom prst="rect">
+            <a:avLst/>
+          </a:prstGeom>
+          <a:effectLst>
+            <a:outerShdw blurRad="63500" sx="102000" sy="102000" algn="ctr" rotWithShape="0">
+              <a:prstClr val="black">
+                <a:alpha val="40000"/>
+              </a:prstClr>
+            </a:outerShdw>
+          </a:effectLst>
+        </p:spPr>
+      </p:pic>
+      <p:sp>
+        <p:nvSpPr>
+          <p:cNvPr id="9" name="TextBox 8">
+            <a:extLst>
+              <a:ext uri="{FF2B5EF4-FFF2-40B4-BE49-F238E27FC236}">
+                <a16:creationId xmlns:a16="http://schemas.microsoft.com/office/drawing/2014/main" id="{EA7496DC-75E9-28E4-FEDC-45DEAD03390F}"/>
+              </a:ext>
+            </a:extLst>
+          </p:cNvPr>
+          <p:cNvSpPr txBox="1"/>
+          <p:nvPr/>
+        </p:nvSpPr>
+        <p:spPr>
+          <a:xfrm>
+            <a:off x="4806696" y="5120430"/>
+            <a:ext cx="2578608" cy="646331"/>
+          </a:xfrm>
+          <a:prstGeom prst="rect">
+            <a:avLst/>
+          </a:prstGeom>
+          <a:noFill/>
+        </p:spPr>
+        <p:txBody>
+          <a:bodyPr wrap="square" rtlCol="0">
+            <a:spAutoFit/>
+          </a:bodyPr>
+          <a:lstStyle/>
+          <a:p>
+            <a:pPr algn="ctr"/>
+            <a:r>
+              <a:rPr lang="tr-TR" dirty="0"/>
+              <a:t>Örnek 16.1 Soru Çözümü</a:t>
+            </a:r>
+          </a:p>
+          <a:p>
+            <a:pPr algn="ctr"/>
+            <a:r>
+              <a:rPr lang="tr-TR" dirty="0"/>
+              <a:t>(ornek_soru_16.1.py)</a:t>
+            </a:r>
+          </a:p>
+        </p:txBody>
+      </p:sp>
+    </p:spTree>
+    <p:extLst>
+      <p:ext uri="{BB962C8B-B14F-4D97-AF65-F5344CB8AC3E}">
+        <p14:creationId xmlns:p14="http://schemas.microsoft.com/office/powerpoint/2010/main" val="945834894"/>
+      </p:ext>
+    </p:extLst>
+  </p:cSld>
+  <p:clrMapOvr>
+    <a:masterClrMapping/>
+  </p:clrMapOvr>
+</p:sld>
+</file>
+
+<file path=ppt/slides/slide75.xml><?xml version="1.0" encoding="utf-8"?>
+<p:sld xmlns:a="http://schemas.openxmlformats.org/drawingml/2006/main" xmlns:r="http://schemas.openxmlformats.org/officeDocument/2006/relationships" xmlns:p="http://schemas.openxmlformats.org/presentationml/2006/main">
+  <p:cSld>
+    <p:spTree>
+      <p:nvGrpSpPr>
+        <p:cNvPr id="1" name=""/>
+        <p:cNvGrpSpPr/>
+        <p:nvPr/>
+      </p:nvGrpSpPr>
+      <p:grpSpPr>
+        <a:xfrm>
+          <a:off x="0" y="0"/>
+          <a:ext cx="0" cy="0"/>
+          <a:chOff x="0" y="0"/>
+          <a:chExt cx="0" cy="0"/>
+        </a:xfrm>
+      </p:grpSpPr>
+      <p:sp>
+        <p:nvSpPr>
+          <p:cNvPr id="7" name="Yuvarlatılmış Dikdörtgen 6"/>
+          <p:cNvSpPr/>
+          <p:nvPr>
+            <p:custDataLst>
+              <p:tags r:id="rId1"/>
+            </p:custDataLst>
+          </p:nvPr>
+        </p:nvSpPr>
+        <p:spPr>
+          <a:xfrm>
+            <a:off x="2031368" y="234003"/>
+            <a:ext cx="8208912" cy="6291342"/>
+          </a:xfrm>
+          <a:prstGeom prst="roundRect">
+            <a:avLst>
+              <a:gd name="adj" fmla="val 5123"/>
+            </a:avLst>
+          </a:prstGeom>
+          <a:effectLst>
+            <a:outerShdw blurRad="292100" dist="114300" dir="3840000" algn="ctr" rotWithShape="0">
+              <a:srgbClr val="000000">
+                <a:alpha val="81000"/>
+              </a:srgbClr>
+            </a:outerShdw>
+          </a:effectLst>
+        </p:spPr>
+        <p:style>
+          <a:lnRef idx="2">
+            <a:schemeClr val="accent1"/>
+          </a:lnRef>
+          <a:fillRef idx="1">
+            <a:schemeClr val="lt1"/>
+          </a:fillRef>
+          <a:effectRef idx="0">
+            <a:schemeClr val="accent1"/>
+          </a:effectRef>
+          <a:fontRef idx="minor">
+            <a:schemeClr val="dk1"/>
+          </a:fontRef>
+        </p:style>
+        <p:txBody>
+          <a:bodyPr rtlCol="0" anchor="ctr" anchorCtr="0"/>
+          <a:lstStyle/>
+          <a:p>
+            <a:endParaRPr lang="tr-TR" sz="2000" dirty="0">
+              <a:latin typeface="Arial" pitchFamily="34" charset="0"/>
+              <a:cs typeface="Arial" pitchFamily="34" charset="0"/>
+            </a:endParaRPr>
+          </a:p>
+        </p:txBody>
+      </p:sp>
+      <p:sp>
+        <p:nvSpPr>
+          <p:cNvPr id="2" name="Altbilgi Yer Tutucusu 1"/>
+          <p:cNvSpPr>
+            <a:spLocks noGrp="1"/>
+          </p:cNvSpPr>
+          <p:nvPr>
+            <p:ph type="ftr" sz="quarter" idx="11"/>
+            <p:custDataLst>
+              <p:tags r:id="rId2"/>
+            </p:custDataLst>
+          </p:nvPr>
+        </p:nvSpPr>
+        <p:spPr>
+          <a:xfrm>
+            <a:off x="3431704" y="6525345"/>
+            <a:ext cx="5408240" cy="365125"/>
+          </a:xfrm>
+        </p:spPr>
+        <p:txBody>
+          <a:bodyPr/>
+          <a:lstStyle/>
+          <a:p>
+            <a:r>
+              <a:rPr lang="tr-TR" sz="1050" dirty="0">
+                <a:solidFill>
+                  <a:schemeClr val="tx2">
+                    <a:lumMod val="75000"/>
+                  </a:schemeClr>
+                </a:solidFill>
+              </a:rPr>
+              <a:t>© Marmara Üniversitesi Uzaktan Eğitim Uygulama ve Araştırma Merkezi</a:t>
+            </a:r>
+          </a:p>
+        </p:txBody>
+      </p:sp>
+      <p:sp>
+        <p:nvSpPr>
+          <p:cNvPr id="3" name="Slayt Numarası Yer Tutucusu 2"/>
+          <p:cNvSpPr>
+            <a:spLocks noGrp="1"/>
+          </p:cNvSpPr>
+          <p:nvPr>
+            <p:ph type="sldNum" sz="quarter" idx="12"/>
+            <p:custDataLst>
+              <p:tags r:id="rId3"/>
+            </p:custDataLst>
+          </p:nvPr>
+        </p:nvSpPr>
+        <p:spPr>
+          <a:xfrm>
+            <a:off x="8472264" y="6520260"/>
+            <a:ext cx="2133600" cy="365125"/>
+          </a:xfrm>
+        </p:spPr>
+        <p:txBody>
+          <a:bodyPr/>
+          <a:lstStyle/>
+          <a:p>
+            <a:fld id="{219A703F-5BE9-489E-8C60-8A91ACC9E5BC}" type="slidenum">
+              <a:rPr lang="tr-TR" smtClean="0">
+                <a:solidFill>
+                  <a:schemeClr val="tx2">
+                    <a:lumMod val="75000"/>
+                  </a:schemeClr>
+                </a:solidFill>
+              </a:rPr>
+              <a:t>75</a:t>
+            </a:fld>
+            <a:endParaRPr lang="tr-TR" dirty="0">
+              <a:solidFill>
+                <a:schemeClr val="tx2">
+                  <a:lumMod val="75000"/>
+                </a:schemeClr>
+              </a:solidFill>
+            </a:endParaRPr>
+          </a:p>
+        </p:txBody>
+      </p:sp>
+      <p:sp>
+        <p:nvSpPr>
+          <p:cNvPr id="6" name="TextBox 5">
+            <a:extLst>
+              <a:ext uri="{FF2B5EF4-FFF2-40B4-BE49-F238E27FC236}">
+                <a16:creationId xmlns:a16="http://schemas.microsoft.com/office/drawing/2014/main" id="{820975E1-E675-4131-9446-88469D14CC6A}"/>
+              </a:ext>
+            </a:extLst>
+          </p:cNvPr>
+          <p:cNvSpPr txBox="1"/>
+          <p:nvPr/>
+        </p:nvSpPr>
+        <p:spPr>
+          <a:xfrm>
+            <a:off x="2331720" y="466344"/>
+            <a:ext cx="7488936" cy="369332"/>
+          </a:xfrm>
+          <a:prstGeom prst="rect">
+            <a:avLst/>
+          </a:prstGeom>
+          <a:noFill/>
+        </p:spPr>
+        <p:txBody>
+          <a:bodyPr wrap="square" rtlCol="0">
+            <a:spAutoFit/>
+          </a:bodyPr>
+          <a:lstStyle/>
+          <a:p>
+            <a:r>
+              <a:rPr lang="tr-TR" b="1" dirty="0"/>
+              <a:t>Örnek Soru 16.1 Papatya Falı Oyunu Yapımı</a:t>
+            </a:r>
+            <a:r>
+              <a:rPr lang="en-US" b="1" dirty="0"/>
+              <a:t> </a:t>
+            </a:r>
+            <a:r>
+              <a:rPr lang="tr-TR" b="1" dirty="0"/>
+              <a:t>Çözümü:</a:t>
+            </a:r>
+            <a:endParaRPr lang="en-US" sz="1400" i="1" dirty="0"/>
+          </a:p>
+        </p:txBody>
+      </p:sp>
+      <p:sp>
+        <p:nvSpPr>
+          <p:cNvPr id="9" name="TextBox 8">
+            <a:extLst>
+              <a:ext uri="{FF2B5EF4-FFF2-40B4-BE49-F238E27FC236}">
+                <a16:creationId xmlns:a16="http://schemas.microsoft.com/office/drawing/2014/main" id="{EA7496DC-75E9-28E4-FEDC-45DEAD03390F}"/>
+              </a:ext>
+            </a:extLst>
+          </p:cNvPr>
+          <p:cNvSpPr txBox="1"/>
+          <p:nvPr/>
+        </p:nvSpPr>
+        <p:spPr>
+          <a:xfrm>
+            <a:off x="4806696" y="5120430"/>
+            <a:ext cx="2578608" cy="646331"/>
+          </a:xfrm>
+          <a:prstGeom prst="rect">
+            <a:avLst/>
+          </a:prstGeom>
+          <a:noFill/>
+        </p:spPr>
+        <p:txBody>
+          <a:bodyPr wrap="square" rtlCol="0">
+            <a:spAutoFit/>
+          </a:bodyPr>
+          <a:lstStyle/>
+          <a:p>
+            <a:pPr algn="ctr"/>
+            <a:r>
+              <a:rPr lang="tr-TR" dirty="0"/>
+              <a:t>Örnek 16.1 Soru Çözümü</a:t>
+            </a:r>
+          </a:p>
+          <a:p>
+            <a:pPr algn="ctr"/>
+            <a:r>
+              <a:rPr lang="tr-TR" dirty="0"/>
+              <a:t>(ornek_soru_16.1.py)</a:t>
+            </a:r>
+          </a:p>
+        </p:txBody>
+      </p:sp>
+      <p:pic>
+        <p:nvPicPr>
+          <p:cNvPr id="5" name="Picture 4" descr="A picture containing text, screenshot&#10;&#10;Description automatically generated">
+            <a:extLst>
+              <a:ext uri="{FF2B5EF4-FFF2-40B4-BE49-F238E27FC236}">
+                <a16:creationId xmlns:a16="http://schemas.microsoft.com/office/drawing/2014/main" id="{D049D43A-F3CF-00E9-AA9C-D9CC02FFC69C}"/>
+              </a:ext>
+            </a:extLst>
+          </p:cNvPr>
+          <p:cNvPicPr>
+            <a:picLocks noChangeAspect="1"/>
+          </p:cNvPicPr>
+          <p:nvPr/>
+        </p:nvPicPr>
+        <p:blipFill>
+          <a:blip r:embed="rId6">
+            <a:extLst>
+              <a:ext uri="{28A0092B-C50C-407E-A947-70E740481C1C}">
+                <a14:useLocalDpi xmlns:a14="http://schemas.microsoft.com/office/drawing/2010/main" val="0"/>
+              </a:ext>
+            </a:extLst>
+          </a:blip>
+          <a:stretch>
+            <a:fillRect/>
+          </a:stretch>
+        </p:blipFill>
+        <p:spPr>
+          <a:xfrm>
+            <a:off x="2273445" y="798722"/>
+            <a:ext cx="7724757" cy="4358662"/>
+          </a:xfrm>
+          <a:prstGeom prst="rect">
+            <a:avLst/>
+          </a:prstGeom>
+        </p:spPr>
+      </p:pic>
+    </p:spTree>
+    <p:extLst>
+      <p:ext uri="{BB962C8B-B14F-4D97-AF65-F5344CB8AC3E}">
+        <p14:creationId xmlns:p14="http://schemas.microsoft.com/office/powerpoint/2010/main" val="1634860324"/>
+      </p:ext>
+    </p:extLst>
+  </p:cSld>
+  <p:clrMapOvr>
+    <a:masterClrMapping/>
+  </p:clrMapOvr>
+</p:sld>
+</file>
+
+<file path=ppt/slides/slide76.xml><?xml version="1.0" encoding="utf-8"?>
+<p:sld xmlns:a="http://schemas.openxmlformats.org/drawingml/2006/main" xmlns:r="http://schemas.openxmlformats.org/officeDocument/2006/relationships" xmlns:p="http://schemas.openxmlformats.org/presentationml/2006/main">
+  <p:cSld>
+    <p:spTree>
+      <p:nvGrpSpPr>
+        <p:cNvPr id="1" name=""/>
+        <p:cNvGrpSpPr/>
+        <p:nvPr/>
+      </p:nvGrpSpPr>
+      <p:grpSpPr>
+        <a:xfrm>
+          <a:off x="0" y="0"/>
+          <a:ext cx="0" cy="0"/>
+          <a:chOff x="0" y="0"/>
+          <a:chExt cx="0" cy="0"/>
+        </a:xfrm>
+      </p:grpSpPr>
+      <p:sp>
+        <p:nvSpPr>
+          <p:cNvPr id="5" name="Yuvarlatılmış Dikdörtgen 4"/>
+          <p:cNvSpPr/>
+          <p:nvPr>
+            <p:custDataLst>
+              <p:tags r:id="rId1"/>
+            </p:custDataLst>
+          </p:nvPr>
+        </p:nvSpPr>
+        <p:spPr>
+          <a:xfrm>
+            <a:off x="1991544" y="332656"/>
+            <a:ext cx="8208912" cy="1008112"/>
+          </a:xfrm>
+          <a:prstGeom prst="roundRect">
+            <a:avLst/>
+          </a:prstGeom>
+          <a:effectLst>
+            <a:outerShdw blurRad="546100" dist="114300" dir="3600000" sx="98000" sy="98000" algn="ctr" rotWithShape="0">
+              <a:srgbClr val="000000">
+                <a:alpha val="99000"/>
+              </a:srgbClr>
+            </a:outerShdw>
+          </a:effectLst>
+        </p:spPr>
+        <p:style>
+          <a:lnRef idx="2">
+            <a:schemeClr val="accent1"/>
+          </a:lnRef>
+          <a:fillRef idx="1">
+            <a:schemeClr val="lt1"/>
+          </a:fillRef>
+          <a:effectRef idx="0">
+            <a:schemeClr val="accent1"/>
+          </a:effectRef>
+          <a:fontRef idx="minor">
+            <a:schemeClr val="dk1"/>
+          </a:fontRef>
+        </p:style>
+        <p:txBody>
+          <a:bodyPr rtlCol="0" anchor="ctr" anchorCtr="0"/>
+          <a:lstStyle/>
+          <a:p>
+            <a:pPr algn="ctr"/>
+            <a:r>
+              <a:rPr lang="tr-TR" sz="2000" b="1" dirty="0">
+                <a:solidFill>
+                  <a:srgbClr val="FF0000"/>
+                </a:solidFill>
+              </a:rPr>
+              <a:t>BÖLÜM DEĞERLENDİRME SORULARI</a:t>
+            </a:r>
+          </a:p>
+        </p:txBody>
+      </p:sp>
+      <p:sp>
+        <p:nvSpPr>
+          <p:cNvPr id="7" name="Yuvarlatılmış Dikdörtgen 6"/>
+          <p:cNvSpPr/>
+          <p:nvPr>
+            <p:custDataLst>
+              <p:tags r:id="rId2"/>
+            </p:custDataLst>
+          </p:nvPr>
+        </p:nvSpPr>
+        <p:spPr>
+          <a:xfrm>
+            <a:off x="2031368" y="1561678"/>
+            <a:ext cx="8208912" cy="5040560"/>
+          </a:xfrm>
+          <a:prstGeom prst="roundRect">
+            <a:avLst>
+              <a:gd name="adj" fmla="val 5123"/>
+            </a:avLst>
+          </a:prstGeom>
+          <a:effectLst>
+            <a:outerShdw blurRad="292100" dist="114300" dir="3840000" algn="ctr" rotWithShape="0">
+              <a:srgbClr val="000000">
+                <a:alpha val="81000"/>
+              </a:srgbClr>
+            </a:outerShdw>
+          </a:effectLst>
+        </p:spPr>
+        <p:style>
+          <a:lnRef idx="2">
+            <a:schemeClr val="accent1"/>
+          </a:lnRef>
+          <a:fillRef idx="1">
+            <a:schemeClr val="lt1"/>
+          </a:fillRef>
+          <a:effectRef idx="0">
+            <a:schemeClr val="accent1"/>
+          </a:effectRef>
+          <a:fontRef idx="minor">
+            <a:schemeClr val="dk1"/>
+          </a:fontRef>
+        </p:style>
+        <p:txBody>
+          <a:bodyPr rtlCol="0" anchor="ctr" anchorCtr="0"/>
+          <a:lstStyle/>
+          <a:p>
+            <a:endParaRPr lang="tr-TR" sz="2000" dirty="0">
+              <a:latin typeface="Arial" pitchFamily="34" charset="0"/>
+              <a:cs typeface="Arial" pitchFamily="34" charset="0"/>
+            </a:endParaRPr>
+          </a:p>
+        </p:txBody>
+      </p:sp>
+      <p:sp>
+        <p:nvSpPr>
+          <p:cNvPr id="2" name="Altbilgi Yer Tutucusu 1"/>
+          <p:cNvSpPr>
+            <a:spLocks noGrp="1"/>
+          </p:cNvSpPr>
+          <p:nvPr>
+            <p:ph type="ftr" sz="quarter" idx="11"/>
+            <p:custDataLst>
+              <p:tags r:id="rId3"/>
+            </p:custDataLst>
+          </p:nvPr>
+        </p:nvSpPr>
+        <p:spPr>
+          <a:xfrm>
+            <a:off x="3431704" y="6525345"/>
+            <a:ext cx="5408240" cy="365125"/>
+          </a:xfrm>
+        </p:spPr>
+        <p:txBody>
+          <a:bodyPr/>
+          <a:lstStyle/>
+          <a:p>
+            <a:r>
+              <a:rPr lang="tr-TR" sz="1050" dirty="0">
+                <a:solidFill>
+                  <a:schemeClr val="tx2">
+                    <a:lumMod val="75000"/>
+                  </a:schemeClr>
+                </a:solidFill>
+              </a:rPr>
+              <a:t>© Marmara Üniversitesi Uzaktan Eğitim Uygulama ve Araştırma Merkezi</a:t>
+            </a:r>
+          </a:p>
+        </p:txBody>
+      </p:sp>
+      <p:sp>
+        <p:nvSpPr>
+          <p:cNvPr id="3" name="Slayt Numarası Yer Tutucusu 2"/>
+          <p:cNvSpPr>
+            <a:spLocks noGrp="1"/>
+          </p:cNvSpPr>
+          <p:nvPr>
+            <p:ph type="sldNum" sz="quarter" idx="12"/>
+            <p:custDataLst>
+              <p:tags r:id="rId4"/>
+            </p:custDataLst>
+          </p:nvPr>
+        </p:nvSpPr>
+        <p:spPr>
+          <a:xfrm>
+            <a:off x="8472264" y="6520260"/>
+            <a:ext cx="2133600" cy="365125"/>
+          </a:xfrm>
+        </p:spPr>
+        <p:txBody>
+          <a:bodyPr/>
+          <a:lstStyle/>
+          <a:p>
+            <a:fld id="{219A703F-5BE9-489E-8C60-8A91ACC9E5BC}" type="slidenum">
+              <a:rPr lang="tr-TR" smtClean="0">
+                <a:solidFill>
+                  <a:schemeClr val="tx2">
+                    <a:lumMod val="75000"/>
+                  </a:schemeClr>
+                </a:solidFill>
+              </a:rPr>
+              <a:t>76</a:t>
+            </a:fld>
+            <a:endParaRPr lang="tr-TR" dirty="0">
+              <a:solidFill>
+                <a:schemeClr val="tx2">
+                  <a:lumMod val="75000"/>
+                </a:schemeClr>
+              </a:solidFill>
+            </a:endParaRPr>
+          </a:p>
+        </p:txBody>
+      </p:sp>
+      <p:sp>
+        <p:nvSpPr>
+          <p:cNvPr id="6" name="TextBox 5">
+            <a:extLst>
+              <a:ext uri="{FF2B5EF4-FFF2-40B4-BE49-F238E27FC236}">
+                <a16:creationId xmlns:a16="http://schemas.microsoft.com/office/drawing/2014/main" id="{51D8133A-BACD-440A-A357-7C1629FF1576}"/>
+              </a:ext>
+            </a:extLst>
+          </p:cNvPr>
+          <p:cNvSpPr txBox="1"/>
+          <p:nvPr/>
+        </p:nvSpPr>
+        <p:spPr>
+          <a:xfrm>
+            <a:off x="2258568" y="1792224"/>
+            <a:ext cx="7662672" cy="3970318"/>
+          </a:xfrm>
+          <a:prstGeom prst="rect">
+            <a:avLst/>
+          </a:prstGeom>
+          <a:noFill/>
+        </p:spPr>
+        <p:txBody>
+          <a:bodyPr wrap="square" rtlCol="0">
+            <a:spAutoFit/>
+          </a:bodyPr>
+          <a:lstStyle/>
+          <a:p>
+            <a:pPr marL="342900" indent="-342900">
+              <a:buFont typeface="+mj-lt"/>
+              <a:buAutoNum type="arabicPeriod"/>
+            </a:pPr>
+            <a:r>
+              <a:rPr lang="tr-TR" dirty="0"/>
+              <a:t>Son giren - İlk çıkar (</a:t>
+            </a:r>
+            <a:r>
+              <a:rPr lang="tr-TR" dirty="0" err="1"/>
+              <a:t>Last</a:t>
+            </a:r>
+            <a:r>
+              <a:rPr lang="tr-TR" dirty="0"/>
+              <a:t> </a:t>
+            </a:r>
+            <a:r>
+              <a:rPr lang="tr-TR" dirty="0" err="1"/>
+              <a:t>In</a:t>
+            </a:r>
+            <a:r>
+              <a:rPr lang="tr-TR" dirty="0"/>
+              <a:t> - First </a:t>
+            </a:r>
+            <a:r>
+              <a:rPr lang="tr-TR" dirty="0" err="1"/>
+              <a:t>Out</a:t>
+            </a:r>
+            <a:r>
+              <a:rPr lang="tr-TR" dirty="0"/>
+              <a:t> (LIFO)) mantığı ile çalışan ve ara elemanlara erişimin doğrudan yapılamadığı özel yapıya ne ad verilir?</a:t>
+            </a:r>
+            <a:endParaRPr lang="en-US" dirty="0"/>
+          </a:p>
+          <a:p>
+            <a:pPr marL="342900" indent="-342900">
+              <a:buFont typeface="+mj-lt"/>
+              <a:buAutoNum type="arabicPeriod"/>
+            </a:pPr>
+            <a:endParaRPr lang="tr-TR" dirty="0"/>
+          </a:p>
+          <a:p>
+            <a:pPr marL="342900" indent="-342900">
+              <a:buFont typeface="+mj-lt"/>
+              <a:buAutoNum type="arabicPeriod"/>
+            </a:pPr>
+            <a:r>
+              <a:rPr lang="tr-TR" dirty="0"/>
+              <a:t>İlk giren - İlk çıkar (First-</a:t>
+            </a:r>
+            <a:r>
+              <a:rPr lang="tr-TR" dirty="0" err="1"/>
+              <a:t>In</a:t>
+            </a:r>
+            <a:r>
+              <a:rPr lang="tr-TR" dirty="0"/>
+              <a:t>-First-</a:t>
+            </a:r>
+            <a:r>
+              <a:rPr lang="tr-TR" dirty="0" err="1"/>
+              <a:t>Out</a:t>
+            </a:r>
+            <a:r>
+              <a:rPr lang="tr-TR" dirty="0"/>
+              <a:t> (FIFO)) mantığı ile çalışan ve ara eleman- </a:t>
+            </a:r>
+            <a:r>
+              <a:rPr lang="tr-TR" dirty="0" err="1"/>
+              <a:t>lara</a:t>
+            </a:r>
+            <a:r>
+              <a:rPr lang="tr-TR" dirty="0"/>
+              <a:t> erişimin doğrudan yapılamadığı özel yapıya ne ad verilir?</a:t>
+            </a:r>
+            <a:endParaRPr lang="en-US" dirty="0"/>
+          </a:p>
+          <a:p>
+            <a:pPr marL="342900" indent="-342900">
+              <a:buFont typeface="+mj-lt"/>
+              <a:buAutoNum type="arabicPeriod"/>
+            </a:pPr>
+            <a:endParaRPr lang="tr-TR" dirty="0"/>
+          </a:p>
+          <a:p>
+            <a:pPr marL="342900" indent="-342900">
+              <a:buFont typeface="+mj-lt"/>
+              <a:buAutoNum type="arabicPeriod"/>
+            </a:pPr>
+            <a:r>
+              <a:rPr lang="tr-TR" dirty="0"/>
+              <a:t>Veri tipini bilmediğimiz bir nesnenin hangi veri yapısına ait olduğunu (&lt;</a:t>
+            </a:r>
+            <a:r>
+              <a:rPr lang="tr-TR" dirty="0" err="1"/>
+              <a:t>clas</a:t>
+            </a:r>
+            <a:r>
+              <a:rPr lang="en-US" dirty="0"/>
+              <a:t>s</a:t>
+            </a:r>
+            <a:r>
+              <a:rPr lang="tr-TR" dirty="0"/>
+              <a:t> '</a:t>
+            </a:r>
+            <a:r>
+              <a:rPr lang="tr-TR" dirty="0" err="1"/>
+              <a:t>list</a:t>
+            </a:r>
+            <a:r>
+              <a:rPr lang="tr-TR" dirty="0"/>
+              <a:t>'</a:t>
+            </a:r>
+            <a:r>
+              <a:rPr lang="en-US" dirty="0"/>
+              <a:t> &gt; </a:t>
+            </a:r>
+            <a:r>
+              <a:rPr lang="tr-TR" dirty="0"/>
+              <a:t>gibi) nasıl öğrenebiliriz?</a:t>
+            </a:r>
+            <a:endParaRPr lang="en-US" dirty="0"/>
+          </a:p>
+          <a:p>
+            <a:pPr marL="342900" indent="-342900">
+              <a:buFont typeface="+mj-lt"/>
+              <a:buAutoNum type="arabicPeriod"/>
+            </a:pPr>
+            <a:endParaRPr lang="en-US" dirty="0"/>
+          </a:p>
+          <a:p>
+            <a:pPr marL="342900" indent="-342900">
+              <a:buFont typeface="+mj-lt"/>
+              <a:buAutoNum type="arabicPeriod"/>
+            </a:pPr>
+            <a:r>
+              <a:rPr lang="tr-TR" dirty="0"/>
+              <a:t>Python'da boş küme nasıl tanımlanır?</a:t>
+            </a:r>
+            <a:endParaRPr lang="en-US" dirty="0"/>
+          </a:p>
+          <a:p>
+            <a:pPr marL="342900" indent="-342900">
+              <a:buFont typeface="+mj-lt"/>
+              <a:buAutoNum type="arabicPeriod"/>
+            </a:pPr>
+            <a:endParaRPr lang="en-US" dirty="0"/>
+          </a:p>
+          <a:p>
+            <a:pPr marL="342900" indent="-342900">
+              <a:buFont typeface="+mj-lt"/>
+              <a:buAutoNum type="arabicPeriod"/>
+            </a:pPr>
+            <a:r>
+              <a:rPr lang="tr-TR" dirty="0"/>
+              <a:t>Liste ve demet veri yapılarındaki temel fark nedir?</a:t>
+            </a:r>
+            <a:endParaRPr lang="en-US" dirty="0"/>
+          </a:p>
+          <a:p>
+            <a:pPr marL="342900" indent="-342900">
+              <a:buFont typeface="+mj-lt"/>
+              <a:buAutoNum type="arabicPeriod"/>
+            </a:pPr>
+            <a:endParaRPr lang="en-US" dirty="0"/>
+          </a:p>
+          <a:p>
+            <a:pPr marL="342900" indent="-342900">
+              <a:buFont typeface="+mj-lt"/>
+              <a:buAutoNum type="arabicPeriod"/>
+            </a:pPr>
+            <a:r>
+              <a:rPr lang="tr-TR" dirty="0"/>
+              <a:t>Aşağıdaki programın ekran çıktısı ne olur?</a:t>
+            </a:r>
+            <a:endParaRPr lang="en-US" dirty="0"/>
+          </a:p>
+        </p:txBody>
+      </p:sp>
+    </p:spTree>
+    <p:extLst>
+      <p:ext uri="{BB962C8B-B14F-4D97-AF65-F5344CB8AC3E}">
+        <p14:creationId xmlns:p14="http://schemas.microsoft.com/office/powerpoint/2010/main" val="4114926152"/>
+      </p:ext>
+    </p:extLst>
+  </p:cSld>
+  <p:clrMapOvr>
+    <a:masterClrMapping/>
+  </p:clrMapOvr>
+</p:sld>
+</file>
+
+<file path=ppt/slides/slide77.xml><?xml version="1.0" encoding="utf-8"?>
+<p:sld xmlns:a="http://schemas.openxmlformats.org/drawingml/2006/main" xmlns:r="http://schemas.openxmlformats.org/officeDocument/2006/relationships" xmlns:p="http://schemas.openxmlformats.org/presentationml/2006/main">
+  <p:cSld>
+    <p:spTree>
+      <p:nvGrpSpPr>
+        <p:cNvPr id="1" name=""/>
+        <p:cNvGrpSpPr/>
+        <p:nvPr/>
+      </p:nvGrpSpPr>
+      <p:grpSpPr>
+        <a:xfrm>
+          <a:off x="0" y="0"/>
+          <a:ext cx="0" cy="0"/>
+          <a:chOff x="0" y="0"/>
+          <a:chExt cx="0" cy="0"/>
+        </a:xfrm>
+      </p:grpSpPr>
+      <p:sp>
+        <p:nvSpPr>
+          <p:cNvPr id="7" name="Yuvarlatılmış Dikdörtgen 6"/>
+          <p:cNvSpPr/>
+          <p:nvPr>
+            <p:custDataLst>
+              <p:tags r:id="rId1"/>
+            </p:custDataLst>
+          </p:nvPr>
+        </p:nvSpPr>
+        <p:spPr>
+          <a:xfrm>
+            <a:off x="2031368" y="234003"/>
+            <a:ext cx="8208912" cy="6291342"/>
+          </a:xfrm>
+          <a:prstGeom prst="roundRect">
+            <a:avLst>
+              <a:gd name="adj" fmla="val 5123"/>
+            </a:avLst>
+          </a:prstGeom>
+          <a:effectLst>
+            <a:outerShdw blurRad="292100" dist="114300" dir="3840000" algn="ctr" rotWithShape="0">
+              <a:srgbClr val="000000">
+                <a:alpha val="81000"/>
+              </a:srgbClr>
+            </a:outerShdw>
+          </a:effectLst>
+        </p:spPr>
+        <p:style>
+          <a:lnRef idx="2">
+            <a:schemeClr val="accent1"/>
+          </a:lnRef>
+          <a:fillRef idx="1">
+            <a:schemeClr val="lt1"/>
+          </a:fillRef>
+          <a:effectRef idx="0">
+            <a:schemeClr val="accent1"/>
+          </a:effectRef>
+          <a:fontRef idx="minor">
+            <a:schemeClr val="dk1"/>
+          </a:fontRef>
+        </p:style>
+        <p:txBody>
+          <a:bodyPr rtlCol="0" anchor="ctr" anchorCtr="0"/>
+          <a:lstStyle/>
+          <a:p>
+            <a:endParaRPr lang="tr-TR" sz="2000" dirty="0">
+              <a:latin typeface="Arial" pitchFamily="34" charset="0"/>
+              <a:cs typeface="Arial" pitchFamily="34" charset="0"/>
+            </a:endParaRPr>
+          </a:p>
+        </p:txBody>
+      </p:sp>
+      <p:sp>
+        <p:nvSpPr>
+          <p:cNvPr id="2" name="Altbilgi Yer Tutucusu 1"/>
+          <p:cNvSpPr>
+            <a:spLocks noGrp="1"/>
+          </p:cNvSpPr>
+          <p:nvPr>
+            <p:ph type="ftr" sz="quarter" idx="11"/>
+            <p:custDataLst>
+              <p:tags r:id="rId2"/>
+            </p:custDataLst>
+          </p:nvPr>
+        </p:nvSpPr>
+        <p:spPr>
+          <a:xfrm>
+            <a:off x="3431704" y="6525345"/>
+            <a:ext cx="5408240" cy="365125"/>
+          </a:xfrm>
+        </p:spPr>
+        <p:txBody>
+          <a:bodyPr/>
+          <a:lstStyle/>
+          <a:p>
+            <a:r>
+              <a:rPr lang="tr-TR" sz="1050" dirty="0">
+                <a:solidFill>
+                  <a:schemeClr val="tx2">
+                    <a:lumMod val="75000"/>
+                  </a:schemeClr>
+                </a:solidFill>
+              </a:rPr>
+              <a:t>© Marmara Üniversitesi Uzaktan Eğitim Uygulama ve Araştırma Merkezi</a:t>
+            </a:r>
+          </a:p>
+        </p:txBody>
+      </p:sp>
+      <p:sp>
+        <p:nvSpPr>
+          <p:cNvPr id="3" name="Slayt Numarası Yer Tutucusu 2"/>
+          <p:cNvSpPr>
+            <a:spLocks noGrp="1"/>
+          </p:cNvSpPr>
+          <p:nvPr>
+            <p:ph type="sldNum" sz="quarter" idx="12"/>
+            <p:custDataLst>
+              <p:tags r:id="rId3"/>
+            </p:custDataLst>
+          </p:nvPr>
+        </p:nvSpPr>
+        <p:spPr>
+          <a:xfrm>
+            <a:off x="8472264" y="6520260"/>
+            <a:ext cx="2133600" cy="365125"/>
+          </a:xfrm>
+        </p:spPr>
+        <p:txBody>
+          <a:bodyPr/>
+          <a:lstStyle/>
+          <a:p>
+            <a:fld id="{219A703F-5BE9-489E-8C60-8A91ACC9E5BC}" type="slidenum">
+              <a:rPr lang="tr-TR" smtClean="0">
+                <a:solidFill>
+                  <a:schemeClr val="tx2">
+                    <a:lumMod val="75000"/>
+                  </a:schemeClr>
+                </a:solidFill>
+              </a:rPr>
+              <a:t>77</a:t>
+            </a:fld>
+            <a:endParaRPr lang="tr-TR" dirty="0">
+              <a:solidFill>
+                <a:schemeClr val="tx2">
+                  <a:lumMod val="75000"/>
+                </a:schemeClr>
+              </a:solidFill>
+            </a:endParaRPr>
+          </a:p>
+        </p:txBody>
+      </p:sp>
+      <p:pic>
+        <p:nvPicPr>
+          <p:cNvPr id="8" name="Picture 7" descr="A picture containing text, font, screenshot, number&#10;&#10;Description automatically generated">
+            <a:extLst>
+              <a:ext uri="{FF2B5EF4-FFF2-40B4-BE49-F238E27FC236}">
+                <a16:creationId xmlns:a16="http://schemas.microsoft.com/office/drawing/2014/main" id="{6D67AAE6-4961-25D2-B08A-ADD6BE7BB34A}"/>
+              </a:ext>
+            </a:extLst>
+          </p:cNvPr>
+          <p:cNvPicPr>
+            <a:picLocks noChangeAspect="1"/>
+          </p:cNvPicPr>
+          <p:nvPr/>
+        </p:nvPicPr>
+        <p:blipFill>
+          <a:blip r:embed="rId6">
+            <a:extLst>
+              <a:ext uri="{28A0092B-C50C-407E-A947-70E740481C1C}">
+                <a14:useLocalDpi xmlns:a14="http://schemas.microsoft.com/office/drawing/2010/main" val="0"/>
+              </a:ext>
+            </a:extLst>
+          </a:blip>
+          <a:stretch>
+            <a:fillRect/>
+          </a:stretch>
+        </p:blipFill>
+        <p:spPr>
+          <a:xfrm>
+            <a:off x="2961254" y="853964"/>
+            <a:ext cx="3715268" cy="1171739"/>
+          </a:xfrm>
+          <a:prstGeom prst="rect">
+            <a:avLst/>
+          </a:prstGeom>
+        </p:spPr>
+      </p:pic>
+      <p:sp>
+        <p:nvSpPr>
+          <p:cNvPr id="10" name="TextBox 9">
+            <a:extLst>
+              <a:ext uri="{FF2B5EF4-FFF2-40B4-BE49-F238E27FC236}">
+                <a16:creationId xmlns:a16="http://schemas.microsoft.com/office/drawing/2014/main" id="{D14863FD-290D-F5AF-8817-0F7BBF616739}"/>
+              </a:ext>
+            </a:extLst>
+          </p:cNvPr>
+          <p:cNvSpPr txBox="1"/>
+          <p:nvPr/>
+        </p:nvSpPr>
+        <p:spPr>
+          <a:xfrm>
+            <a:off x="2487168" y="484632"/>
+            <a:ext cx="5440680" cy="369332"/>
+          </a:xfrm>
+          <a:prstGeom prst="rect">
+            <a:avLst/>
+          </a:prstGeom>
+          <a:noFill/>
+        </p:spPr>
+        <p:txBody>
+          <a:bodyPr wrap="square" rtlCol="0">
+            <a:spAutoFit/>
+          </a:bodyPr>
+          <a:lstStyle/>
+          <a:p>
+            <a:r>
+              <a:rPr lang="tr-TR" dirty="0"/>
+              <a:t>6.    Aşağıdaki programın çıktı ne olacak ?</a:t>
+            </a:r>
+          </a:p>
+        </p:txBody>
+      </p:sp>
+      <p:sp>
+        <p:nvSpPr>
+          <p:cNvPr id="11" name="TextBox 10">
+            <a:extLst>
+              <a:ext uri="{FF2B5EF4-FFF2-40B4-BE49-F238E27FC236}">
+                <a16:creationId xmlns:a16="http://schemas.microsoft.com/office/drawing/2014/main" id="{9DDA415A-B8C8-8F51-BE0C-0DFB3E4C27AA}"/>
+              </a:ext>
+            </a:extLst>
+          </p:cNvPr>
+          <p:cNvSpPr txBox="1"/>
+          <p:nvPr/>
+        </p:nvSpPr>
+        <p:spPr>
+          <a:xfrm>
+            <a:off x="2487168" y="2322576"/>
+            <a:ext cx="7525512" cy="923330"/>
+          </a:xfrm>
+          <a:prstGeom prst="rect">
+            <a:avLst/>
+          </a:prstGeom>
+          <a:noFill/>
+        </p:spPr>
+        <p:txBody>
+          <a:bodyPr wrap="square" rtlCol="0">
+            <a:spAutoFit/>
+          </a:bodyPr>
+          <a:lstStyle/>
+          <a:p>
+            <a:r>
+              <a:rPr lang="tr-TR" dirty="0"/>
+              <a:t>7. Aşağıdaki program istenen satır-sütun değerinde matris oluşturmaktadır. Buna göre 4*3'lük bir matrisi ekrana yazdırmak için ana programda eksik bırakılan alana ne yazılmalıdır?</a:t>
+            </a:r>
+            <a:endParaRPr lang="en-US" dirty="0"/>
+          </a:p>
+        </p:txBody>
+      </p:sp>
+      <p:pic>
+        <p:nvPicPr>
+          <p:cNvPr id="13" name="Picture 12" descr="A picture containing text, screenshot, font&#10;&#10;Description automatically generated">
+            <a:extLst>
+              <a:ext uri="{FF2B5EF4-FFF2-40B4-BE49-F238E27FC236}">
+                <a16:creationId xmlns:a16="http://schemas.microsoft.com/office/drawing/2014/main" id="{36231E09-4C4A-F182-3277-8A13E86398D3}"/>
+              </a:ext>
+            </a:extLst>
+          </p:cNvPr>
+          <p:cNvPicPr>
+            <a:picLocks noChangeAspect="1"/>
+          </p:cNvPicPr>
+          <p:nvPr/>
+        </p:nvPicPr>
+        <p:blipFill>
+          <a:blip r:embed="rId7">
+            <a:extLst>
+              <a:ext uri="{28A0092B-C50C-407E-A947-70E740481C1C}">
+                <a14:useLocalDpi xmlns:a14="http://schemas.microsoft.com/office/drawing/2010/main" val="0"/>
+              </a:ext>
+            </a:extLst>
+          </a:blip>
+          <a:stretch>
+            <a:fillRect/>
+          </a:stretch>
+        </p:blipFill>
+        <p:spPr>
+          <a:xfrm>
+            <a:off x="2961254" y="3301461"/>
+            <a:ext cx="3715268" cy="1709451"/>
+          </a:xfrm>
+          <a:prstGeom prst="rect">
+            <a:avLst/>
+          </a:prstGeom>
+        </p:spPr>
+      </p:pic>
+      <p:sp>
+        <p:nvSpPr>
+          <p:cNvPr id="14" name="TextBox 13">
+            <a:extLst>
+              <a:ext uri="{FF2B5EF4-FFF2-40B4-BE49-F238E27FC236}">
+                <a16:creationId xmlns:a16="http://schemas.microsoft.com/office/drawing/2014/main" id="{1130793A-4E27-A8EE-6DA2-7626D4DC1739}"/>
+              </a:ext>
+            </a:extLst>
+          </p:cNvPr>
+          <p:cNvSpPr txBox="1"/>
+          <p:nvPr/>
+        </p:nvSpPr>
+        <p:spPr>
+          <a:xfrm>
+            <a:off x="3035107" y="1989474"/>
+            <a:ext cx="4344802" cy="369332"/>
+          </a:xfrm>
+          <a:prstGeom prst="rect">
+            <a:avLst/>
+          </a:prstGeom>
+          <a:noFill/>
+        </p:spPr>
+        <p:txBody>
+          <a:bodyPr wrap="square" rtlCol="0">
+            <a:spAutoFit/>
+          </a:bodyPr>
+          <a:lstStyle/>
+          <a:p>
+            <a:r>
+              <a:rPr lang="tr-TR" dirty="0"/>
+              <a:t>(bolum_değerlendirme_cevaplari.py)</a:t>
+            </a:r>
+            <a:endParaRPr lang="en-US" dirty="0"/>
+          </a:p>
+        </p:txBody>
+      </p:sp>
+      <p:sp>
+        <p:nvSpPr>
+          <p:cNvPr id="15" name="TextBox 14">
+            <a:extLst>
+              <a:ext uri="{FF2B5EF4-FFF2-40B4-BE49-F238E27FC236}">
+                <a16:creationId xmlns:a16="http://schemas.microsoft.com/office/drawing/2014/main" id="{37F39B3E-9949-4795-6044-CF5FCCE9A2E1}"/>
+              </a:ext>
+            </a:extLst>
+          </p:cNvPr>
+          <p:cNvSpPr txBox="1"/>
+          <p:nvPr/>
+        </p:nvSpPr>
+        <p:spPr>
+          <a:xfrm>
+            <a:off x="2961254" y="5015997"/>
+            <a:ext cx="4344802" cy="369332"/>
+          </a:xfrm>
+          <a:prstGeom prst="rect">
+            <a:avLst/>
+          </a:prstGeom>
+          <a:noFill/>
+        </p:spPr>
+        <p:txBody>
+          <a:bodyPr wrap="square" rtlCol="0">
+            <a:spAutoFit/>
+          </a:bodyPr>
+          <a:lstStyle/>
+          <a:p>
+            <a:r>
+              <a:rPr lang="tr-TR" dirty="0"/>
+              <a:t>(bolum_değerlendirme_cevaplari.py)</a:t>
+            </a:r>
+            <a:endParaRPr lang="en-US" dirty="0"/>
+          </a:p>
+        </p:txBody>
+      </p:sp>
+    </p:spTree>
+    <p:extLst>
+      <p:ext uri="{BB962C8B-B14F-4D97-AF65-F5344CB8AC3E}">
+        <p14:creationId xmlns:p14="http://schemas.microsoft.com/office/powerpoint/2010/main" val="3035611656"/>
+      </p:ext>
+    </p:extLst>
+  </p:cSld>
+  <p:clrMapOvr>
+    <a:masterClrMapping/>
+  </p:clrMapOvr>
+</p:sld>
+</file>
+
+<file path=ppt/slides/slide78.xml><?xml version="1.0" encoding="utf-8"?>
+<p:sld xmlns:a="http://schemas.openxmlformats.org/drawingml/2006/main" xmlns:r="http://schemas.openxmlformats.org/officeDocument/2006/relationships" xmlns:p="http://schemas.openxmlformats.org/presentationml/2006/main">
+  <p:cSld>
+    <p:spTree>
+      <p:nvGrpSpPr>
+        <p:cNvPr id="1" name=""/>
+        <p:cNvGrpSpPr/>
+        <p:nvPr/>
+      </p:nvGrpSpPr>
+      <p:grpSpPr>
+        <a:xfrm>
+          <a:off x="0" y="0"/>
+          <a:ext cx="0" cy="0"/>
+          <a:chOff x="0" y="0"/>
+          <a:chExt cx="0" cy="0"/>
+        </a:xfrm>
+      </p:grpSpPr>
+      <p:sp>
+        <p:nvSpPr>
+          <p:cNvPr id="7" name="Yuvarlatılmış Dikdörtgen 6"/>
+          <p:cNvSpPr/>
+          <p:nvPr>
+            <p:custDataLst>
+              <p:tags r:id="rId1"/>
+            </p:custDataLst>
+          </p:nvPr>
+        </p:nvSpPr>
+        <p:spPr>
+          <a:xfrm>
+            <a:off x="2031368" y="234003"/>
+            <a:ext cx="8208912" cy="6291342"/>
+          </a:xfrm>
+          <a:prstGeom prst="roundRect">
+            <a:avLst>
+              <a:gd name="adj" fmla="val 5123"/>
+            </a:avLst>
+          </a:prstGeom>
+          <a:effectLst>
+            <a:outerShdw blurRad="292100" dist="114300" dir="3840000" algn="ctr" rotWithShape="0">
+              <a:srgbClr val="000000">
+                <a:alpha val="81000"/>
+              </a:srgbClr>
+            </a:outerShdw>
+          </a:effectLst>
+        </p:spPr>
+        <p:style>
+          <a:lnRef idx="2">
+            <a:schemeClr val="accent1"/>
+          </a:lnRef>
+          <a:fillRef idx="1">
+            <a:schemeClr val="lt1"/>
+          </a:fillRef>
+          <a:effectRef idx="0">
+            <a:schemeClr val="accent1"/>
+          </a:effectRef>
+          <a:fontRef idx="minor">
+            <a:schemeClr val="dk1"/>
+          </a:fontRef>
+        </p:style>
+        <p:txBody>
+          <a:bodyPr rtlCol="0" anchor="ctr" anchorCtr="0"/>
+          <a:lstStyle/>
+          <a:p>
+            <a:endParaRPr lang="tr-TR" sz="2000" dirty="0">
+              <a:latin typeface="Arial" pitchFamily="34" charset="0"/>
+              <a:cs typeface="Arial" pitchFamily="34" charset="0"/>
+            </a:endParaRPr>
+          </a:p>
+        </p:txBody>
+      </p:sp>
+      <p:sp>
+        <p:nvSpPr>
+          <p:cNvPr id="2" name="Altbilgi Yer Tutucusu 1"/>
+          <p:cNvSpPr>
+            <a:spLocks noGrp="1"/>
+          </p:cNvSpPr>
+          <p:nvPr>
+            <p:ph type="ftr" sz="quarter" idx="11"/>
+            <p:custDataLst>
+              <p:tags r:id="rId2"/>
+            </p:custDataLst>
+          </p:nvPr>
+        </p:nvSpPr>
+        <p:spPr>
+          <a:xfrm>
+            <a:off x="3431704" y="6525345"/>
+            <a:ext cx="5408240" cy="365125"/>
+          </a:xfrm>
+        </p:spPr>
+        <p:txBody>
+          <a:bodyPr/>
+          <a:lstStyle/>
+          <a:p>
+            <a:r>
+              <a:rPr lang="tr-TR" sz="1050" dirty="0">
+                <a:solidFill>
+                  <a:schemeClr val="tx2">
+                    <a:lumMod val="75000"/>
+                  </a:schemeClr>
+                </a:solidFill>
+              </a:rPr>
+              <a:t>© Marmara Üniversitesi Uzaktan Eğitim Uygulama ve Araştırma Merkezi</a:t>
+            </a:r>
+          </a:p>
+        </p:txBody>
+      </p:sp>
+      <p:sp>
+        <p:nvSpPr>
+          <p:cNvPr id="3" name="Slayt Numarası Yer Tutucusu 2"/>
+          <p:cNvSpPr>
+            <a:spLocks noGrp="1"/>
+          </p:cNvSpPr>
+          <p:nvPr>
+            <p:ph type="sldNum" sz="quarter" idx="12"/>
+            <p:custDataLst>
+              <p:tags r:id="rId3"/>
+            </p:custDataLst>
+          </p:nvPr>
+        </p:nvSpPr>
+        <p:spPr>
+          <a:xfrm>
+            <a:off x="8472264" y="6520260"/>
+            <a:ext cx="2133600" cy="365125"/>
+          </a:xfrm>
+        </p:spPr>
+        <p:txBody>
+          <a:bodyPr/>
+          <a:lstStyle/>
+          <a:p>
+            <a:fld id="{219A703F-5BE9-489E-8C60-8A91ACC9E5BC}" type="slidenum">
+              <a:rPr lang="tr-TR" smtClean="0">
+                <a:solidFill>
+                  <a:schemeClr val="tx2">
+                    <a:lumMod val="75000"/>
+                  </a:schemeClr>
+                </a:solidFill>
+              </a:rPr>
+              <a:t>78</a:t>
+            </a:fld>
+            <a:endParaRPr lang="tr-TR" dirty="0">
+              <a:solidFill>
+                <a:schemeClr val="tx2">
+                  <a:lumMod val="75000"/>
+                </a:schemeClr>
+              </a:solidFill>
+            </a:endParaRPr>
+          </a:p>
+        </p:txBody>
+      </p:sp>
+      <p:sp>
+        <p:nvSpPr>
+          <p:cNvPr id="10" name="TextBox 9">
+            <a:extLst>
+              <a:ext uri="{FF2B5EF4-FFF2-40B4-BE49-F238E27FC236}">
+                <a16:creationId xmlns:a16="http://schemas.microsoft.com/office/drawing/2014/main" id="{D14863FD-290D-F5AF-8817-0F7BBF616739}"/>
+              </a:ext>
+            </a:extLst>
+          </p:cNvPr>
+          <p:cNvSpPr txBox="1"/>
+          <p:nvPr/>
+        </p:nvSpPr>
+        <p:spPr>
+          <a:xfrm>
+            <a:off x="2487168" y="484632"/>
+            <a:ext cx="7360920" cy="646331"/>
+          </a:xfrm>
+          <a:prstGeom prst="rect">
+            <a:avLst/>
+          </a:prstGeom>
+          <a:noFill/>
+        </p:spPr>
+        <p:txBody>
+          <a:bodyPr wrap="square" rtlCol="0">
+            <a:spAutoFit/>
+          </a:bodyPr>
+          <a:lstStyle/>
+          <a:p>
+            <a:r>
+              <a:rPr lang="en-US" dirty="0"/>
+              <a:t>8</a:t>
+            </a:r>
+            <a:r>
+              <a:rPr lang="tr-TR" dirty="0"/>
+              <a:t>. Aşağıdaki program parçasının çalışmasından sonra A listesinin ilk ve son elemanları hangi değerleri alır?</a:t>
+            </a:r>
+          </a:p>
+        </p:txBody>
+      </p:sp>
+      <p:sp>
+        <p:nvSpPr>
+          <p:cNvPr id="14" name="TextBox 13">
+            <a:extLst>
+              <a:ext uri="{FF2B5EF4-FFF2-40B4-BE49-F238E27FC236}">
+                <a16:creationId xmlns:a16="http://schemas.microsoft.com/office/drawing/2014/main" id="{1130793A-4E27-A8EE-6DA2-7626D4DC1739}"/>
+              </a:ext>
+            </a:extLst>
+          </p:cNvPr>
+          <p:cNvSpPr txBox="1"/>
+          <p:nvPr/>
+        </p:nvSpPr>
+        <p:spPr>
+          <a:xfrm>
+            <a:off x="4060759" y="1895470"/>
+            <a:ext cx="4344802" cy="369332"/>
+          </a:xfrm>
+          <a:prstGeom prst="rect">
+            <a:avLst/>
+          </a:prstGeom>
+          <a:noFill/>
+        </p:spPr>
+        <p:txBody>
+          <a:bodyPr wrap="square" rtlCol="0">
+            <a:spAutoFit/>
+          </a:bodyPr>
+          <a:lstStyle/>
+          <a:p>
+            <a:r>
+              <a:rPr lang="tr-TR" dirty="0"/>
+              <a:t>(bolum_değerlendirme_cevaplari.py)</a:t>
+            </a:r>
+            <a:endParaRPr lang="en-US" dirty="0"/>
+          </a:p>
+        </p:txBody>
+      </p:sp>
+      <p:pic>
+        <p:nvPicPr>
+          <p:cNvPr id="9" name="Picture 8">
+            <a:extLst>
+              <a:ext uri="{FF2B5EF4-FFF2-40B4-BE49-F238E27FC236}">
+                <a16:creationId xmlns:a16="http://schemas.microsoft.com/office/drawing/2014/main" id="{19946563-63FD-9415-67B5-2B5688F35525}"/>
+              </a:ext>
+            </a:extLst>
+          </p:cNvPr>
+          <p:cNvPicPr>
+            <a:picLocks noChangeAspect="1"/>
+          </p:cNvPicPr>
+          <p:nvPr/>
+        </p:nvPicPr>
+        <p:blipFill>
+          <a:blip r:embed="rId6">
+            <a:extLst>
+              <a:ext uri="{28A0092B-C50C-407E-A947-70E740481C1C}">
+                <a14:useLocalDpi xmlns:a14="http://schemas.microsoft.com/office/drawing/2010/main" val="0"/>
+              </a:ext>
+            </a:extLst>
+          </a:blip>
+          <a:stretch>
+            <a:fillRect/>
+          </a:stretch>
+        </p:blipFill>
+        <p:spPr>
+          <a:xfrm>
+            <a:off x="2770632" y="1130963"/>
+            <a:ext cx="6227064" cy="769153"/>
+          </a:xfrm>
+          <a:prstGeom prst="rect">
+            <a:avLst/>
+          </a:prstGeom>
+        </p:spPr>
+      </p:pic>
+      <p:sp>
+        <p:nvSpPr>
+          <p:cNvPr id="12" name="TextBox 11">
+            <a:extLst>
+              <a:ext uri="{FF2B5EF4-FFF2-40B4-BE49-F238E27FC236}">
+                <a16:creationId xmlns:a16="http://schemas.microsoft.com/office/drawing/2014/main" id="{F50D9819-BD55-B56A-8ECA-F1F44596D7A6}"/>
+              </a:ext>
+            </a:extLst>
+          </p:cNvPr>
+          <p:cNvSpPr txBox="1"/>
+          <p:nvPr/>
+        </p:nvSpPr>
+        <p:spPr>
+          <a:xfrm>
+            <a:off x="2487168" y="2546447"/>
+            <a:ext cx="7360920" cy="369332"/>
+          </a:xfrm>
+          <a:prstGeom prst="rect">
+            <a:avLst/>
+          </a:prstGeom>
+          <a:noFill/>
+        </p:spPr>
+        <p:txBody>
+          <a:bodyPr wrap="square" rtlCol="0">
+            <a:spAutoFit/>
+          </a:bodyPr>
+          <a:lstStyle/>
+          <a:p>
+            <a:r>
+              <a:rPr lang="en-US" dirty="0"/>
+              <a:t>9</a:t>
+            </a:r>
+            <a:r>
+              <a:rPr lang="tr-TR" dirty="0"/>
+              <a:t>. Aşağıdaki küme tanımlamalarından hangileri geçerlidir?</a:t>
+            </a:r>
+          </a:p>
+        </p:txBody>
+      </p:sp>
+      <p:pic>
+        <p:nvPicPr>
+          <p:cNvPr id="17" name="Picture 16" descr="A picture containing text, font, screenshot&#10;&#10;Description automatically generated">
+            <a:extLst>
+              <a:ext uri="{FF2B5EF4-FFF2-40B4-BE49-F238E27FC236}">
+                <a16:creationId xmlns:a16="http://schemas.microsoft.com/office/drawing/2014/main" id="{DD689526-ACA7-4CFA-4832-EFAF7BE48928}"/>
+              </a:ext>
+            </a:extLst>
+          </p:cNvPr>
+          <p:cNvPicPr>
+            <a:picLocks noChangeAspect="1"/>
+          </p:cNvPicPr>
+          <p:nvPr/>
+        </p:nvPicPr>
+        <p:blipFill>
+          <a:blip r:embed="rId7">
+            <a:extLst>
+              <a:ext uri="{28A0092B-C50C-407E-A947-70E740481C1C}">
+                <a14:useLocalDpi xmlns:a14="http://schemas.microsoft.com/office/drawing/2010/main" val="0"/>
+              </a:ext>
+            </a:extLst>
+          </a:blip>
+          <a:stretch>
+            <a:fillRect/>
+          </a:stretch>
+        </p:blipFill>
+        <p:spPr>
+          <a:xfrm>
+            <a:off x="2770632" y="3047725"/>
+            <a:ext cx="6227064" cy="1019317"/>
+          </a:xfrm>
+          <a:prstGeom prst="rect">
+            <a:avLst/>
+          </a:prstGeom>
+        </p:spPr>
+      </p:pic>
+      <p:sp>
+        <p:nvSpPr>
+          <p:cNvPr id="18" name="TextBox 17">
+            <a:extLst>
+              <a:ext uri="{FF2B5EF4-FFF2-40B4-BE49-F238E27FC236}">
+                <a16:creationId xmlns:a16="http://schemas.microsoft.com/office/drawing/2014/main" id="{FB418917-724E-2EA0-BAA4-FCAE1980B59B}"/>
+              </a:ext>
+            </a:extLst>
+          </p:cNvPr>
+          <p:cNvSpPr txBox="1"/>
+          <p:nvPr/>
+        </p:nvSpPr>
+        <p:spPr>
+          <a:xfrm>
+            <a:off x="4060759" y="4014322"/>
+            <a:ext cx="4344802" cy="369332"/>
+          </a:xfrm>
+          <a:prstGeom prst="rect">
+            <a:avLst/>
+          </a:prstGeom>
+          <a:noFill/>
+        </p:spPr>
+        <p:txBody>
+          <a:bodyPr wrap="square" rtlCol="0">
+            <a:spAutoFit/>
+          </a:bodyPr>
+          <a:lstStyle/>
+          <a:p>
+            <a:r>
+              <a:rPr lang="tr-TR" dirty="0"/>
+              <a:t>(bolum_değerlendirme_cevaplari.py)</a:t>
+            </a:r>
+            <a:endParaRPr lang="en-US" dirty="0"/>
+          </a:p>
+        </p:txBody>
+      </p:sp>
+    </p:spTree>
+    <p:extLst>
+      <p:ext uri="{BB962C8B-B14F-4D97-AF65-F5344CB8AC3E}">
+        <p14:creationId xmlns:p14="http://schemas.microsoft.com/office/powerpoint/2010/main" val="4037386876"/>
+      </p:ext>
+    </p:extLst>
+  </p:cSld>
+  <p:clrMapOvr>
+    <a:masterClrMapping/>
+  </p:clrMapOvr>
+  <mc:AlternateContent xmlns:mc="http://schemas.openxmlformats.org/markup-compatibility/2006">
+    <mc:Choice xmlns:p14="http://schemas.microsoft.com/office/powerpoint/2010/main" Requires="p14">
+      <p:transition spd="slow" p14:dur="2000" advClick="0"/>
+    </mc:Choice>
+    <mc:Fallback>
+      <p:transition spd="slow" advClick="0"/>
+    </mc:Fallback>
+  </mc:AlternateContent>
 </p:sld>
 </file>
 
@@ -43988,10 +50292,137 @@
 </p:tagLst>
 </file>
 
+<file path=ppt/tags/tag210.xml><?xml version="1.0" encoding="utf-8"?>
+<p:tagLst xmlns:a="http://schemas.openxmlformats.org/drawingml/2006/main" xmlns:r="http://schemas.openxmlformats.org/officeDocument/2006/relationships" xmlns:p="http://schemas.openxmlformats.org/presentationml/2006/main">
+  <p:tag name="PRESENTER_SHAPETEXTINFO" val="&lt;ShapeTextInfo&gt;&lt;TableIndex row=&quot;-1&quot; col=&quot;-1&quot;&gt;&lt;linesCount val=&quot;9&quot;/&gt;&lt;lineCharCount val=&quot;15&quot;/&gt;&lt;lineCharCount val=&quot;73&quot;/&gt;&lt;lineCharCount val=&quot;76&quot;/&gt;&lt;lineCharCount val=&quot;69&quot;/&gt;&lt;lineCharCount val=&quot;14&quot;/&gt;&lt;lineCharCount val=&quot;79&quot;/&gt;&lt;lineCharCount val=&quot;72&quot;/&gt;&lt;lineCharCount val=&quot;70&quot;/&gt;&lt;lineCharCount val=&quot;11&quot;/&gt;&lt;/TableIndex&gt;&lt;/ShapeTextInfo&gt;"/>
+  <p:tag name="PRESENTER_SHAPEINFO" val="&lt;ThreeDShapeInfo&gt;&lt;uuid val=&quot;{2EA440EB-1484-4661-815E-94F4777ED711}&quot;/&gt;&lt;isInvalidForFieldText val=&quot;0&quot;/&gt;&lt;Image&gt;&lt;filename val=&quot;C:\Users\PAMUK\AppData\Local\Temp\PR\data\asimages\{2EA440EB-1484-4661-815E-94F4777ED711}_2.png&quot;/&gt;&lt;left val=&quot;16&quot;/&gt;&lt;top val=&quot;101&quot;/&gt;&lt;width val=&quot;696&quot;/&gt;&lt;height val=&quot;446&quot;/&gt;&lt;hasText val=&quot;1&quot;/&gt;&lt;/Image&gt;&lt;/ThreeDShapeInfo&gt;"/>
+</p:tagLst>
+</file>
+
+<file path=ppt/tags/tag211.xml><?xml version="1.0" encoding="utf-8"?>
+<p:tagLst xmlns:a="http://schemas.openxmlformats.org/drawingml/2006/main" xmlns:r="http://schemas.openxmlformats.org/officeDocument/2006/relationships" xmlns:p="http://schemas.openxmlformats.org/presentationml/2006/main">
+  <p:tag name="PRESENTER_SHAPETEXTINFO" val="&lt;ShapeTextInfo&gt;&lt;TableIndex row=&quot;-1&quot; col=&quot;-1&quot;&gt;&lt;linesCount val=&quot;1&quot;/&gt;&lt;lineCharCount val=&quot;65&quot;/&gt;&lt;/TableIndex&gt;&lt;/ShapeTextInfo&gt;"/>
+</p:tagLst>
+</file>
+
+<file path=ppt/tags/tag212.xml><?xml version="1.0" encoding="utf-8"?>
+<p:tagLst xmlns:a="http://schemas.openxmlformats.org/drawingml/2006/main" xmlns:r="http://schemas.openxmlformats.org/officeDocument/2006/relationships" xmlns:p="http://schemas.openxmlformats.org/presentationml/2006/main">
+  <p:tag name="PRESENTER_SHAPETEXTINFO" val="&lt;ShapeTextInfo&gt;&lt;TableIndex row=&quot;-1&quot; col=&quot;-1&quot;&gt;&lt;linesCount val=&quot;1&quot;/&gt;&lt;lineCharCount val=&quot;1&quot;/&gt;&lt;/TableIndex&gt;&lt;/ShapeTextInfo&gt;"/>
+</p:tagLst>
+</file>
+
+<file path=ppt/tags/tag213.xml><?xml version="1.0" encoding="utf-8"?>
+<p:tagLst xmlns:a="http://schemas.openxmlformats.org/drawingml/2006/main" xmlns:r="http://schemas.openxmlformats.org/officeDocument/2006/relationships" xmlns:p="http://schemas.openxmlformats.org/presentationml/2006/main">
+  <p:tag name="PRESENTER_SHAPETEXTINFO" val="&lt;ShapeTextInfo&gt;&lt;TableIndex row=&quot;-1&quot; col=&quot;-1&quot;&gt;&lt;linesCount val=&quot;9&quot;/&gt;&lt;lineCharCount val=&quot;15&quot;/&gt;&lt;lineCharCount val=&quot;73&quot;/&gt;&lt;lineCharCount val=&quot;76&quot;/&gt;&lt;lineCharCount val=&quot;69&quot;/&gt;&lt;lineCharCount val=&quot;14&quot;/&gt;&lt;lineCharCount val=&quot;79&quot;/&gt;&lt;lineCharCount val=&quot;72&quot;/&gt;&lt;lineCharCount val=&quot;70&quot;/&gt;&lt;lineCharCount val=&quot;11&quot;/&gt;&lt;/TableIndex&gt;&lt;/ShapeTextInfo&gt;"/>
+  <p:tag name="PRESENTER_SHAPEINFO" val="&lt;ThreeDShapeInfo&gt;&lt;uuid val=&quot;{2EA440EB-1484-4661-815E-94F4777ED711}&quot;/&gt;&lt;isInvalidForFieldText val=&quot;0&quot;/&gt;&lt;Image&gt;&lt;filename val=&quot;C:\Users\PAMUK\AppData\Local\Temp\PR\data\asimages\{2EA440EB-1484-4661-815E-94F4777ED711}_2.png&quot;/&gt;&lt;left val=&quot;16&quot;/&gt;&lt;top val=&quot;101&quot;/&gt;&lt;width val=&quot;696&quot;/&gt;&lt;height val=&quot;446&quot;/&gt;&lt;hasText val=&quot;1&quot;/&gt;&lt;/Image&gt;&lt;/ThreeDShapeInfo&gt;"/>
+</p:tagLst>
+</file>
+
+<file path=ppt/tags/tag214.xml><?xml version="1.0" encoding="utf-8"?>
+<p:tagLst xmlns:a="http://schemas.openxmlformats.org/drawingml/2006/main" xmlns:r="http://schemas.openxmlformats.org/officeDocument/2006/relationships" xmlns:p="http://schemas.openxmlformats.org/presentationml/2006/main">
+  <p:tag name="PRESENTER_SHAPETEXTINFO" val="&lt;ShapeTextInfo&gt;&lt;TableIndex row=&quot;-1&quot; col=&quot;-1&quot;&gt;&lt;linesCount val=&quot;1&quot;/&gt;&lt;lineCharCount val=&quot;65&quot;/&gt;&lt;/TableIndex&gt;&lt;/ShapeTextInfo&gt;"/>
+</p:tagLst>
+</file>
+
+<file path=ppt/tags/tag215.xml><?xml version="1.0" encoding="utf-8"?>
+<p:tagLst xmlns:a="http://schemas.openxmlformats.org/drawingml/2006/main" xmlns:r="http://schemas.openxmlformats.org/officeDocument/2006/relationships" xmlns:p="http://schemas.openxmlformats.org/presentationml/2006/main">
+  <p:tag name="PRESENTER_SHAPETEXTINFO" val="&lt;ShapeTextInfo&gt;&lt;TableIndex row=&quot;-1&quot; col=&quot;-1&quot;&gt;&lt;linesCount val=&quot;1&quot;/&gt;&lt;lineCharCount val=&quot;1&quot;/&gt;&lt;/TableIndex&gt;&lt;/ShapeTextInfo&gt;"/>
+</p:tagLst>
+</file>
+
+<file path=ppt/tags/tag216.xml><?xml version="1.0" encoding="utf-8"?>
+<p:tagLst xmlns:a="http://schemas.openxmlformats.org/drawingml/2006/main" xmlns:r="http://schemas.openxmlformats.org/officeDocument/2006/relationships" xmlns:p="http://schemas.openxmlformats.org/presentationml/2006/main">
+  <p:tag name="PRESENTER_SHAPETEXTINFO" val="&lt;ShapeTextInfo&gt;&lt;TableIndex row=&quot;-1&quot; col=&quot;-1&quot;&gt;&lt;linesCount val=&quot;9&quot;/&gt;&lt;lineCharCount val=&quot;15&quot;/&gt;&lt;lineCharCount val=&quot;73&quot;/&gt;&lt;lineCharCount val=&quot;76&quot;/&gt;&lt;lineCharCount val=&quot;69&quot;/&gt;&lt;lineCharCount val=&quot;14&quot;/&gt;&lt;lineCharCount val=&quot;79&quot;/&gt;&lt;lineCharCount val=&quot;72&quot;/&gt;&lt;lineCharCount val=&quot;70&quot;/&gt;&lt;lineCharCount val=&quot;11&quot;/&gt;&lt;/TableIndex&gt;&lt;/ShapeTextInfo&gt;"/>
+  <p:tag name="PRESENTER_SHAPEINFO" val="&lt;ThreeDShapeInfo&gt;&lt;uuid val=&quot;{2EA440EB-1484-4661-815E-94F4777ED711}&quot;/&gt;&lt;isInvalidForFieldText val=&quot;0&quot;/&gt;&lt;Image&gt;&lt;filename val=&quot;C:\Users\PAMUK\AppData\Local\Temp\PR\data\asimages\{2EA440EB-1484-4661-815E-94F4777ED711}_2.png&quot;/&gt;&lt;left val=&quot;16&quot;/&gt;&lt;top val=&quot;101&quot;/&gt;&lt;width val=&quot;696&quot;/&gt;&lt;height val=&quot;446&quot;/&gt;&lt;hasText val=&quot;1&quot;/&gt;&lt;/Image&gt;&lt;/ThreeDShapeInfo&gt;"/>
+</p:tagLst>
+</file>
+
+<file path=ppt/tags/tag217.xml><?xml version="1.0" encoding="utf-8"?>
+<p:tagLst xmlns:a="http://schemas.openxmlformats.org/drawingml/2006/main" xmlns:r="http://schemas.openxmlformats.org/officeDocument/2006/relationships" xmlns:p="http://schemas.openxmlformats.org/presentationml/2006/main">
+  <p:tag name="PRESENTER_SHAPETEXTINFO" val="&lt;ShapeTextInfo&gt;&lt;TableIndex row=&quot;-1&quot; col=&quot;-1&quot;&gt;&lt;linesCount val=&quot;1&quot;/&gt;&lt;lineCharCount val=&quot;65&quot;/&gt;&lt;/TableIndex&gt;&lt;/ShapeTextInfo&gt;"/>
+</p:tagLst>
+</file>
+
+<file path=ppt/tags/tag218.xml><?xml version="1.0" encoding="utf-8"?>
+<p:tagLst xmlns:a="http://schemas.openxmlformats.org/drawingml/2006/main" xmlns:r="http://schemas.openxmlformats.org/officeDocument/2006/relationships" xmlns:p="http://schemas.openxmlformats.org/presentationml/2006/main">
+  <p:tag name="PRESENTER_SHAPETEXTINFO" val="&lt;ShapeTextInfo&gt;&lt;TableIndex row=&quot;-1&quot; col=&quot;-1&quot;&gt;&lt;linesCount val=&quot;1&quot;/&gt;&lt;lineCharCount val=&quot;1&quot;/&gt;&lt;/TableIndex&gt;&lt;/ShapeTextInfo&gt;"/>
+</p:tagLst>
+</file>
+
+<file path=ppt/tags/tag219.xml><?xml version="1.0" encoding="utf-8"?>
+<p:tagLst xmlns:a="http://schemas.openxmlformats.org/drawingml/2006/main" xmlns:r="http://schemas.openxmlformats.org/officeDocument/2006/relationships" xmlns:p="http://schemas.openxmlformats.org/presentationml/2006/main">
+  <p:tag name="PRESENTER_SHAPETEXTINFO" val="&lt;ShapeTextInfo&gt;&lt;TableIndex row=&quot;-1&quot; col=&quot;-1&quot;&gt;&lt;linesCount val=&quot;9&quot;/&gt;&lt;lineCharCount val=&quot;15&quot;/&gt;&lt;lineCharCount val=&quot;73&quot;/&gt;&lt;lineCharCount val=&quot;76&quot;/&gt;&lt;lineCharCount val=&quot;69&quot;/&gt;&lt;lineCharCount val=&quot;14&quot;/&gt;&lt;lineCharCount val=&quot;79&quot;/&gt;&lt;lineCharCount val=&quot;72&quot;/&gt;&lt;lineCharCount val=&quot;70&quot;/&gt;&lt;lineCharCount val=&quot;11&quot;/&gt;&lt;/TableIndex&gt;&lt;/ShapeTextInfo&gt;"/>
+  <p:tag name="PRESENTER_SHAPEINFO" val="&lt;ThreeDShapeInfo&gt;&lt;uuid val=&quot;{2EA440EB-1484-4661-815E-94F4777ED711}&quot;/&gt;&lt;isInvalidForFieldText val=&quot;0&quot;/&gt;&lt;Image&gt;&lt;filename val=&quot;C:\Users\PAMUK\AppData\Local\Temp\PR\data\asimages\{2EA440EB-1484-4661-815E-94F4777ED711}_2.png&quot;/&gt;&lt;left val=&quot;16&quot;/&gt;&lt;top val=&quot;101&quot;/&gt;&lt;width val=&quot;696&quot;/&gt;&lt;height val=&quot;446&quot;/&gt;&lt;hasText val=&quot;1&quot;/&gt;&lt;/Image&gt;&lt;/ThreeDShapeInfo&gt;"/>
+</p:tagLst>
+</file>
+
 <file path=ppt/tags/tag22.xml><?xml version="1.0" encoding="utf-8"?>
 <p:tagLst xmlns:a="http://schemas.openxmlformats.org/drawingml/2006/main" xmlns:r="http://schemas.openxmlformats.org/officeDocument/2006/relationships" xmlns:p="http://schemas.openxmlformats.org/presentationml/2006/main">
   <p:tag name="PRESENTER_SHAPETEXTINFO" val="&lt;ShapeTextInfo&gt;&lt;TableIndex row=&quot;-1&quot; col=&quot;-1&quot;&gt;&lt;linesCount val=&quot;1&quot;/&gt;&lt;lineCharCount val=&quot;56&quot;/&gt;&lt;/TableIndex&gt;&lt;/ShapeTextInfo&gt;"/>
   <p:tag name="PRESENTER_SHAPEINFO" val="&lt;ThreeDShapeInfo&gt;&lt;uuid val=&quot;{949353B8-5C7B-41F5-A252-EA0B660D1199}&quot;/&gt;&lt;isInvalidForFieldText val=&quot;0&quot;/&gt;&lt;Image&gt;&lt;filename val=&quot;C:\Users\PAMUK\AppData\Local\Temp\PR\data\asimages\{949353B8-5C7B-41F5-A252-EA0B660D1199}_2.png&quot;/&gt;&lt;left val=&quot;3&quot;/&gt;&lt;top val=&quot;-9&quot;/&gt;&lt;width val=&quot;723&quot;/&gt;&lt;height val=&quot;167&quot;/&gt;&lt;hasText val=&quot;1&quot;/&gt;&lt;/Image&gt;&lt;/ThreeDShapeInfo&gt;"/>
+</p:tagLst>
+</file>
+
+<file path=ppt/tags/tag220.xml><?xml version="1.0" encoding="utf-8"?>
+<p:tagLst xmlns:a="http://schemas.openxmlformats.org/drawingml/2006/main" xmlns:r="http://schemas.openxmlformats.org/officeDocument/2006/relationships" xmlns:p="http://schemas.openxmlformats.org/presentationml/2006/main">
+  <p:tag name="PRESENTER_SHAPETEXTINFO" val="&lt;ShapeTextInfo&gt;&lt;TableIndex row=&quot;-1&quot; col=&quot;-1&quot;&gt;&lt;linesCount val=&quot;1&quot;/&gt;&lt;lineCharCount val=&quot;65&quot;/&gt;&lt;/TableIndex&gt;&lt;/ShapeTextInfo&gt;"/>
+</p:tagLst>
+</file>
+
+<file path=ppt/tags/tag221.xml><?xml version="1.0" encoding="utf-8"?>
+<p:tagLst xmlns:a="http://schemas.openxmlformats.org/drawingml/2006/main" xmlns:r="http://schemas.openxmlformats.org/officeDocument/2006/relationships" xmlns:p="http://schemas.openxmlformats.org/presentationml/2006/main">
+  <p:tag name="PRESENTER_SHAPETEXTINFO" val="&lt;ShapeTextInfo&gt;&lt;TableIndex row=&quot;-1&quot; col=&quot;-1&quot;&gt;&lt;linesCount val=&quot;1&quot;/&gt;&lt;lineCharCount val=&quot;1&quot;/&gt;&lt;/TableIndex&gt;&lt;/ShapeTextInfo&gt;"/>
+</p:tagLst>
+</file>
+
+<file path=ppt/tags/tag222.xml><?xml version="1.0" encoding="utf-8"?>
+<p:tagLst xmlns:a="http://schemas.openxmlformats.org/drawingml/2006/main" xmlns:r="http://schemas.openxmlformats.org/officeDocument/2006/relationships" xmlns:p="http://schemas.openxmlformats.org/presentationml/2006/main">
+  <p:tag name="PRESENTER_SHAPETEXTINFO" val="&lt;ShapeTextInfo&gt;&lt;TableIndex row=&quot;-1&quot; col=&quot;-1&quot;&gt;&lt;linesCount val=&quot;9&quot;/&gt;&lt;lineCharCount val=&quot;15&quot;/&gt;&lt;lineCharCount val=&quot;73&quot;/&gt;&lt;lineCharCount val=&quot;76&quot;/&gt;&lt;lineCharCount val=&quot;69&quot;/&gt;&lt;lineCharCount val=&quot;14&quot;/&gt;&lt;lineCharCount val=&quot;79&quot;/&gt;&lt;lineCharCount val=&quot;72&quot;/&gt;&lt;lineCharCount val=&quot;70&quot;/&gt;&lt;lineCharCount val=&quot;11&quot;/&gt;&lt;/TableIndex&gt;&lt;/ShapeTextInfo&gt;"/>
+  <p:tag name="PRESENTER_SHAPEINFO" val="&lt;ThreeDShapeInfo&gt;&lt;uuid val=&quot;{2EA440EB-1484-4661-815E-94F4777ED711}&quot;/&gt;&lt;isInvalidForFieldText val=&quot;0&quot;/&gt;&lt;Image&gt;&lt;filename val=&quot;C:\Users\PAMUK\AppData\Local\Temp\PR\data\asimages\{2EA440EB-1484-4661-815E-94F4777ED711}_2.png&quot;/&gt;&lt;left val=&quot;16&quot;/&gt;&lt;top val=&quot;101&quot;/&gt;&lt;width val=&quot;696&quot;/&gt;&lt;height val=&quot;446&quot;/&gt;&lt;hasText val=&quot;1&quot;/&gt;&lt;/Image&gt;&lt;/ThreeDShapeInfo&gt;"/>
+</p:tagLst>
+</file>
+
+<file path=ppt/tags/tag223.xml><?xml version="1.0" encoding="utf-8"?>
+<p:tagLst xmlns:a="http://schemas.openxmlformats.org/drawingml/2006/main" xmlns:r="http://schemas.openxmlformats.org/officeDocument/2006/relationships" xmlns:p="http://schemas.openxmlformats.org/presentationml/2006/main">
+  <p:tag name="PRESENTER_SHAPETEXTINFO" val="&lt;ShapeTextInfo&gt;&lt;TableIndex row=&quot;-1&quot; col=&quot;-1&quot;&gt;&lt;linesCount val=&quot;1&quot;/&gt;&lt;lineCharCount val=&quot;65&quot;/&gt;&lt;/TableIndex&gt;&lt;/ShapeTextInfo&gt;"/>
+</p:tagLst>
+</file>
+
+<file path=ppt/tags/tag224.xml><?xml version="1.0" encoding="utf-8"?>
+<p:tagLst xmlns:a="http://schemas.openxmlformats.org/drawingml/2006/main" xmlns:r="http://schemas.openxmlformats.org/officeDocument/2006/relationships" xmlns:p="http://schemas.openxmlformats.org/presentationml/2006/main">
+  <p:tag name="PRESENTER_SHAPETEXTINFO" val="&lt;ShapeTextInfo&gt;&lt;TableIndex row=&quot;-1&quot; col=&quot;-1&quot;&gt;&lt;linesCount val=&quot;1&quot;/&gt;&lt;lineCharCount val=&quot;1&quot;/&gt;&lt;/TableIndex&gt;&lt;/ShapeTextInfo&gt;"/>
+</p:tagLst>
+</file>
+
+<file path=ppt/tags/tag225.xml><?xml version="1.0" encoding="utf-8"?>
+<p:tagLst xmlns:a="http://schemas.openxmlformats.org/drawingml/2006/main" xmlns:r="http://schemas.openxmlformats.org/officeDocument/2006/relationships" xmlns:p="http://schemas.openxmlformats.org/presentationml/2006/main">
+  <p:tag name="PRESENTER_SHAPETEXTINFO" val="&lt;ShapeTextInfo&gt;&lt;TableIndex row=&quot;-1&quot; col=&quot;-1&quot;&gt;&lt;linesCount val=&quot;9&quot;/&gt;&lt;lineCharCount val=&quot;15&quot;/&gt;&lt;lineCharCount val=&quot;73&quot;/&gt;&lt;lineCharCount val=&quot;76&quot;/&gt;&lt;lineCharCount val=&quot;69&quot;/&gt;&lt;lineCharCount val=&quot;14&quot;/&gt;&lt;lineCharCount val=&quot;79&quot;/&gt;&lt;lineCharCount val=&quot;72&quot;/&gt;&lt;lineCharCount val=&quot;70&quot;/&gt;&lt;lineCharCount val=&quot;11&quot;/&gt;&lt;/TableIndex&gt;&lt;/ShapeTextInfo&gt;"/>
+  <p:tag name="PRESENTER_SHAPEINFO" val="&lt;ThreeDShapeInfo&gt;&lt;uuid val=&quot;{2EA440EB-1484-4661-815E-94F4777ED711}&quot;/&gt;&lt;isInvalidForFieldText val=&quot;0&quot;/&gt;&lt;Image&gt;&lt;filename val=&quot;C:\Users\PAMUK\AppData\Local\Temp\PR\data\asimages\{2EA440EB-1484-4661-815E-94F4777ED711}_2.png&quot;/&gt;&lt;left val=&quot;16&quot;/&gt;&lt;top val=&quot;101&quot;/&gt;&lt;width val=&quot;696&quot;/&gt;&lt;height val=&quot;446&quot;/&gt;&lt;hasText val=&quot;1&quot;/&gt;&lt;/Image&gt;&lt;/ThreeDShapeInfo&gt;"/>
+</p:tagLst>
+</file>
+
+<file path=ppt/tags/tag226.xml><?xml version="1.0" encoding="utf-8"?>
+<p:tagLst xmlns:a="http://schemas.openxmlformats.org/drawingml/2006/main" xmlns:r="http://schemas.openxmlformats.org/officeDocument/2006/relationships" xmlns:p="http://schemas.openxmlformats.org/presentationml/2006/main">
+  <p:tag name="PRESENTER_SHAPETEXTINFO" val="&lt;ShapeTextInfo&gt;&lt;TableIndex row=&quot;-1&quot; col=&quot;-1&quot;&gt;&lt;linesCount val=&quot;1&quot;/&gt;&lt;lineCharCount val=&quot;65&quot;/&gt;&lt;/TableIndex&gt;&lt;/ShapeTextInfo&gt;"/>
+</p:tagLst>
+</file>
+
+<file path=ppt/tags/tag227.xml><?xml version="1.0" encoding="utf-8"?>
+<p:tagLst xmlns:a="http://schemas.openxmlformats.org/drawingml/2006/main" xmlns:r="http://schemas.openxmlformats.org/officeDocument/2006/relationships" xmlns:p="http://schemas.openxmlformats.org/presentationml/2006/main">
+  <p:tag name="PRESENTER_SHAPETEXTINFO" val="&lt;ShapeTextInfo&gt;&lt;TableIndex row=&quot;-1&quot; col=&quot;-1&quot;&gt;&lt;linesCount val=&quot;1&quot;/&gt;&lt;lineCharCount val=&quot;1&quot;/&gt;&lt;/TableIndex&gt;&lt;/ShapeTextInfo&gt;"/>
+</p:tagLst>
+</file>
+
+<file path=ppt/tags/tag228.xml><?xml version="1.0" encoding="utf-8"?>
+<p:tagLst xmlns:a="http://schemas.openxmlformats.org/drawingml/2006/main" xmlns:r="http://schemas.openxmlformats.org/officeDocument/2006/relationships" xmlns:p="http://schemas.openxmlformats.org/presentationml/2006/main">
+  <p:tag name="PRESENTER_SHAPETEXTINFO" val="&lt;ShapeTextInfo&gt;&lt;TableIndex row=&quot;-1&quot; col=&quot;-1&quot;&gt;&lt;linesCount val=&quot;9&quot;/&gt;&lt;lineCharCount val=&quot;15&quot;/&gt;&lt;lineCharCount val=&quot;73&quot;/&gt;&lt;lineCharCount val=&quot;76&quot;/&gt;&lt;lineCharCount val=&quot;69&quot;/&gt;&lt;lineCharCount val=&quot;14&quot;/&gt;&lt;lineCharCount val=&quot;79&quot;/&gt;&lt;lineCharCount val=&quot;72&quot;/&gt;&lt;lineCharCount val=&quot;70&quot;/&gt;&lt;lineCharCount val=&quot;11&quot;/&gt;&lt;/TableIndex&gt;&lt;/ShapeTextInfo&gt;"/>
+  <p:tag name="PRESENTER_SHAPEINFO" val="&lt;ThreeDShapeInfo&gt;&lt;uuid val=&quot;{2EA440EB-1484-4661-815E-94F4777ED711}&quot;/&gt;&lt;isInvalidForFieldText val=&quot;0&quot;/&gt;&lt;Image&gt;&lt;filename val=&quot;C:\Users\PAMUK\AppData\Local\Temp\PR\data\asimages\{2EA440EB-1484-4661-815E-94F4777ED711}_2.png&quot;/&gt;&lt;left val=&quot;16&quot;/&gt;&lt;top val=&quot;101&quot;/&gt;&lt;width val=&quot;696&quot;/&gt;&lt;height val=&quot;446&quot;/&gt;&lt;hasText val=&quot;1&quot;/&gt;&lt;/Image&gt;&lt;/ThreeDShapeInfo&gt;"/>
+</p:tagLst>
+</file>
+
+<file path=ppt/tags/tag229.xml><?xml version="1.0" encoding="utf-8"?>
+<p:tagLst xmlns:a="http://schemas.openxmlformats.org/drawingml/2006/main" xmlns:r="http://schemas.openxmlformats.org/officeDocument/2006/relationships" xmlns:p="http://schemas.openxmlformats.org/presentationml/2006/main">
+  <p:tag name="PRESENTER_SHAPETEXTINFO" val="&lt;ShapeTextInfo&gt;&lt;TableIndex row=&quot;-1&quot; col=&quot;-1&quot;&gt;&lt;linesCount val=&quot;1&quot;/&gt;&lt;lineCharCount val=&quot;65&quot;/&gt;&lt;/TableIndex&gt;&lt;/ShapeTextInfo&gt;"/>
 </p:tagLst>
 </file>
 
@@ -44002,13 +50433,159 @@
 </p:tagLst>
 </file>
 
+<file path=ppt/tags/tag230.xml><?xml version="1.0" encoding="utf-8"?>
+<p:tagLst xmlns:a="http://schemas.openxmlformats.org/drawingml/2006/main" xmlns:r="http://schemas.openxmlformats.org/officeDocument/2006/relationships" xmlns:p="http://schemas.openxmlformats.org/presentationml/2006/main">
+  <p:tag name="PRESENTER_SHAPETEXTINFO" val="&lt;ShapeTextInfo&gt;&lt;TableIndex row=&quot;-1&quot; col=&quot;-1&quot;&gt;&lt;linesCount val=&quot;1&quot;/&gt;&lt;lineCharCount val=&quot;1&quot;/&gt;&lt;/TableIndex&gt;&lt;/ShapeTextInfo&gt;"/>
+</p:tagLst>
+</file>
+
+<file path=ppt/tags/tag231.xml><?xml version="1.0" encoding="utf-8"?>
+<p:tagLst xmlns:a="http://schemas.openxmlformats.org/drawingml/2006/main" xmlns:r="http://schemas.openxmlformats.org/officeDocument/2006/relationships" xmlns:p="http://schemas.openxmlformats.org/presentationml/2006/main">
+  <p:tag name="PRESENTER_SHAPETEXTINFO" val="&lt;ShapeTextInfo&gt;&lt;TableIndex row=&quot;-1&quot; col=&quot;-1&quot;&gt;&lt;linesCount val=&quot;9&quot;/&gt;&lt;lineCharCount val=&quot;15&quot;/&gt;&lt;lineCharCount val=&quot;73&quot;/&gt;&lt;lineCharCount val=&quot;76&quot;/&gt;&lt;lineCharCount val=&quot;69&quot;/&gt;&lt;lineCharCount val=&quot;14&quot;/&gt;&lt;lineCharCount val=&quot;79&quot;/&gt;&lt;lineCharCount val=&quot;72&quot;/&gt;&lt;lineCharCount val=&quot;70&quot;/&gt;&lt;lineCharCount val=&quot;11&quot;/&gt;&lt;/TableIndex&gt;&lt;/ShapeTextInfo&gt;"/>
+  <p:tag name="PRESENTER_SHAPEINFO" val="&lt;ThreeDShapeInfo&gt;&lt;uuid val=&quot;{2EA440EB-1484-4661-815E-94F4777ED711}&quot;/&gt;&lt;isInvalidForFieldText val=&quot;0&quot;/&gt;&lt;Image&gt;&lt;filename val=&quot;C:\Users\PAMUK\AppData\Local\Temp\PR\data\asimages\{2EA440EB-1484-4661-815E-94F4777ED711}_2.png&quot;/&gt;&lt;left val=&quot;16&quot;/&gt;&lt;top val=&quot;101&quot;/&gt;&lt;width val=&quot;696&quot;/&gt;&lt;height val=&quot;446&quot;/&gt;&lt;hasText val=&quot;1&quot;/&gt;&lt;/Image&gt;&lt;/ThreeDShapeInfo&gt;"/>
+</p:tagLst>
+</file>
+
+<file path=ppt/tags/tag232.xml><?xml version="1.0" encoding="utf-8"?>
+<p:tagLst xmlns:a="http://schemas.openxmlformats.org/drawingml/2006/main" xmlns:r="http://schemas.openxmlformats.org/officeDocument/2006/relationships" xmlns:p="http://schemas.openxmlformats.org/presentationml/2006/main">
+  <p:tag name="PRESENTER_SHAPETEXTINFO" val="&lt;ShapeTextInfo&gt;&lt;TableIndex row=&quot;-1&quot; col=&quot;-1&quot;&gt;&lt;linesCount val=&quot;1&quot;/&gt;&lt;lineCharCount val=&quot;65&quot;/&gt;&lt;/TableIndex&gt;&lt;/ShapeTextInfo&gt;"/>
+</p:tagLst>
+</file>
+
+<file path=ppt/tags/tag233.xml><?xml version="1.0" encoding="utf-8"?>
+<p:tagLst xmlns:a="http://schemas.openxmlformats.org/drawingml/2006/main" xmlns:r="http://schemas.openxmlformats.org/officeDocument/2006/relationships" xmlns:p="http://schemas.openxmlformats.org/presentationml/2006/main">
+  <p:tag name="PRESENTER_SHAPETEXTINFO" val="&lt;ShapeTextInfo&gt;&lt;TableIndex row=&quot;-1&quot; col=&quot;-1&quot;&gt;&lt;linesCount val=&quot;1&quot;/&gt;&lt;lineCharCount val=&quot;1&quot;/&gt;&lt;/TableIndex&gt;&lt;/ShapeTextInfo&gt;"/>
+</p:tagLst>
+</file>
+
+<file path=ppt/tags/tag234.xml><?xml version="1.0" encoding="utf-8"?>
+<p:tagLst xmlns:a="http://schemas.openxmlformats.org/drawingml/2006/main" xmlns:r="http://schemas.openxmlformats.org/officeDocument/2006/relationships" xmlns:p="http://schemas.openxmlformats.org/presentationml/2006/main">
+  <p:tag name="PRESENTER_SHAPETEXTINFO" val="&lt;ShapeTextInfo&gt;&lt;TableIndex row=&quot;-1&quot; col=&quot;-1&quot;&gt;&lt;linesCount val=&quot;9&quot;/&gt;&lt;lineCharCount val=&quot;15&quot;/&gt;&lt;lineCharCount val=&quot;73&quot;/&gt;&lt;lineCharCount val=&quot;76&quot;/&gt;&lt;lineCharCount val=&quot;69&quot;/&gt;&lt;lineCharCount val=&quot;14&quot;/&gt;&lt;lineCharCount val=&quot;79&quot;/&gt;&lt;lineCharCount val=&quot;72&quot;/&gt;&lt;lineCharCount val=&quot;70&quot;/&gt;&lt;lineCharCount val=&quot;11&quot;/&gt;&lt;/TableIndex&gt;&lt;/ShapeTextInfo&gt;"/>
+  <p:tag name="PRESENTER_SHAPEINFO" val="&lt;ThreeDShapeInfo&gt;&lt;uuid val=&quot;{2EA440EB-1484-4661-815E-94F4777ED711}&quot;/&gt;&lt;isInvalidForFieldText val=&quot;0&quot;/&gt;&lt;Image&gt;&lt;filename val=&quot;C:\Users\PAMUK\AppData\Local\Temp\PR\data\asimages\{2EA440EB-1484-4661-815E-94F4777ED711}_2.png&quot;/&gt;&lt;left val=&quot;16&quot;/&gt;&lt;top val=&quot;101&quot;/&gt;&lt;width val=&quot;696&quot;/&gt;&lt;height val=&quot;446&quot;/&gt;&lt;hasText val=&quot;1&quot;/&gt;&lt;/Image&gt;&lt;/ThreeDShapeInfo&gt;"/>
+</p:tagLst>
+</file>
+
+<file path=ppt/tags/tag235.xml><?xml version="1.0" encoding="utf-8"?>
+<p:tagLst xmlns:a="http://schemas.openxmlformats.org/drawingml/2006/main" xmlns:r="http://schemas.openxmlformats.org/officeDocument/2006/relationships" xmlns:p="http://schemas.openxmlformats.org/presentationml/2006/main">
+  <p:tag name="PRESENTER_SHAPETEXTINFO" val="&lt;ShapeTextInfo&gt;&lt;TableIndex row=&quot;-1&quot; col=&quot;-1&quot;&gt;&lt;linesCount val=&quot;1&quot;/&gt;&lt;lineCharCount val=&quot;65&quot;/&gt;&lt;/TableIndex&gt;&lt;/ShapeTextInfo&gt;"/>
+</p:tagLst>
+</file>
+
+<file path=ppt/tags/tag236.xml><?xml version="1.0" encoding="utf-8"?>
+<p:tagLst xmlns:a="http://schemas.openxmlformats.org/drawingml/2006/main" xmlns:r="http://schemas.openxmlformats.org/officeDocument/2006/relationships" xmlns:p="http://schemas.openxmlformats.org/presentationml/2006/main">
+  <p:tag name="PRESENTER_SHAPETEXTINFO" val="&lt;ShapeTextInfo&gt;&lt;TableIndex row=&quot;-1&quot; col=&quot;-1&quot;&gt;&lt;linesCount val=&quot;1&quot;/&gt;&lt;lineCharCount val=&quot;1&quot;/&gt;&lt;/TableIndex&gt;&lt;/ShapeTextInfo&gt;"/>
+</p:tagLst>
+</file>
+
+<file path=ppt/tags/tag237.xml><?xml version="1.0" encoding="utf-8"?>
+<p:tagLst xmlns:a="http://schemas.openxmlformats.org/drawingml/2006/main" xmlns:r="http://schemas.openxmlformats.org/officeDocument/2006/relationships" xmlns:p="http://schemas.openxmlformats.org/presentationml/2006/main">
+  <p:tag name="PRESENTER_SHAPETEXTINFO" val="&lt;ShapeTextInfo&gt;&lt;TableIndex row=&quot;-1&quot; col=&quot;-1&quot;&gt;&lt;linesCount val=&quot;9&quot;/&gt;&lt;lineCharCount val=&quot;15&quot;/&gt;&lt;lineCharCount val=&quot;73&quot;/&gt;&lt;lineCharCount val=&quot;76&quot;/&gt;&lt;lineCharCount val=&quot;69&quot;/&gt;&lt;lineCharCount val=&quot;14&quot;/&gt;&lt;lineCharCount val=&quot;79&quot;/&gt;&lt;lineCharCount val=&quot;72&quot;/&gt;&lt;lineCharCount val=&quot;70&quot;/&gt;&lt;lineCharCount val=&quot;11&quot;/&gt;&lt;/TableIndex&gt;&lt;/ShapeTextInfo&gt;"/>
+  <p:tag name="PRESENTER_SHAPEINFO" val="&lt;ThreeDShapeInfo&gt;&lt;uuid val=&quot;{2EA440EB-1484-4661-815E-94F4777ED711}&quot;/&gt;&lt;isInvalidForFieldText val=&quot;0&quot;/&gt;&lt;Image&gt;&lt;filename val=&quot;C:\Users\PAMUK\AppData\Local\Temp\PR\data\asimages\{2EA440EB-1484-4661-815E-94F4777ED711}_2.png&quot;/&gt;&lt;left val=&quot;16&quot;/&gt;&lt;top val=&quot;101&quot;/&gt;&lt;width val=&quot;696&quot;/&gt;&lt;height val=&quot;446&quot;/&gt;&lt;hasText val=&quot;1&quot;/&gt;&lt;/Image&gt;&lt;/ThreeDShapeInfo&gt;"/>
+</p:tagLst>
+</file>
+
+<file path=ppt/tags/tag238.xml><?xml version="1.0" encoding="utf-8"?>
+<p:tagLst xmlns:a="http://schemas.openxmlformats.org/drawingml/2006/main" xmlns:r="http://schemas.openxmlformats.org/officeDocument/2006/relationships" xmlns:p="http://schemas.openxmlformats.org/presentationml/2006/main">
+  <p:tag name="PRESENTER_SHAPETEXTINFO" val="&lt;ShapeTextInfo&gt;&lt;TableIndex row=&quot;-1&quot; col=&quot;-1&quot;&gt;&lt;linesCount val=&quot;1&quot;/&gt;&lt;lineCharCount val=&quot;65&quot;/&gt;&lt;/TableIndex&gt;&lt;/ShapeTextInfo&gt;"/>
+</p:tagLst>
+</file>
+
+<file path=ppt/tags/tag239.xml><?xml version="1.0" encoding="utf-8"?>
+<p:tagLst xmlns:a="http://schemas.openxmlformats.org/drawingml/2006/main" xmlns:r="http://schemas.openxmlformats.org/officeDocument/2006/relationships" xmlns:p="http://schemas.openxmlformats.org/presentationml/2006/main">
+  <p:tag name="PRESENTER_SHAPETEXTINFO" val="&lt;ShapeTextInfo&gt;&lt;TableIndex row=&quot;-1&quot; col=&quot;-1&quot;&gt;&lt;linesCount val=&quot;1&quot;/&gt;&lt;lineCharCount val=&quot;1&quot;/&gt;&lt;/TableIndex&gt;&lt;/ShapeTextInfo&gt;"/>
+</p:tagLst>
+</file>
+
 <file path=ppt/tags/tag24.xml><?xml version="1.0" encoding="utf-8"?>
 <p:tagLst xmlns:a="http://schemas.openxmlformats.org/drawingml/2006/main" xmlns:r="http://schemas.openxmlformats.org/officeDocument/2006/relationships" xmlns:p="http://schemas.openxmlformats.org/presentationml/2006/main">
   <p:tag name="PRESENTER_SHAPETEXTINFO" val="&lt;ShapeTextInfo&gt;&lt;TableIndex row=&quot;-1&quot; col=&quot;-1&quot;&gt;&lt;linesCount val=&quot;1&quot;/&gt;&lt;lineCharCount val=&quot;65&quot;/&gt;&lt;/TableIndex&gt;&lt;/ShapeTextInfo&gt;"/>
 </p:tagLst>
 </file>
 
+<file path=ppt/tags/tag240.xml><?xml version="1.0" encoding="utf-8"?>
+<p:tagLst xmlns:a="http://schemas.openxmlformats.org/drawingml/2006/main" xmlns:r="http://schemas.openxmlformats.org/officeDocument/2006/relationships" xmlns:p="http://schemas.openxmlformats.org/presentationml/2006/main">
+  <p:tag name="PRESENTER_SHAPETEXTINFO" val="&lt;ShapeTextInfo&gt;&lt;TableIndex row=&quot;-1&quot; col=&quot;-1&quot;&gt;&lt;linesCount val=&quot;9&quot;/&gt;&lt;lineCharCount val=&quot;15&quot;/&gt;&lt;lineCharCount val=&quot;73&quot;/&gt;&lt;lineCharCount val=&quot;76&quot;/&gt;&lt;lineCharCount val=&quot;69&quot;/&gt;&lt;lineCharCount val=&quot;14&quot;/&gt;&lt;lineCharCount val=&quot;79&quot;/&gt;&lt;lineCharCount val=&quot;72&quot;/&gt;&lt;lineCharCount val=&quot;70&quot;/&gt;&lt;lineCharCount val=&quot;11&quot;/&gt;&lt;/TableIndex&gt;&lt;/ShapeTextInfo&gt;"/>
+  <p:tag name="PRESENTER_SHAPEINFO" val="&lt;ThreeDShapeInfo&gt;&lt;uuid val=&quot;{2EA440EB-1484-4661-815E-94F4777ED711}&quot;/&gt;&lt;isInvalidForFieldText val=&quot;0&quot;/&gt;&lt;Image&gt;&lt;filename val=&quot;C:\Users\PAMUK\AppData\Local\Temp\PR\data\asimages\{2EA440EB-1484-4661-815E-94F4777ED711}_2.png&quot;/&gt;&lt;left val=&quot;16&quot;/&gt;&lt;top val=&quot;101&quot;/&gt;&lt;width val=&quot;696&quot;/&gt;&lt;height val=&quot;446&quot;/&gt;&lt;hasText val=&quot;1&quot;/&gt;&lt;/Image&gt;&lt;/ThreeDShapeInfo&gt;"/>
+</p:tagLst>
+</file>
+
+<file path=ppt/tags/tag241.xml><?xml version="1.0" encoding="utf-8"?>
+<p:tagLst xmlns:a="http://schemas.openxmlformats.org/drawingml/2006/main" xmlns:r="http://schemas.openxmlformats.org/officeDocument/2006/relationships" xmlns:p="http://schemas.openxmlformats.org/presentationml/2006/main">
+  <p:tag name="PRESENTER_SHAPETEXTINFO" val="&lt;ShapeTextInfo&gt;&lt;TableIndex row=&quot;-1&quot; col=&quot;-1&quot;&gt;&lt;linesCount val=&quot;1&quot;/&gt;&lt;lineCharCount val=&quot;65&quot;/&gt;&lt;/TableIndex&gt;&lt;/ShapeTextInfo&gt;"/>
+</p:tagLst>
+</file>
+
+<file path=ppt/tags/tag242.xml><?xml version="1.0" encoding="utf-8"?>
+<p:tagLst xmlns:a="http://schemas.openxmlformats.org/drawingml/2006/main" xmlns:r="http://schemas.openxmlformats.org/officeDocument/2006/relationships" xmlns:p="http://schemas.openxmlformats.org/presentationml/2006/main">
+  <p:tag name="PRESENTER_SHAPETEXTINFO" val="&lt;ShapeTextInfo&gt;&lt;TableIndex row=&quot;-1&quot; col=&quot;-1&quot;&gt;&lt;linesCount val=&quot;1&quot;/&gt;&lt;lineCharCount val=&quot;1&quot;/&gt;&lt;/TableIndex&gt;&lt;/ShapeTextInfo&gt;"/>
+</p:tagLst>
+</file>
+
+<file path=ppt/tags/tag243.xml><?xml version="1.0" encoding="utf-8"?>
+<p:tagLst xmlns:a="http://schemas.openxmlformats.org/drawingml/2006/main" xmlns:r="http://schemas.openxmlformats.org/officeDocument/2006/relationships" xmlns:p="http://schemas.openxmlformats.org/presentationml/2006/main">
+  <p:tag name="PRESENTER_SHAPETEXTINFO" val="&lt;ShapeTextInfo&gt;&lt;TableIndex row=&quot;-1&quot; col=&quot;-1&quot;&gt;&lt;linesCount val=&quot;1&quot;/&gt;&lt;lineCharCount val=&quot;56&quot;/&gt;&lt;/TableIndex&gt;&lt;/ShapeTextInfo&gt;"/>
+  <p:tag name="PRESENTER_SHAPEINFO" val="&lt;ThreeDShapeInfo&gt;&lt;uuid val=&quot;{949353B8-5C7B-41F5-A252-EA0B660D1199}&quot;/&gt;&lt;isInvalidForFieldText val=&quot;0&quot;/&gt;&lt;Image&gt;&lt;filename val=&quot;C:\Users\PAMUK\AppData\Local\Temp\PR\data\asimages\{949353B8-5C7B-41F5-A252-EA0B660D1199}_2.png&quot;/&gt;&lt;left val=&quot;3&quot;/&gt;&lt;top val=&quot;-9&quot;/&gt;&lt;width val=&quot;723&quot;/&gt;&lt;height val=&quot;167&quot;/&gt;&lt;hasText val=&quot;1&quot;/&gt;&lt;/Image&gt;&lt;/ThreeDShapeInfo&gt;"/>
+</p:tagLst>
+</file>
+
+<file path=ppt/tags/tag244.xml><?xml version="1.0" encoding="utf-8"?>
+<p:tagLst xmlns:a="http://schemas.openxmlformats.org/drawingml/2006/main" xmlns:r="http://schemas.openxmlformats.org/officeDocument/2006/relationships" xmlns:p="http://schemas.openxmlformats.org/presentationml/2006/main">
+  <p:tag name="PRESENTER_SHAPETEXTINFO" val="&lt;ShapeTextInfo&gt;&lt;TableIndex row=&quot;-1&quot; col=&quot;-1&quot;&gt;&lt;linesCount val=&quot;9&quot;/&gt;&lt;lineCharCount val=&quot;15&quot;/&gt;&lt;lineCharCount val=&quot;73&quot;/&gt;&lt;lineCharCount val=&quot;76&quot;/&gt;&lt;lineCharCount val=&quot;69&quot;/&gt;&lt;lineCharCount val=&quot;14&quot;/&gt;&lt;lineCharCount val=&quot;79&quot;/&gt;&lt;lineCharCount val=&quot;72&quot;/&gt;&lt;lineCharCount val=&quot;70&quot;/&gt;&lt;lineCharCount val=&quot;11&quot;/&gt;&lt;/TableIndex&gt;&lt;/ShapeTextInfo&gt;"/>
+  <p:tag name="PRESENTER_SHAPEINFO" val="&lt;ThreeDShapeInfo&gt;&lt;uuid val=&quot;{2EA440EB-1484-4661-815E-94F4777ED711}&quot;/&gt;&lt;isInvalidForFieldText val=&quot;0&quot;/&gt;&lt;Image&gt;&lt;filename val=&quot;C:\Users\PAMUK\AppData\Local\Temp\PR\data\asimages\{2EA440EB-1484-4661-815E-94F4777ED711}_2.png&quot;/&gt;&lt;left val=&quot;16&quot;/&gt;&lt;top val=&quot;101&quot;/&gt;&lt;width val=&quot;696&quot;/&gt;&lt;height val=&quot;446&quot;/&gt;&lt;hasText val=&quot;1&quot;/&gt;&lt;/Image&gt;&lt;/ThreeDShapeInfo&gt;"/>
+</p:tagLst>
+</file>
+
+<file path=ppt/tags/tag245.xml><?xml version="1.0" encoding="utf-8"?>
+<p:tagLst xmlns:a="http://schemas.openxmlformats.org/drawingml/2006/main" xmlns:r="http://schemas.openxmlformats.org/officeDocument/2006/relationships" xmlns:p="http://schemas.openxmlformats.org/presentationml/2006/main">
+  <p:tag name="PRESENTER_SHAPETEXTINFO" val="&lt;ShapeTextInfo&gt;&lt;TableIndex row=&quot;-1&quot; col=&quot;-1&quot;&gt;&lt;linesCount val=&quot;1&quot;/&gt;&lt;lineCharCount val=&quot;65&quot;/&gt;&lt;/TableIndex&gt;&lt;/ShapeTextInfo&gt;"/>
+</p:tagLst>
+</file>
+
+<file path=ppt/tags/tag246.xml><?xml version="1.0" encoding="utf-8"?>
+<p:tagLst xmlns:a="http://schemas.openxmlformats.org/drawingml/2006/main" xmlns:r="http://schemas.openxmlformats.org/officeDocument/2006/relationships" xmlns:p="http://schemas.openxmlformats.org/presentationml/2006/main">
+  <p:tag name="PRESENTER_SHAPETEXTINFO" val="&lt;ShapeTextInfo&gt;&lt;TableIndex row=&quot;-1&quot; col=&quot;-1&quot;&gt;&lt;linesCount val=&quot;1&quot;/&gt;&lt;lineCharCount val=&quot;1&quot;/&gt;&lt;/TableIndex&gt;&lt;/ShapeTextInfo&gt;"/>
+</p:tagLst>
+</file>
+
+<file path=ppt/tags/tag247.xml><?xml version="1.0" encoding="utf-8"?>
+<p:tagLst xmlns:a="http://schemas.openxmlformats.org/drawingml/2006/main" xmlns:r="http://schemas.openxmlformats.org/officeDocument/2006/relationships" xmlns:p="http://schemas.openxmlformats.org/presentationml/2006/main">
+  <p:tag name="PRESENTER_SHAPETEXTINFO" val="&lt;ShapeTextInfo&gt;&lt;TableIndex row=&quot;-1&quot; col=&quot;-1&quot;&gt;&lt;linesCount val=&quot;9&quot;/&gt;&lt;lineCharCount val=&quot;15&quot;/&gt;&lt;lineCharCount val=&quot;73&quot;/&gt;&lt;lineCharCount val=&quot;76&quot;/&gt;&lt;lineCharCount val=&quot;69&quot;/&gt;&lt;lineCharCount val=&quot;14&quot;/&gt;&lt;lineCharCount val=&quot;79&quot;/&gt;&lt;lineCharCount val=&quot;72&quot;/&gt;&lt;lineCharCount val=&quot;70&quot;/&gt;&lt;lineCharCount val=&quot;11&quot;/&gt;&lt;/TableIndex&gt;&lt;/ShapeTextInfo&gt;"/>
+  <p:tag name="PRESENTER_SHAPEINFO" val="&lt;ThreeDShapeInfo&gt;&lt;uuid val=&quot;{2EA440EB-1484-4661-815E-94F4777ED711}&quot;/&gt;&lt;isInvalidForFieldText val=&quot;0&quot;/&gt;&lt;Image&gt;&lt;filename val=&quot;C:\Users\PAMUK\AppData\Local\Temp\PR\data\asimages\{2EA440EB-1484-4661-815E-94F4777ED711}_2.png&quot;/&gt;&lt;left val=&quot;16&quot;/&gt;&lt;top val=&quot;101&quot;/&gt;&lt;width val=&quot;696&quot;/&gt;&lt;height val=&quot;446&quot;/&gt;&lt;hasText val=&quot;1&quot;/&gt;&lt;/Image&gt;&lt;/ThreeDShapeInfo&gt;"/>
+</p:tagLst>
+</file>
+
+<file path=ppt/tags/tag248.xml><?xml version="1.0" encoding="utf-8"?>
+<p:tagLst xmlns:a="http://schemas.openxmlformats.org/drawingml/2006/main" xmlns:r="http://schemas.openxmlformats.org/officeDocument/2006/relationships" xmlns:p="http://schemas.openxmlformats.org/presentationml/2006/main">
+  <p:tag name="PRESENTER_SHAPETEXTINFO" val="&lt;ShapeTextInfo&gt;&lt;TableIndex row=&quot;-1&quot; col=&quot;-1&quot;&gt;&lt;linesCount val=&quot;1&quot;/&gt;&lt;lineCharCount val=&quot;65&quot;/&gt;&lt;/TableIndex&gt;&lt;/ShapeTextInfo&gt;"/>
+</p:tagLst>
+</file>
+
+<file path=ppt/tags/tag249.xml><?xml version="1.0" encoding="utf-8"?>
+<p:tagLst xmlns:a="http://schemas.openxmlformats.org/drawingml/2006/main" xmlns:r="http://schemas.openxmlformats.org/officeDocument/2006/relationships" xmlns:p="http://schemas.openxmlformats.org/presentationml/2006/main">
+  <p:tag name="PRESENTER_SHAPETEXTINFO" val="&lt;ShapeTextInfo&gt;&lt;TableIndex row=&quot;-1&quot; col=&quot;-1&quot;&gt;&lt;linesCount val=&quot;1&quot;/&gt;&lt;lineCharCount val=&quot;1&quot;/&gt;&lt;/TableIndex&gt;&lt;/ShapeTextInfo&gt;"/>
+</p:tagLst>
+</file>
+
 <file path=ppt/tags/tag25.xml><?xml version="1.0" encoding="utf-8"?>
+<p:tagLst xmlns:a="http://schemas.openxmlformats.org/drawingml/2006/main" xmlns:r="http://schemas.openxmlformats.org/officeDocument/2006/relationships" xmlns:p="http://schemas.openxmlformats.org/presentationml/2006/main">
+  <p:tag name="PRESENTER_SHAPETEXTINFO" val="&lt;ShapeTextInfo&gt;&lt;TableIndex row=&quot;-1&quot; col=&quot;-1&quot;&gt;&lt;linesCount val=&quot;1&quot;/&gt;&lt;lineCharCount val=&quot;1&quot;/&gt;&lt;/TableIndex&gt;&lt;/ShapeTextInfo&gt;"/>
+</p:tagLst>
+</file>
+
+<file path=ppt/tags/tag250.xml><?xml version="1.0" encoding="utf-8"?>
+<p:tagLst xmlns:a="http://schemas.openxmlformats.org/drawingml/2006/main" xmlns:r="http://schemas.openxmlformats.org/officeDocument/2006/relationships" xmlns:p="http://schemas.openxmlformats.org/presentationml/2006/main">
+  <p:tag name="PRESENTER_SHAPETEXTINFO" val="&lt;ShapeTextInfo&gt;&lt;TableIndex row=&quot;-1&quot; col=&quot;-1&quot;&gt;&lt;linesCount val=&quot;9&quot;/&gt;&lt;lineCharCount val=&quot;15&quot;/&gt;&lt;lineCharCount val=&quot;73&quot;/&gt;&lt;lineCharCount val=&quot;76&quot;/&gt;&lt;lineCharCount val=&quot;69&quot;/&gt;&lt;lineCharCount val=&quot;14&quot;/&gt;&lt;lineCharCount val=&quot;79&quot;/&gt;&lt;lineCharCount val=&quot;72&quot;/&gt;&lt;lineCharCount val=&quot;70&quot;/&gt;&lt;lineCharCount val=&quot;11&quot;/&gt;&lt;/TableIndex&gt;&lt;/ShapeTextInfo&gt;"/>
+  <p:tag name="PRESENTER_SHAPEINFO" val="&lt;ThreeDShapeInfo&gt;&lt;uuid val=&quot;{2EA440EB-1484-4661-815E-94F4777ED711}&quot;/&gt;&lt;isInvalidForFieldText val=&quot;0&quot;/&gt;&lt;Image&gt;&lt;filename val=&quot;C:\Users\PAMUK\AppData\Local\Temp\PR\data\asimages\{2EA440EB-1484-4661-815E-94F4777ED711}_2.png&quot;/&gt;&lt;left val=&quot;16&quot;/&gt;&lt;top val=&quot;101&quot;/&gt;&lt;width val=&quot;696&quot;/&gt;&lt;height val=&quot;446&quot;/&gt;&lt;hasText val=&quot;1&quot;/&gt;&lt;/Image&gt;&lt;/ThreeDShapeInfo&gt;"/>
+</p:tagLst>
+</file>
+
+<file path=ppt/tags/tag251.xml><?xml version="1.0" encoding="utf-8"?>
+<p:tagLst xmlns:a="http://schemas.openxmlformats.org/drawingml/2006/main" xmlns:r="http://schemas.openxmlformats.org/officeDocument/2006/relationships" xmlns:p="http://schemas.openxmlformats.org/presentationml/2006/main">
+  <p:tag name="PRESENTER_SHAPETEXTINFO" val="&lt;ShapeTextInfo&gt;&lt;TableIndex row=&quot;-1&quot; col=&quot;-1&quot;&gt;&lt;linesCount val=&quot;1&quot;/&gt;&lt;lineCharCount val=&quot;65&quot;/&gt;&lt;/TableIndex&gt;&lt;/ShapeTextInfo&gt;"/>
+</p:tagLst>
+</file>
+
+<file path=ppt/tags/tag252.xml><?xml version="1.0" encoding="utf-8"?>
 <p:tagLst xmlns:a="http://schemas.openxmlformats.org/drawingml/2006/main" xmlns:r="http://schemas.openxmlformats.org/officeDocument/2006/relationships" xmlns:p="http://schemas.openxmlformats.org/presentationml/2006/main">
   <p:tag name="PRESENTER_SHAPETEXTINFO" val="&lt;ShapeTextInfo&gt;&lt;TableIndex row=&quot;-1&quot; col=&quot;-1&quot;&gt;&lt;linesCount val=&quot;1&quot;/&gt;&lt;lineCharCount val=&quot;1&quot;/&gt;&lt;/TableIndex&gt;&lt;/ShapeTextInfo&gt;"/>
 </p:tagLst>
